--- a/毕设答辩.pptx
+++ b/毕设答辩.pptx
@@ -7,23 +7,22 @@
   <p:sldIdLst>
     <p:sldId id="271" r:id="rId2"/>
     <p:sldId id="257" r:id="rId3"/>
-    <p:sldId id="267" r:id="rId4"/>
-    <p:sldId id="258" r:id="rId5"/>
-    <p:sldId id="276" r:id="rId6"/>
-    <p:sldId id="277" r:id="rId7"/>
-    <p:sldId id="279" r:id="rId8"/>
-    <p:sldId id="280" r:id="rId9"/>
-    <p:sldId id="283" r:id="rId10"/>
-    <p:sldId id="281" r:id="rId11"/>
-    <p:sldId id="282" r:id="rId12"/>
-    <p:sldId id="285" r:id="rId13"/>
-    <p:sldId id="284" r:id="rId14"/>
-    <p:sldId id="289" r:id="rId15"/>
-    <p:sldId id="290" r:id="rId16"/>
-    <p:sldId id="291" r:id="rId17"/>
-    <p:sldId id="287" r:id="rId18"/>
-    <p:sldId id="286" r:id="rId19"/>
-    <p:sldId id="288" r:id="rId20"/>
+    <p:sldId id="258" r:id="rId4"/>
+    <p:sldId id="276" r:id="rId5"/>
+    <p:sldId id="277" r:id="rId6"/>
+    <p:sldId id="279" r:id="rId7"/>
+    <p:sldId id="280" r:id="rId8"/>
+    <p:sldId id="283" r:id="rId9"/>
+    <p:sldId id="281" r:id="rId10"/>
+    <p:sldId id="282" r:id="rId11"/>
+    <p:sldId id="285" r:id="rId12"/>
+    <p:sldId id="284" r:id="rId13"/>
+    <p:sldId id="289" r:id="rId14"/>
+    <p:sldId id="290" r:id="rId15"/>
+    <p:sldId id="291" r:id="rId16"/>
+    <p:sldId id="287" r:id="rId17"/>
+    <p:sldId id="286" r:id="rId18"/>
+    <p:sldId id="288" r:id="rId19"/>
   </p:sldIdLst>
   <p:sldSz cx="9144000" cy="6858000" type="screen4x3"/>
   <p:notesSz cx="6858000" cy="9144000"/>
@@ -278,7 +277,7 @@
               <a:pPr>
                 <a:defRPr/>
               </a:pPr>
-              <a:t>2019/5/9</a:t>
+              <a:t>2019/5/10</a:t>
             </a:fld>
             <a:endParaRPr lang="zh-CN" altLang="en-US"/>
           </a:p>
@@ -461,7 +460,7 @@
               <a:pPr>
                 <a:defRPr/>
               </a:pPr>
-              <a:t>2019/5/9</a:t>
+              <a:t>2019/5/10</a:t>
             </a:fld>
             <a:endParaRPr lang="zh-CN" altLang="en-US"/>
           </a:p>
@@ -654,7 +653,7 @@
               <a:pPr>
                 <a:defRPr/>
               </a:pPr>
-              <a:t>2019/5/9</a:t>
+              <a:t>2019/5/10</a:t>
             </a:fld>
             <a:endParaRPr lang="zh-CN" altLang="en-US"/>
           </a:p>
@@ -834,7 +833,7 @@
               <a:pPr>
                 <a:defRPr/>
               </a:pPr>
-              <a:t>2019/5/9</a:t>
+              <a:t>2019/5/10</a:t>
             </a:fld>
             <a:endParaRPr lang="zh-CN" altLang="en-US"/>
           </a:p>
@@ -1091,7 +1090,7 @@
               <a:pPr>
                 <a:defRPr/>
               </a:pPr>
-              <a:t>2019/5/9</a:t>
+              <a:t>2019/5/10</a:t>
             </a:fld>
             <a:endParaRPr lang="zh-CN" altLang="en-US"/>
           </a:p>
@@ -1336,7 +1335,7 @@
               <a:pPr>
                 <a:defRPr/>
               </a:pPr>
-              <a:t>2019/5/9</a:t>
+              <a:t>2019/5/10</a:t>
             </a:fld>
             <a:endParaRPr lang="zh-CN" altLang="en-US"/>
           </a:p>
@@ -1716,7 +1715,7 @@
               <a:pPr>
                 <a:defRPr/>
               </a:pPr>
-              <a:t>2019/5/9</a:t>
+              <a:t>2019/5/10</a:t>
             </a:fld>
             <a:endParaRPr lang="zh-CN" altLang="en-US"/>
           </a:p>
@@ -1847,7 +1846,7 @@
               <a:pPr>
                 <a:defRPr/>
               </a:pPr>
-              <a:t>2019/5/9</a:t>
+              <a:t>2019/5/10</a:t>
             </a:fld>
             <a:endParaRPr lang="zh-CN" altLang="en-US"/>
           </a:p>
@@ -1955,7 +1954,7 @@
               <a:pPr>
                 <a:defRPr/>
               </a:pPr>
-              <a:t>2019/5/9</a:t>
+              <a:t>2019/5/10</a:t>
             </a:fld>
             <a:endParaRPr lang="zh-CN" altLang="en-US"/>
           </a:p>
@@ -2245,7 +2244,7 @@
               <a:pPr>
                 <a:defRPr/>
               </a:pPr>
-              <a:t>2019/5/9</a:t>
+              <a:t>2019/5/10</a:t>
             </a:fld>
             <a:endParaRPr lang="zh-CN" altLang="en-US"/>
           </a:p>
@@ -2515,7 +2514,7 @@
               <a:pPr>
                 <a:defRPr/>
               </a:pPr>
-              <a:t>2019/5/9</a:t>
+              <a:t>2019/5/10</a:t>
             </a:fld>
             <a:endParaRPr lang="zh-CN" altLang="en-US"/>
           </a:p>
@@ -2750,7 +2749,7 @@
               <a:pPr>
                 <a:defRPr/>
               </a:pPr>
-              <a:t>2019/5/9</a:t>
+              <a:t>2019/5/10</a:t>
             </a:fld>
             <a:endParaRPr lang="zh-CN" altLang="en-US"/>
           </a:p>
@@ -4150,7 +4149,7 @@
                 <a:latin typeface="微软雅黑" pitchFamily="34" charset="-122"/>
                 <a:ea typeface="微软雅黑" pitchFamily="34" charset="-122"/>
               </a:rPr>
-              <a:t>图表显示模块</a:t>
+              <a:t>爬虫模块</a:t>
             </a:r>
             <a:endParaRPr lang="zh-CN" altLang="en-US" b="1" dirty="0">
               <a:solidFill>
@@ -4165,7 +4164,7 @@
           <p:cNvPr id="2" name="图片 1">
             <a:extLst>
               <a:ext uri="{FF2B5EF4-FFF2-40B4-BE49-F238E27FC236}">
-                <a16:creationId xmlns:a16="http://schemas.microsoft.com/office/drawing/2014/main" id="{70466DAE-8854-4F36-8690-3B4677D08560}"/>
+                <a16:creationId xmlns:a16="http://schemas.microsoft.com/office/drawing/2014/main" id="{2A42751D-8A65-468C-A971-8419BD06FA9A}"/>
               </a:ext>
             </a:extLst>
           </p:cNvPr>
@@ -4182,103 +4181,18 @@
         </p:blipFill>
         <p:spPr>
           <a:xfrm>
-            <a:off x="472271" y="1142606"/>
-            <a:ext cx="5982915" cy="5334395"/>
+            <a:off x="149960" y="1141096"/>
+            <a:ext cx="8844083" cy="4575811"/>
           </a:xfrm>
           <a:prstGeom prst="rect">
             <a:avLst/>
           </a:prstGeom>
         </p:spPr>
       </p:pic>
-      <p:sp>
-        <p:nvSpPr>
-          <p:cNvPr id="3" name="文本框 2">
-            <a:extLst>
-              <a:ext uri="{FF2B5EF4-FFF2-40B4-BE49-F238E27FC236}">
-                <a16:creationId xmlns:a16="http://schemas.microsoft.com/office/drawing/2014/main" id="{31CC2D11-B33A-42C8-8CEE-6F5A28E7EE17}"/>
-              </a:ext>
-            </a:extLst>
-          </p:cNvPr>
-          <p:cNvSpPr txBox="1"/>
-          <p:nvPr/>
-        </p:nvSpPr>
-        <p:spPr>
-          <a:xfrm>
-            <a:off x="6928902" y="1049783"/>
-            <a:ext cx="1533962" cy="4985980"/>
-          </a:xfrm>
-          <a:prstGeom prst="rect">
-            <a:avLst/>
-          </a:prstGeom>
-          <a:noFill/>
-        </p:spPr>
-        <p:txBody>
-          <a:bodyPr wrap="square" rtlCol="0">
-            <a:spAutoFit/>
-          </a:bodyPr>
-          <a:lstStyle/>
-          <a:p>
-            <a:br>
-              <a:rPr lang="en-US" altLang="zh-CN" sz="2000" dirty="0"/>
-            </a:br>
-            <a:r>
-              <a:rPr lang="en-US" altLang="zh-CN" sz="2000" dirty="0"/>
-              <a:t>Chart.js</a:t>
-            </a:r>
-            <a:r>
-              <a:rPr lang="zh-CN" altLang="en-US" sz="2000" dirty="0"/>
-              <a:t>是基于 </a:t>
-            </a:r>
-            <a:r>
-              <a:rPr lang="en-US" altLang="zh-CN" sz="2000" dirty="0"/>
-              <a:t>HTML5 </a:t>
-            </a:r>
-            <a:r>
-              <a:rPr lang="zh-CN" altLang="en-US" sz="2000" dirty="0"/>
-              <a:t>的 </a:t>
-            </a:r>
-            <a:r>
-              <a:rPr lang="en-US" altLang="zh-CN" sz="2000" dirty="0"/>
-              <a:t>JavaScript </a:t>
-            </a:r>
-            <a:r>
-              <a:rPr lang="zh-CN" altLang="en-US" sz="2000" dirty="0"/>
-              <a:t>图表库，具有</a:t>
-            </a:r>
-            <a:r>
-              <a:rPr lang="en-US" altLang="zh-CN" sz="2000" dirty="0"/>
-              <a:t>6</a:t>
-            </a:r>
-            <a:r>
-              <a:rPr lang="zh-CN" altLang="en-US" sz="2000" dirty="0"/>
-              <a:t>种图表类型，具有简单灵活的优点。利用</a:t>
-            </a:r>
-            <a:r>
-              <a:rPr lang="en-US" altLang="zh-CN" sz="2000" dirty="0"/>
-              <a:t>Django+Ajaxa</a:t>
-            </a:r>
-            <a:r>
-              <a:rPr lang="zh-CN" altLang="en-US" sz="2000" dirty="0"/>
-              <a:t>将数据返回并绑定到</a:t>
-            </a:r>
-            <a:r>
-              <a:rPr lang="en-US" altLang="zh-CN" sz="2000" dirty="0"/>
-              <a:t>Canvas</a:t>
-            </a:r>
-            <a:r>
-              <a:rPr lang="zh-CN" altLang="en-US" sz="2000" dirty="0"/>
-              <a:t>上，实现图表的显示。</a:t>
-            </a:r>
-          </a:p>
-          <a:p>
-            <a:endParaRPr lang="zh-CN" altLang="en-US" sz="2000" dirty="0"/>
-          </a:p>
-        </p:txBody>
-      </p:sp>
     </p:spTree>
     <p:extLst>
       <p:ext uri="{BB962C8B-B14F-4D97-AF65-F5344CB8AC3E}">
-        <p14:creationId xmlns:p14="http://schemas.microsoft.com/office/powerpoint/2010/main" val="171382450"/>
+        <p14:creationId xmlns:p14="http://schemas.microsoft.com/office/powerpoint/2010/main" val="1099218633"/>
       </p:ext>
     </p:extLst>
   </p:cSld>
@@ -4483,16 +4397,14 @@
       </p:sp>
       <p:pic>
         <p:nvPicPr>
-          <p:cNvPr id="2" name="图片 1">
+          <p:cNvPr id="7" name="图片 6">
             <a:extLst>
               <a:ext uri="{FF2B5EF4-FFF2-40B4-BE49-F238E27FC236}">
-                <a16:creationId xmlns:a16="http://schemas.microsoft.com/office/drawing/2014/main" id="{2A42751D-8A65-468C-A971-8419BD06FA9A}"/>
+                <a16:creationId xmlns:a16="http://schemas.microsoft.com/office/drawing/2014/main" id="{38A87265-2B79-4203-9806-21C7CAD6505B}"/>
               </a:ext>
             </a:extLst>
           </p:cNvPr>
-          <p:cNvPicPr>
-            <a:picLocks noChangeAspect="1"/>
-          </p:cNvPicPr>
+          <p:cNvPicPr/>
           <p:nvPr/>
         </p:nvPicPr>
         <p:blipFill>
@@ -4503,18 +4415,61 @@
         </p:blipFill>
         <p:spPr>
           <a:xfrm>
-            <a:off x="149960" y="1141096"/>
-            <a:ext cx="8844083" cy="4575811"/>
+            <a:off x="472269" y="1767525"/>
+            <a:ext cx="8539756" cy="4709474"/>
           </a:xfrm>
           <a:prstGeom prst="rect">
             <a:avLst/>
           </a:prstGeom>
         </p:spPr>
       </p:pic>
+      <p:sp>
+        <p:nvSpPr>
+          <p:cNvPr id="3" name="文本框 2">
+            <a:extLst>
+              <a:ext uri="{FF2B5EF4-FFF2-40B4-BE49-F238E27FC236}">
+                <a16:creationId xmlns:a16="http://schemas.microsoft.com/office/drawing/2014/main" id="{E328E778-73CE-4135-95BD-9D678AE9BEB7}"/>
+              </a:ext>
+            </a:extLst>
+          </p:cNvPr>
+          <p:cNvSpPr txBox="1"/>
+          <p:nvPr/>
+        </p:nvSpPr>
+        <p:spPr>
+          <a:xfrm>
+            <a:off x="4308050" y="1096488"/>
+            <a:ext cx="4027064" cy="369332"/>
+          </a:xfrm>
+          <a:prstGeom prst="rect">
+            <a:avLst/>
+          </a:prstGeom>
+          <a:noFill/>
+        </p:spPr>
+        <p:txBody>
+          <a:bodyPr wrap="none" rtlCol="0">
+            <a:spAutoFit/>
+          </a:bodyPr>
+          <a:lstStyle/>
+          <a:p>
+            <a:r>
+              <a:rPr lang="zh-CN" altLang="en-US" dirty="0"/>
+              <a:t>查找分析并简化淘宝</a:t>
+            </a:r>
+            <a:r>
+              <a:rPr lang="en-US" altLang="zh-CN" dirty="0"/>
+              <a:t>JSONP</a:t>
+            </a:r>
+            <a:r>
+              <a:rPr lang="zh-CN" altLang="en-US" dirty="0"/>
+              <a:t>的请求参数</a:t>
+            </a:r>
+          </a:p>
+        </p:txBody>
+      </p:sp>
     </p:spTree>
     <p:extLst>
       <p:ext uri="{BB962C8B-B14F-4D97-AF65-F5344CB8AC3E}">
-        <p14:creationId xmlns:p14="http://schemas.microsoft.com/office/powerpoint/2010/main" val="1099218633"/>
+        <p14:creationId xmlns:p14="http://schemas.microsoft.com/office/powerpoint/2010/main" val="3310844127"/>
       </p:ext>
     </p:extLst>
   </p:cSld>
@@ -4656,7 +4611,7 @@
         <p:spPr bwMode="auto">
           <a:xfrm>
             <a:off x="1056640" y="425451"/>
-            <a:ext cx="3000375" cy="369332"/>
+            <a:ext cx="5042502" cy="369332"/>
           </a:xfrm>
           <a:prstGeom prst="rect">
             <a:avLst/>
@@ -4670,7 +4625,7 @@
           </a:ln>
         </p:spPr>
         <p:txBody>
-          <a:bodyPr>
+          <a:bodyPr wrap="square">
             <a:spAutoFit/>
           </a:bodyPr>
           <a:lstStyle/>
@@ -4707,7 +4662,37 @@
                 <a:latin typeface="微软雅黑" pitchFamily="34" charset="-122"/>
                 <a:ea typeface="微软雅黑" pitchFamily="34" charset="-122"/>
               </a:rPr>
-              <a:t>爬虫模块</a:t>
+              <a:t>分析模块</a:t>
+            </a:r>
+            <a:r>
+              <a:rPr lang="en-US" altLang="zh-CN" b="1" dirty="0">
+                <a:solidFill>
+                  <a:schemeClr val="bg1"/>
+                </a:solidFill>
+                <a:latin typeface="微软雅黑" pitchFamily="34" charset="-122"/>
+                <a:ea typeface="微软雅黑" pitchFamily="34" charset="-122"/>
+              </a:rPr>
+              <a:t>——</a:t>
+            </a:r>
+            <a:r>
+              <a:rPr lang="zh-CN" altLang="en-US" b="1" dirty="0">
+                <a:solidFill>
+                  <a:schemeClr val="bg1"/>
+                </a:solidFill>
+                <a:latin typeface="微软雅黑" pitchFamily="34" charset="-122"/>
+                <a:ea typeface="微软雅黑" pitchFamily="34" charset="-122"/>
+              </a:rPr>
+              <a:t>百度</a:t>
+            </a:r>
+            <a:r>
+              <a:rPr lang="en-US" altLang="zh-CN" b="1" dirty="0">
+                <a:solidFill>
+                  <a:schemeClr val="bg1"/>
+                </a:solidFill>
+                <a:latin typeface="微软雅黑" pitchFamily="34" charset="-122"/>
+                <a:ea typeface="微软雅黑" pitchFamily="34" charset="-122"/>
+              </a:rPr>
+              <a:t>AI</a:t>
             </a:r>
             <a:endParaRPr lang="zh-CN" altLang="en-US" b="1" dirty="0">
               <a:solidFill>
@@ -4719,79 +4704,44 @@
       </p:sp>
       <p:pic>
         <p:nvPicPr>
-          <p:cNvPr id="7" name="图片 6">
+          <p:cNvPr id="8" name="图片 7">
             <a:extLst>
               <a:ext uri="{FF2B5EF4-FFF2-40B4-BE49-F238E27FC236}">
-                <a16:creationId xmlns:a16="http://schemas.microsoft.com/office/drawing/2014/main" id="{38A87265-2B79-4203-9806-21C7CAD6505B}"/>
+                <a16:creationId xmlns:a16="http://schemas.microsoft.com/office/drawing/2014/main" id="{91B3EE39-190F-4F7E-8962-93265FC6B1E1}"/>
               </a:ext>
             </a:extLst>
           </p:cNvPr>
-          <p:cNvPicPr/>
+          <p:cNvPicPr>
+            <a:picLocks noChangeAspect="1"/>
+          </p:cNvPicPr>
           <p:nvPr/>
         </p:nvPicPr>
         <p:blipFill>
-          <a:blip r:embed="rId2"/>
+          <a:blip r:embed="rId2">
+            <a:extLst>
+              <a:ext uri="{28A0092B-C50C-407E-A947-70E740481C1C}">
+                <a14:useLocalDpi xmlns:a14="http://schemas.microsoft.com/office/drawing/2010/main" val="0"/>
+              </a:ext>
+            </a:extLst>
+          </a:blip>
           <a:stretch>
             <a:fillRect/>
           </a:stretch>
         </p:blipFill>
         <p:spPr>
           <a:xfrm>
-            <a:off x="472269" y="1767525"/>
-            <a:ext cx="8539756" cy="4709474"/>
+            <a:off x="0" y="1249160"/>
+            <a:ext cx="9144000" cy="5584521"/>
           </a:xfrm>
           <a:prstGeom prst="rect">
             <a:avLst/>
           </a:prstGeom>
         </p:spPr>
       </p:pic>
-      <p:sp>
-        <p:nvSpPr>
-          <p:cNvPr id="3" name="文本框 2">
-            <a:extLst>
-              <a:ext uri="{FF2B5EF4-FFF2-40B4-BE49-F238E27FC236}">
-                <a16:creationId xmlns:a16="http://schemas.microsoft.com/office/drawing/2014/main" id="{E328E778-73CE-4135-95BD-9D678AE9BEB7}"/>
-              </a:ext>
-            </a:extLst>
-          </p:cNvPr>
-          <p:cNvSpPr txBox="1"/>
-          <p:nvPr/>
-        </p:nvSpPr>
-        <p:spPr>
-          <a:xfrm>
-            <a:off x="4308050" y="1096488"/>
-            <a:ext cx="4027064" cy="369332"/>
-          </a:xfrm>
-          <a:prstGeom prst="rect">
-            <a:avLst/>
-          </a:prstGeom>
-          <a:noFill/>
-        </p:spPr>
-        <p:txBody>
-          <a:bodyPr wrap="none" rtlCol="0">
-            <a:spAutoFit/>
-          </a:bodyPr>
-          <a:lstStyle/>
-          <a:p>
-            <a:r>
-              <a:rPr lang="zh-CN" altLang="en-US" dirty="0"/>
-              <a:t>查找分析并简化淘宝</a:t>
-            </a:r>
-            <a:r>
-              <a:rPr lang="en-US" altLang="zh-CN" dirty="0"/>
-              <a:t>JSONP</a:t>
-            </a:r>
-            <a:r>
-              <a:rPr lang="zh-CN" altLang="en-US" dirty="0"/>
-              <a:t>的请求参数</a:t>
-            </a:r>
-          </a:p>
-        </p:txBody>
-      </p:sp>
     </p:spTree>
     <p:extLst>
       <p:ext uri="{BB962C8B-B14F-4D97-AF65-F5344CB8AC3E}">
-        <p14:creationId xmlns:p14="http://schemas.microsoft.com/office/powerpoint/2010/main" val="3310844127"/>
+        <p14:creationId xmlns:p14="http://schemas.microsoft.com/office/powerpoint/2010/main" val="702491192"/>
       </p:ext>
     </p:extLst>
   </p:cSld>
@@ -5004,17 +4954,7 @@
                 <a:latin typeface="微软雅黑" pitchFamily="34" charset="-122"/>
                 <a:ea typeface="微软雅黑" pitchFamily="34" charset="-122"/>
               </a:rPr>
-              <a:t>百度</a:t>
-            </a:r>
-            <a:r>
-              <a:rPr lang="en-US" altLang="zh-CN" b="1" dirty="0">
-                <a:solidFill>
-                  <a:schemeClr val="bg1"/>
-                </a:solidFill>
-                <a:latin typeface="微软雅黑" pitchFamily="34" charset="-122"/>
-                <a:ea typeface="微软雅黑" pitchFamily="34" charset="-122"/>
-              </a:rPr>
-              <a:t>AI</a:t>
+              <a:t>情感字典</a:t>
             </a:r>
             <a:endParaRPr lang="zh-CN" altLang="en-US" b="1" dirty="0">
               <a:solidFill>
@@ -5026,10 +4966,10 @@
       </p:sp>
       <p:pic>
         <p:nvPicPr>
-          <p:cNvPr id="8" name="图片 7">
+          <p:cNvPr id="5" name="图片 4">
             <a:extLst>
               <a:ext uri="{FF2B5EF4-FFF2-40B4-BE49-F238E27FC236}">
-                <a16:creationId xmlns:a16="http://schemas.microsoft.com/office/drawing/2014/main" id="{91B3EE39-190F-4F7E-8962-93265FC6B1E1}"/>
+                <a16:creationId xmlns:a16="http://schemas.microsoft.com/office/drawing/2014/main" id="{C931F3F6-B303-4A8E-A809-DF1B8C9AC99D}"/>
               </a:ext>
             </a:extLst>
           </p:cNvPr>
@@ -5052,8 +4992,8 @@
         </p:blipFill>
         <p:spPr>
           <a:xfrm>
-            <a:off x="0" y="1249160"/>
-            <a:ext cx="9144000" cy="5584521"/>
+            <a:off x="348792" y="1008102"/>
+            <a:ext cx="8398965" cy="5757234"/>
           </a:xfrm>
           <a:prstGeom prst="rect">
             <a:avLst/>
@@ -5063,7 +5003,7 @@
     </p:spTree>
     <p:extLst>
       <p:ext uri="{BB962C8B-B14F-4D97-AF65-F5344CB8AC3E}">
-        <p14:creationId xmlns:p14="http://schemas.microsoft.com/office/powerpoint/2010/main" val="702491192"/>
+        <p14:creationId xmlns:p14="http://schemas.microsoft.com/office/powerpoint/2010/main" val="3390040416"/>
       </p:ext>
     </p:extLst>
   </p:cSld>
@@ -5276,7 +5216,7 @@
                 <a:latin typeface="微软雅黑" pitchFamily="34" charset="-122"/>
                 <a:ea typeface="微软雅黑" pitchFamily="34" charset="-122"/>
               </a:rPr>
-              <a:t>情感字典</a:t>
+              <a:t>机器学习</a:t>
             </a:r>
             <a:endParaRPr lang="zh-CN" altLang="en-US" b="1" dirty="0">
               <a:solidFill>
@@ -5288,10 +5228,10 @@
       </p:sp>
       <p:pic>
         <p:nvPicPr>
-          <p:cNvPr id="5" name="图片 4">
+          <p:cNvPr id="3" name="图片 2">
             <a:extLst>
               <a:ext uri="{FF2B5EF4-FFF2-40B4-BE49-F238E27FC236}">
-                <a16:creationId xmlns:a16="http://schemas.microsoft.com/office/drawing/2014/main" id="{C931F3F6-B303-4A8E-A809-DF1B8C9AC99D}"/>
+                <a16:creationId xmlns:a16="http://schemas.microsoft.com/office/drawing/2014/main" id="{6F887B14-7AB8-46AE-8D85-CFFBE5288264}"/>
               </a:ext>
             </a:extLst>
           </p:cNvPr>
@@ -5314,8 +5254,8 @@
         </p:blipFill>
         <p:spPr>
           <a:xfrm>
-            <a:off x="348792" y="1008102"/>
-            <a:ext cx="8398965" cy="5757234"/>
+            <a:off x="141953" y="1091153"/>
+            <a:ext cx="8860093" cy="5663152"/>
           </a:xfrm>
           <a:prstGeom prst="rect">
             <a:avLst/>
@@ -5325,7 +5265,7 @@
     </p:spTree>
     <p:extLst>
       <p:ext uri="{BB962C8B-B14F-4D97-AF65-F5344CB8AC3E}">
-        <p14:creationId xmlns:p14="http://schemas.microsoft.com/office/powerpoint/2010/main" val="3390040416"/>
+        <p14:creationId xmlns:p14="http://schemas.microsoft.com/office/powerpoint/2010/main" val="2639899637"/>
       </p:ext>
     </p:extLst>
   </p:cSld>
@@ -5548,12 +5488,93 @@
           </a:p>
         </p:txBody>
       </p:sp>
+      <p:sp>
+        <p:nvSpPr>
+          <p:cNvPr id="2" name="矩形 1">
+            <a:extLst>
+              <a:ext uri="{FF2B5EF4-FFF2-40B4-BE49-F238E27FC236}">
+                <a16:creationId xmlns:a16="http://schemas.microsoft.com/office/drawing/2014/main" id="{20492DB3-1430-46EE-B7B3-C603F98FBEDA}"/>
+              </a:ext>
+            </a:extLst>
+          </p:cNvPr>
+          <p:cNvSpPr/>
+          <p:nvPr/>
+        </p:nvSpPr>
+        <p:spPr>
+          <a:xfrm>
+            <a:off x="472272" y="971327"/>
+            <a:ext cx="7323696" cy="954107"/>
+          </a:xfrm>
+          <a:prstGeom prst="rect">
+            <a:avLst/>
+          </a:prstGeom>
+        </p:spPr>
+        <p:txBody>
+          <a:bodyPr wrap="square">
+            <a:spAutoFit/>
+          </a:bodyPr>
+          <a:lstStyle/>
+          <a:p>
+            <a:r>
+              <a:rPr lang="zh-CN" altLang="en-US" sz="2800" dirty="0">
+                <a:solidFill>
+                  <a:srgbClr val="4F4F4F"/>
+                </a:solidFill>
+                <a:latin typeface="Microsoft YaHei" panose="020B0503020204020204" pitchFamily="34" charset="-122"/>
+                <a:ea typeface="Microsoft YaHei" panose="020B0503020204020204" pitchFamily="34" charset="-122"/>
+              </a:rPr>
+              <a:t>根据贝叶斯定理，对一个分类问题，给定样本特征</a:t>
+            </a:r>
+            <a:r>
+              <a:rPr lang="en-US" altLang="zh-CN" sz="2800" dirty="0">
+                <a:solidFill>
+                  <a:srgbClr val="4F4F4F"/>
+                </a:solidFill>
+                <a:latin typeface="Microsoft YaHei" panose="020B0503020204020204" pitchFamily="34" charset="-122"/>
+                <a:ea typeface="Microsoft YaHei" panose="020B0503020204020204" pitchFamily="34" charset="-122"/>
+              </a:rPr>
+              <a:t>x</a:t>
+            </a:r>
+            <a:r>
+              <a:rPr lang="zh-CN" altLang="en-US" sz="2800" dirty="0">
+                <a:solidFill>
+                  <a:srgbClr val="4F4F4F"/>
+                </a:solidFill>
+                <a:latin typeface="Microsoft YaHei" panose="020B0503020204020204" pitchFamily="34" charset="-122"/>
+                <a:ea typeface="Microsoft YaHei" panose="020B0503020204020204" pitchFamily="34" charset="-122"/>
+              </a:rPr>
+              <a:t>，样本属于类别</a:t>
+            </a:r>
+            <a:r>
+              <a:rPr lang="en-US" altLang="zh-CN" sz="2800" dirty="0">
+                <a:solidFill>
+                  <a:srgbClr val="4F4F4F"/>
+                </a:solidFill>
+                <a:latin typeface="Microsoft YaHei" panose="020B0503020204020204" pitchFamily="34" charset="-122"/>
+                <a:ea typeface="Microsoft YaHei" panose="020B0503020204020204" pitchFamily="34" charset="-122"/>
+              </a:rPr>
+              <a:t>y</a:t>
+            </a:r>
+            <a:r>
+              <a:rPr lang="zh-CN" altLang="en-US" sz="2800" dirty="0">
+                <a:solidFill>
+                  <a:srgbClr val="4F4F4F"/>
+                </a:solidFill>
+                <a:latin typeface="Microsoft YaHei" panose="020B0503020204020204" pitchFamily="34" charset="-122"/>
+                <a:ea typeface="Microsoft YaHei" panose="020B0503020204020204" pitchFamily="34" charset="-122"/>
+              </a:rPr>
+              <a:t>的概率是</a:t>
+            </a:r>
+            <a:endParaRPr lang="zh-CN" altLang="en-US" sz="2800" dirty="0"/>
+          </a:p>
+        </p:txBody>
+      </p:sp>
       <p:pic>
         <p:nvPicPr>
-          <p:cNvPr id="3" name="图片 2">
+          <p:cNvPr id="5" name="图片 4">
             <a:extLst>
               <a:ext uri="{FF2B5EF4-FFF2-40B4-BE49-F238E27FC236}">
-                <a16:creationId xmlns:a16="http://schemas.microsoft.com/office/drawing/2014/main" id="{6F887B14-7AB8-46AE-8D85-CFFBE5288264}"/>
+                <a16:creationId xmlns:a16="http://schemas.microsoft.com/office/drawing/2014/main" id="{F6998118-3021-4A32-A92E-E3373517FA4D}"/>
               </a:ext>
             </a:extLst>
           </p:cNvPr>
@@ -5563,21 +5584,118 @@
           <p:nvPr/>
         </p:nvPicPr>
         <p:blipFill>
-          <a:blip r:embed="rId2">
-            <a:extLst>
-              <a:ext uri="{28A0092B-C50C-407E-A947-70E740481C1C}">
-                <a14:useLocalDpi xmlns:a14="http://schemas.microsoft.com/office/drawing/2010/main" val="0"/>
-              </a:ext>
-            </a:extLst>
-          </a:blip>
+          <a:blip r:embed="rId2"/>
           <a:stretch>
             <a:fillRect/>
           </a:stretch>
         </p:blipFill>
         <p:spPr>
           <a:xfrm>
-            <a:off x="141953" y="1091153"/>
-            <a:ext cx="8860093" cy="5663152"/>
+            <a:off x="2603840" y="1940617"/>
+            <a:ext cx="3495302" cy="1292782"/>
+          </a:xfrm>
+          <a:prstGeom prst="rect">
+            <a:avLst/>
+          </a:prstGeom>
+        </p:spPr>
+      </p:pic>
+      <p:sp>
+        <p:nvSpPr>
+          <p:cNvPr id="6" name="矩形 5">
+            <a:extLst>
+              <a:ext uri="{FF2B5EF4-FFF2-40B4-BE49-F238E27FC236}">
+                <a16:creationId xmlns:a16="http://schemas.microsoft.com/office/drawing/2014/main" id="{C9A6DEB3-D671-43F6-AC5B-7675FECAFA88}"/>
+              </a:ext>
+            </a:extLst>
+          </p:cNvPr>
+          <p:cNvSpPr/>
+          <p:nvPr/>
+        </p:nvSpPr>
+        <p:spPr>
+          <a:xfrm>
+            <a:off x="472271" y="3326032"/>
+            <a:ext cx="8370164" cy="1384995"/>
+          </a:xfrm>
+          <a:prstGeom prst="rect">
+            <a:avLst/>
+          </a:prstGeom>
+        </p:spPr>
+        <p:txBody>
+          <a:bodyPr wrap="square">
+            <a:spAutoFit/>
+          </a:bodyPr>
+          <a:lstStyle/>
+          <a:p>
+            <a:r>
+              <a:rPr lang="zh-CN" altLang="en-US" sz="2800" dirty="0">
+                <a:latin typeface="-apple-system"/>
+              </a:rPr>
+              <a:t>在这里，</a:t>
+            </a:r>
+            <a:r>
+              <a:rPr lang="en-US" altLang="zh-CN" sz="2800" dirty="0">
+                <a:latin typeface="-apple-system"/>
+              </a:rPr>
+              <a:t>x</a:t>
+            </a:r>
+            <a:r>
+              <a:rPr lang="zh-CN" altLang="en-US" sz="2800" dirty="0">
+                <a:latin typeface="-apple-system"/>
+              </a:rPr>
+              <a:t>是一个特征向量，将设</a:t>
+            </a:r>
+            <a:r>
+              <a:rPr lang="en-US" altLang="zh-CN" sz="2800" dirty="0">
+                <a:latin typeface="-apple-system"/>
+              </a:rPr>
+              <a:t>x</a:t>
+            </a:r>
+            <a:r>
+              <a:rPr lang="zh-CN" altLang="en-US" sz="2800" dirty="0">
+                <a:latin typeface="-apple-system"/>
+              </a:rPr>
+              <a:t>维度为</a:t>
+            </a:r>
+            <a:r>
+              <a:rPr lang="en-US" altLang="zh-CN" sz="2800" dirty="0">
+                <a:latin typeface="-apple-system"/>
+              </a:rPr>
+              <a:t>M</a:t>
+            </a:r>
+            <a:r>
+              <a:rPr lang="zh-CN" altLang="en-US" sz="2800" dirty="0">
+                <a:latin typeface="-apple-system"/>
+              </a:rPr>
+              <a:t>。因为朴素的假设，即特征条件独立，根据全概率公式展开，公式可以表达为</a:t>
+            </a:r>
+            <a:endParaRPr lang="zh-CN" altLang="en-US" sz="2800" dirty="0"/>
+          </a:p>
+        </p:txBody>
+      </p:sp>
+      <p:pic>
+        <p:nvPicPr>
+          <p:cNvPr id="7" name="图片 6">
+            <a:extLst>
+              <a:ext uri="{FF2B5EF4-FFF2-40B4-BE49-F238E27FC236}">
+                <a16:creationId xmlns:a16="http://schemas.microsoft.com/office/drawing/2014/main" id="{0DE4F402-937C-4E48-8016-28C99E069C77}"/>
+              </a:ext>
+            </a:extLst>
+          </p:cNvPr>
+          <p:cNvPicPr>
+            <a:picLocks noChangeAspect="1"/>
+          </p:cNvPicPr>
+          <p:nvPr/>
+        </p:nvPicPr>
+        <p:blipFill>
+          <a:blip r:embed="rId3"/>
+          <a:stretch>
+            <a:fillRect/>
+          </a:stretch>
+        </p:blipFill>
+        <p:spPr>
+          <a:xfrm>
+            <a:off x="1798874" y="4941953"/>
+            <a:ext cx="5206919" cy="1223177"/>
           </a:xfrm>
           <a:prstGeom prst="rect">
             <a:avLst/>
@@ -5587,7 +5705,7 @@
     </p:spTree>
     <p:extLst>
       <p:ext uri="{BB962C8B-B14F-4D97-AF65-F5344CB8AC3E}">
-        <p14:creationId xmlns:p14="http://schemas.microsoft.com/office/powerpoint/2010/main" val="2639899637"/>
+        <p14:creationId xmlns:p14="http://schemas.microsoft.com/office/powerpoint/2010/main" val="2513615578"/>
       </p:ext>
     </p:extLst>
   </p:cSld>
@@ -5729,7 +5847,7 @@
         <p:spPr bwMode="auto">
           <a:xfrm>
             <a:off x="1056640" y="425451"/>
-            <a:ext cx="5042502" cy="369332"/>
+            <a:ext cx="3000375" cy="369332"/>
           </a:xfrm>
           <a:prstGeom prst="rect">
             <a:avLst/>
@@ -5743,7 +5861,7 @@
           </a:ln>
         </p:spPr>
         <p:txBody>
-          <a:bodyPr wrap="square">
+          <a:bodyPr>
             <a:spAutoFit/>
           </a:bodyPr>
           <a:lstStyle/>
@@ -5780,27 +5898,7 @@
                 <a:latin typeface="微软雅黑" pitchFamily="34" charset="-122"/>
                 <a:ea typeface="微软雅黑" pitchFamily="34" charset="-122"/>
               </a:rPr>
-              <a:t>分析模块</a:t>
-            </a:r>
-            <a:r>
-              <a:rPr lang="en-US" altLang="zh-CN" b="1" dirty="0">
-                <a:solidFill>
-                  <a:schemeClr val="bg1"/>
-                </a:solidFill>
-                <a:latin typeface="微软雅黑" pitchFamily="34" charset="-122"/>
-                <a:ea typeface="微软雅黑" pitchFamily="34" charset="-122"/>
-              </a:rPr>
-              <a:t>——</a:t>
-            </a:r>
-            <a:r>
-              <a:rPr lang="zh-CN" altLang="en-US" b="1" dirty="0">
-                <a:solidFill>
-                  <a:schemeClr val="bg1"/>
-                </a:solidFill>
-                <a:latin typeface="微软雅黑" pitchFamily="34" charset="-122"/>
-                <a:ea typeface="微软雅黑" pitchFamily="34" charset="-122"/>
-              </a:rPr>
-              <a:t>机器学习</a:t>
+              <a:t>交互模块</a:t>
             </a:r>
             <a:endParaRPr lang="zh-CN" altLang="en-US" b="1" dirty="0">
               <a:solidFill>
@@ -5810,93 +5908,12 @@
           </a:p>
         </p:txBody>
       </p:sp>
-      <p:sp>
-        <p:nvSpPr>
-          <p:cNvPr id="2" name="矩形 1">
-            <a:extLst>
-              <a:ext uri="{FF2B5EF4-FFF2-40B4-BE49-F238E27FC236}">
-                <a16:creationId xmlns:a16="http://schemas.microsoft.com/office/drawing/2014/main" id="{20492DB3-1430-46EE-B7B3-C603F98FBEDA}"/>
-              </a:ext>
-            </a:extLst>
-          </p:cNvPr>
-          <p:cNvSpPr/>
-          <p:nvPr/>
-        </p:nvSpPr>
-        <p:spPr>
-          <a:xfrm>
-            <a:off x="359057" y="1229901"/>
-            <a:ext cx="4572000" cy="646331"/>
-          </a:xfrm>
-          <a:prstGeom prst="rect">
-            <a:avLst/>
-          </a:prstGeom>
-        </p:spPr>
-        <p:txBody>
-          <a:bodyPr wrap="square">
-            <a:spAutoFit/>
-          </a:bodyPr>
-          <a:lstStyle/>
-          <a:p>
-            <a:r>
-              <a:rPr lang="zh-CN" altLang="en-US">
-                <a:solidFill>
-                  <a:srgbClr val="4F4F4F"/>
-                </a:solidFill>
-                <a:latin typeface="Microsoft YaHei" panose="020B0503020204020204" pitchFamily="34" charset="-122"/>
-                <a:ea typeface="Microsoft YaHei" panose="020B0503020204020204" pitchFamily="34" charset="-122"/>
-              </a:rPr>
-              <a:t>根据贝叶斯定理，对一个分类问题，给定样本特征</a:t>
-            </a:r>
-            <a:r>
-              <a:rPr lang="en-US" altLang="zh-CN">
-                <a:solidFill>
-                  <a:srgbClr val="4F4F4F"/>
-                </a:solidFill>
-                <a:latin typeface="Microsoft YaHei" panose="020B0503020204020204" pitchFamily="34" charset="-122"/>
-                <a:ea typeface="Microsoft YaHei" panose="020B0503020204020204" pitchFamily="34" charset="-122"/>
-              </a:rPr>
-              <a:t>x</a:t>
-            </a:r>
-            <a:r>
-              <a:rPr lang="zh-CN" altLang="en-US">
-                <a:solidFill>
-                  <a:srgbClr val="4F4F4F"/>
-                </a:solidFill>
-                <a:latin typeface="Microsoft YaHei" panose="020B0503020204020204" pitchFamily="34" charset="-122"/>
-                <a:ea typeface="Microsoft YaHei" panose="020B0503020204020204" pitchFamily="34" charset="-122"/>
-              </a:rPr>
-              <a:t>，样本属于类别</a:t>
-            </a:r>
-            <a:r>
-              <a:rPr lang="en-US" altLang="zh-CN">
-                <a:solidFill>
-                  <a:srgbClr val="4F4F4F"/>
-                </a:solidFill>
-                <a:latin typeface="Microsoft YaHei" panose="020B0503020204020204" pitchFamily="34" charset="-122"/>
-                <a:ea typeface="Microsoft YaHei" panose="020B0503020204020204" pitchFamily="34" charset="-122"/>
-              </a:rPr>
-              <a:t>y</a:t>
-            </a:r>
-            <a:r>
-              <a:rPr lang="zh-CN" altLang="en-US">
-                <a:solidFill>
-                  <a:srgbClr val="4F4F4F"/>
-                </a:solidFill>
-                <a:latin typeface="Microsoft YaHei" panose="020B0503020204020204" pitchFamily="34" charset="-122"/>
-                <a:ea typeface="Microsoft YaHei" panose="020B0503020204020204" pitchFamily="34" charset="-122"/>
-              </a:rPr>
-              <a:t>的概率是</a:t>
-            </a:r>
-            <a:endParaRPr lang="zh-CN" altLang="en-US" dirty="0"/>
-          </a:p>
-        </p:txBody>
-      </p:sp>
       <p:pic>
         <p:nvPicPr>
           <p:cNvPr id="5" name="图片 4">
             <a:extLst>
               <a:ext uri="{FF2B5EF4-FFF2-40B4-BE49-F238E27FC236}">
-                <a16:creationId xmlns:a16="http://schemas.microsoft.com/office/drawing/2014/main" id="{F6998118-3021-4A32-A92E-E3373517FA4D}"/>
+                <a16:creationId xmlns:a16="http://schemas.microsoft.com/office/drawing/2014/main" id="{100534C2-6D4F-4FD5-AF56-0843DD8A1964}"/>
               </a:ext>
             </a:extLst>
           </p:cNvPr>
@@ -5906,118 +5923,21 @@
           <p:nvPr/>
         </p:nvPicPr>
         <p:blipFill>
-          <a:blip r:embed="rId2"/>
+          <a:blip r:embed="rId2">
+            <a:extLst>
+              <a:ext uri="{28A0092B-C50C-407E-A947-70E740481C1C}">
+                <a14:useLocalDpi xmlns:a14="http://schemas.microsoft.com/office/drawing/2010/main" val="0"/>
+              </a:ext>
+            </a:extLst>
+          </a:blip>
           <a:stretch>
             <a:fillRect/>
           </a:stretch>
         </p:blipFill>
         <p:spPr>
           <a:xfrm>
-            <a:off x="1056640" y="2218717"/>
-            <a:ext cx="1668925" cy="617273"/>
-          </a:xfrm>
-          <a:prstGeom prst="rect">
-            <a:avLst/>
-          </a:prstGeom>
-        </p:spPr>
-      </p:pic>
-      <p:sp>
-        <p:nvSpPr>
-          <p:cNvPr id="6" name="矩形 5">
-            <a:extLst>
-              <a:ext uri="{FF2B5EF4-FFF2-40B4-BE49-F238E27FC236}">
-                <a16:creationId xmlns:a16="http://schemas.microsoft.com/office/drawing/2014/main" id="{C9A6DEB3-D671-43F6-AC5B-7675FECAFA88}"/>
-              </a:ext>
-            </a:extLst>
-          </p:cNvPr>
-          <p:cNvSpPr/>
-          <p:nvPr/>
-        </p:nvSpPr>
-        <p:spPr>
-          <a:xfrm>
-            <a:off x="359057" y="3325553"/>
-            <a:ext cx="4572000" cy="923330"/>
-          </a:xfrm>
-          <a:prstGeom prst="rect">
-            <a:avLst/>
-          </a:prstGeom>
-        </p:spPr>
-        <p:txBody>
-          <a:bodyPr>
-            <a:spAutoFit/>
-          </a:bodyPr>
-          <a:lstStyle/>
-          <a:p>
-            <a:r>
-              <a:rPr lang="zh-CN" altLang="en-US" dirty="0">
-                <a:latin typeface="-apple-system"/>
-              </a:rPr>
-              <a:t>在这里，</a:t>
-            </a:r>
-            <a:r>
-              <a:rPr lang="en-US" altLang="zh-CN" dirty="0">
-                <a:latin typeface="-apple-system"/>
-              </a:rPr>
-              <a:t>x</a:t>
-            </a:r>
-            <a:r>
-              <a:rPr lang="zh-CN" altLang="en-US" dirty="0">
-                <a:latin typeface="-apple-system"/>
-              </a:rPr>
-              <a:t>是一个特征向量，将设</a:t>
-            </a:r>
-            <a:r>
-              <a:rPr lang="en-US" altLang="zh-CN" dirty="0">
-                <a:latin typeface="-apple-system"/>
-              </a:rPr>
-              <a:t>x</a:t>
-            </a:r>
-            <a:r>
-              <a:rPr lang="zh-CN" altLang="en-US" dirty="0">
-                <a:latin typeface="-apple-system"/>
-              </a:rPr>
-              <a:t>维度为</a:t>
-            </a:r>
-            <a:r>
-              <a:rPr lang="en-US" altLang="zh-CN" dirty="0">
-                <a:latin typeface="-apple-system"/>
-              </a:rPr>
-              <a:t>M</a:t>
-            </a:r>
-            <a:r>
-              <a:rPr lang="zh-CN" altLang="en-US" dirty="0">
-                <a:latin typeface="-apple-system"/>
-              </a:rPr>
-              <a:t>。因为朴素的假设，即特征条件独立，根据全概率公式展开，公式可以表达为</a:t>
-            </a:r>
-            <a:endParaRPr lang="zh-CN" altLang="en-US" dirty="0"/>
-          </a:p>
-        </p:txBody>
-      </p:sp>
-      <p:pic>
-        <p:nvPicPr>
-          <p:cNvPr id="7" name="图片 6">
-            <a:extLst>
-              <a:ext uri="{FF2B5EF4-FFF2-40B4-BE49-F238E27FC236}">
-                <a16:creationId xmlns:a16="http://schemas.microsoft.com/office/drawing/2014/main" id="{0DE4F402-937C-4E48-8016-28C99E069C77}"/>
-              </a:ext>
-            </a:extLst>
-          </p:cNvPr>
-          <p:cNvPicPr>
-            <a:picLocks noChangeAspect="1"/>
-          </p:cNvPicPr>
-          <p:nvPr/>
-        </p:nvPicPr>
-        <p:blipFill>
-          <a:blip r:embed="rId3"/>
-          <a:stretch>
-            <a:fillRect/>
-          </a:stretch>
-        </p:blipFill>
-        <p:spPr>
-          <a:xfrm>
-            <a:off x="810785" y="4941953"/>
-            <a:ext cx="4419600" cy="1038225"/>
+            <a:off x="746740" y="1216058"/>
+            <a:ext cx="7534594" cy="5431228"/>
           </a:xfrm>
           <a:prstGeom prst="rect">
             <a:avLst/>
@@ -6027,7 +5947,7 @@
     </p:spTree>
     <p:extLst>
       <p:ext uri="{BB962C8B-B14F-4D97-AF65-F5344CB8AC3E}">
-        <p14:creationId xmlns:p14="http://schemas.microsoft.com/office/powerpoint/2010/main" val="2513615578"/>
+        <p14:creationId xmlns:p14="http://schemas.microsoft.com/office/powerpoint/2010/main" val="206666801"/>
       </p:ext>
     </p:extLst>
   </p:cSld>
@@ -6220,248 +6140,6 @@
                 <a:latin typeface="微软雅黑" pitchFamily="34" charset="-122"/>
                 <a:ea typeface="微软雅黑" pitchFamily="34" charset="-122"/>
               </a:rPr>
-              <a:t>交互模块</a:t>
-            </a:r>
-            <a:endParaRPr lang="zh-CN" altLang="en-US" b="1" dirty="0">
-              <a:solidFill>
-                <a:schemeClr val="bg1"/>
-              </a:solidFill>
-            </a:endParaRPr>
-          </a:p>
-        </p:txBody>
-      </p:sp>
-      <p:pic>
-        <p:nvPicPr>
-          <p:cNvPr id="5" name="图片 4">
-            <a:extLst>
-              <a:ext uri="{FF2B5EF4-FFF2-40B4-BE49-F238E27FC236}">
-                <a16:creationId xmlns:a16="http://schemas.microsoft.com/office/drawing/2014/main" id="{100534C2-6D4F-4FD5-AF56-0843DD8A1964}"/>
-              </a:ext>
-            </a:extLst>
-          </p:cNvPr>
-          <p:cNvPicPr>
-            <a:picLocks noChangeAspect="1"/>
-          </p:cNvPicPr>
-          <p:nvPr/>
-        </p:nvPicPr>
-        <p:blipFill>
-          <a:blip r:embed="rId2">
-            <a:extLst>
-              <a:ext uri="{28A0092B-C50C-407E-A947-70E740481C1C}">
-                <a14:useLocalDpi xmlns:a14="http://schemas.microsoft.com/office/drawing/2010/main" val="0"/>
-              </a:ext>
-            </a:extLst>
-          </a:blip>
-          <a:stretch>
-            <a:fillRect/>
-          </a:stretch>
-        </p:blipFill>
-        <p:spPr>
-          <a:xfrm>
-            <a:off x="746740" y="1216058"/>
-            <a:ext cx="7534594" cy="5431228"/>
-          </a:xfrm>
-          <a:prstGeom prst="rect">
-            <a:avLst/>
-          </a:prstGeom>
-        </p:spPr>
-      </p:pic>
-    </p:spTree>
-    <p:extLst>
-      <p:ext uri="{BB962C8B-B14F-4D97-AF65-F5344CB8AC3E}">
-        <p14:creationId xmlns:p14="http://schemas.microsoft.com/office/powerpoint/2010/main" val="206666801"/>
-      </p:ext>
-    </p:extLst>
-  </p:cSld>
-  <p:clrMapOvr>
-    <a:masterClrMapping/>
-  </p:clrMapOvr>
-  <p:transition spd="slow">
-    <p:wipe/>
-  </p:transition>
-</p:sld>
-</file>
-
-<file path=ppt/slides/slide18.xml><?xml version="1.0" encoding="utf-8"?>
-<p:sld xmlns:a="http://schemas.openxmlformats.org/drawingml/2006/main" xmlns:r="http://schemas.openxmlformats.org/officeDocument/2006/relationships" xmlns:p="http://schemas.openxmlformats.org/presentationml/2006/main">
-  <p:cSld>
-    <p:spTree>
-      <p:nvGrpSpPr>
-        <p:cNvPr id="1" name=""/>
-        <p:cNvGrpSpPr/>
-        <p:nvPr/>
-      </p:nvGrpSpPr>
-      <p:grpSpPr>
-        <a:xfrm>
-          <a:off x="0" y="0"/>
-          <a:ext cx="0" cy="0"/>
-          <a:chOff x="0" y="0"/>
-          <a:chExt cx="0" cy="0"/>
-        </a:xfrm>
-      </p:grpSpPr>
-      <p:grpSp>
-        <p:nvGrpSpPr>
-          <p:cNvPr id="6162" name="组合 20"/>
-          <p:cNvGrpSpPr>
-            <a:grpSpLocks/>
-          </p:cNvGrpSpPr>
-          <p:nvPr/>
-        </p:nvGrpSpPr>
-        <p:grpSpPr bwMode="auto">
-          <a:xfrm>
-            <a:off x="197801" y="381003"/>
-            <a:ext cx="695325" cy="506413"/>
-            <a:chOff x="0" y="0"/>
-            <a:chExt cx="694944" cy="624651"/>
-          </a:xfrm>
-        </p:grpSpPr>
-        <p:sp>
-          <p:nvSpPr>
-            <p:cNvPr id="6165" name="矩形 21"/>
-            <p:cNvSpPr>
-              <a:spLocks noChangeArrowheads="1"/>
-            </p:cNvSpPr>
-            <p:nvPr/>
-          </p:nvSpPr>
-          <p:spPr bwMode="auto">
-            <a:xfrm>
-              <a:off x="0" y="0"/>
-              <a:ext cx="548640" cy="624651"/>
-            </a:xfrm>
-            <a:prstGeom prst="rect">
-              <a:avLst/>
-            </a:prstGeom>
-            <a:solidFill>
-              <a:srgbClr val="7ACDEF"/>
-            </a:solidFill>
-            <a:ln w="9525">
-              <a:noFill/>
-              <a:miter lim="800000"/>
-              <a:headEnd/>
-              <a:tailEnd/>
-            </a:ln>
-          </p:spPr>
-          <p:txBody>
-            <a:bodyPr anchor="ctr"/>
-            <a:lstStyle/>
-            <a:p>
-              <a:pPr algn="ctr" eaLnBrk="1" hangingPunct="1">
-                <a:buFont typeface="Arial" pitchFamily="34" charset="0"/>
-                <a:buNone/>
-              </a:pPr>
-              <a:endParaRPr lang="zh-CN" altLang="en-US">
-                <a:solidFill>
-                  <a:srgbClr val="FFFFFF"/>
-                </a:solidFill>
-              </a:endParaRPr>
-            </a:p>
-          </p:txBody>
-        </p:sp>
-        <p:sp>
-          <p:nvSpPr>
-            <p:cNvPr id="6166" name="矩形 22"/>
-            <p:cNvSpPr>
-              <a:spLocks noChangeArrowheads="1"/>
-            </p:cNvSpPr>
-            <p:nvPr/>
-          </p:nvSpPr>
-          <p:spPr bwMode="auto">
-            <a:xfrm>
-              <a:off x="612648" y="0"/>
-              <a:ext cx="82296" cy="624651"/>
-            </a:xfrm>
-            <a:prstGeom prst="rect">
-              <a:avLst/>
-            </a:prstGeom>
-            <a:solidFill>
-              <a:schemeClr val="bg1"/>
-            </a:solidFill>
-            <a:ln w="9525">
-              <a:noFill/>
-              <a:miter lim="800000"/>
-              <a:headEnd/>
-              <a:tailEnd/>
-            </a:ln>
-          </p:spPr>
-          <p:txBody>
-            <a:bodyPr anchor="ctr"/>
-            <a:lstStyle/>
-            <a:p>
-              <a:pPr algn="ctr" eaLnBrk="1" hangingPunct="1">
-                <a:buFont typeface="Arial" pitchFamily="34" charset="0"/>
-                <a:buNone/>
-              </a:pPr>
-              <a:endParaRPr lang="zh-CN" altLang="en-US">
-                <a:solidFill>
-                  <a:srgbClr val="FFFFFF"/>
-                </a:solidFill>
-              </a:endParaRPr>
-            </a:p>
-          </p:txBody>
-        </p:sp>
-      </p:grpSp>
-      <p:sp>
-        <p:nvSpPr>
-          <p:cNvPr id="6163" name="矩形 23"/>
-          <p:cNvSpPr>
-            <a:spLocks noChangeArrowheads="1"/>
-          </p:cNvSpPr>
-          <p:nvPr/>
-        </p:nvSpPr>
-        <p:spPr bwMode="auto">
-          <a:xfrm>
-            <a:off x="1056640" y="425451"/>
-            <a:ext cx="3000375" cy="369332"/>
-          </a:xfrm>
-          <a:prstGeom prst="rect">
-            <a:avLst/>
-          </a:prstGeom>
-          <a:noFill/>
-          <a:ln w="9525">
-            <a:noFill/>
-            <a:miter lim="800000"/>
-            <a:headEnd/>
-            <a:tailEnd/>
-          </a:ln>
-        </p:spPr>
-        <p:txBody>
-          <a:bodyPr>
-            <a:spAutoFit/>
-          </a:bodyPr>
-          <a:lstStyle/>
-          <a:p>
-            <a:pPr eaLnBrk="1" hangingPunct="1">
-              <a:buFont typeface="Arial" pitchFamily="34" charset="0"/>
-              <a:buNone/>
-            </a:pPr>
-            <a:r>
-              <a:rPr lang="zh-CN" altLang="en-US" b="1" dirty="0">
-                <a:solidFill>
-                  <a:schemeClr val="bg1"/>
-                </a:solidFill>
-                <a:latin typeface="微软雅黑" pitchFamily="34" charset="-122"/>
-                <a:ea typeface="微软雅黑" pitchFamily="34" charset="-122"/>
-              </a:rPr>
-              <a:t>模块设计</a:t>
-            </a:r>
-            <a:r>
-              <a:rPr lang="en-US" altLang="zh-CN" b="1" dirty="0">
-                <a:solidFill>
-                  <a:schemeClr val="bg1"/>
-                </a:solidFill>
-                <a:latin typeface="微软雅黑" pitchFamily="34" charset="-122"/>
-                <a:ea typeface="微软雅黑" pitchFamily="34" charset="-122"/>
-              </a:rPr>
-              <a:t>——</a:t>
-            </a:r>
-            <a:r>
-              <a:rPr lang="zh-CN" altLang="en-US" b="1" dirty="0">
-                <a:solidFill>
-                  <a:schemeClr val="bg1"/>
-                </a:solidFill>
-                <a:latin typeface="微软雅黑" pitchFamily="34" charset="-122"/>
-                <a:ea typeface="微软雅黑" pitchFamily="34" charset="-122"/>
-              </a:rPr>
               <a:t>邮件发送模块</a:t>
             </a:r>
             <a:endParaRPr lang="zh-CN" altLang="en-US" b="1" dirty="0">
@@ -6524,7 +6202,7 @@
 </p:sld>
 </file>
 
-<file path=ppt/slides/slide19.xml><?xml version="1.0" encoding="utf-8"?>
+<file path=ppt/slides/slide18.xml><?xml version="1.0" encoding="utf-8"?>
 <p:sld xmlns:a="http://schemas.openxmlformats.org/drawingml/2006/main" xmlns:r="http://schemas.openxmlformats.org/officeDocument/2006/relationships" xmlns:p="http://schemas.openxmlformats.org/presentationml/2006/main">
   <p:cSld>
     <p:spTree>
@@ -7133,7 +6811,7 @@
         </p:nvSpPr>
         <p:spPr bwMode="auto">
           <a:xfrm>
-            <a:off x="4059041" y="2950730"/>
+            <a:off x="4059041" y="1932637"/>
             <a:ext cx="4048125" cy="584775"/>
           </a:xfrm>
           <a:prstGeom prst="rect">
@@ -7408,7 +7086,7 @@
         </p:nvSpPr>
         <p:spPr bwMode="auto">
           <a:xfrm>
-            <a:off x="4059041" y="4103255"/>
+            <a:off x="3990778" y="3000593"/>
             <a:ext cx="4048125" cy="584775"/>
           </a:xfrm>
           <a:prstGeom prst="rect">
@@ -7445,234 +7123,6 @@
           </a:p>
         </p:txBody>
       </p:sp>
-      <p:grpSp>
-        <p:nvGrpSpPr>
-          <p:cNvPr id="3088" name="组合 33"/>
-          <p:cNvGrpSpPr>
-            <a:grpSpLocks/>
-          </p:cNvGrpSpPr>
-          <p:nvPr/>
-        </p:nvGrpSpPr>
-        <p:grpSpPr bwMode="auto">
-          <a:xfrm>
-            <a:off x="2250872" y="4981143"/>
-            <a:ext cx="508000" cy="765175"/>
-            <a:chOff x="0" y="0"/>
-            <a:chExt cx="1064175" cy="1605838"/>
-          </a:xfrm>
-        </p:grpSpPr>
-        <p:sp>
-          <p:nvSpPr>
-            <p:cNvPr id="3091" name="任意多边形 34"/>
-            <p:cNvSpPr>
-              <a:spLocks/>
-            </p:cNvSpPr>
-            <p:nvPr/>
-          </p:nvSpPr>
-          <p:spPr bwMode="auto">
-            <a:xfrm rot="919542">
-              <a:off x="0" y="0"/>
-              <a:ext cx="1035297" cy="1426610"/>
-            </a:xfrm>
-            <a:custGeom>
-              <a:avLst/>
-              <a:gdLst>
-                <a:gd name="T0" fmla="*/ 574808 w 1035297"/>
-                <a:gd name="T1" fmla="*/ 0 h 1426610"/>
-                <a:gd name="T2" fmla="*/ 1035297 w 1035297"/>
-                <a:gd name="T3" fmla="*/ 1142885 h 1426610"/>
-                <a:gd name="T4" fmla="*/ 0 w 1035297"/>
-                <a:gd name="T5" fmla="*/ 1426610 h 1426610"/>
-                <a:gd name="T6" fmla="*/ 574808 w 1035297"/>
-                <a:gd name="T7" fmla="*/ 0 h 1426610"/>
-                <a:gd name="T8" fmla="*/ 0 60000 65536"/>
-                <a:gd name="T9" fmla="*/ 0 60000 65536"/>
-                <a:gd name="T10" fmla="*/ 0 60000 65536"/>
-                <a:gd name="T11" fmla="*/ 0 60000 65536"/>
-              </a:gdLst>
-              <a:ahLst/>
-              <a:cxnLst>
-                <a:cxn ang="T8">
-                  <a:pos x="T0" y="T1"/>
-                </a:cxn>
-                <a:cxn ang="T9">
-                  <a:pos x="T2" y="T3"/>
-                </a:cxn>
-                <a:cxn ang="T10">
-                  <a:pos x="T4" y="T5"/>
-                </a:cxn>
-                <a:cxn ang="T11">
-                  <a:pos x="T6" y="T7"/>
-                </a:cxn>
-              </a:cxnLst>
-              <a:rect l="0" t="0" r="r" b="b"/>
-              <a:pathLst>
-                <a:path w="1035297" h="1426610">
-                  <a:moveTo>
-                    <a:pt x="574808" y="0"/>
-                  </a:moveTo>
-                  <a:lnTo>
-                    <a:pt x="1035297" y="1142885"/>
-                  </a:lnTo>
-                  <a:lnTo>
-                    <a:pt x="0" y="1426610"/>
-                  </a:lnTo>
-                  <a:lnTo>
-                    <a:pt x="574808" y="0"/>
-                  </a:lnTo>
-                  <a:close/>
-                </a:path>
-              </a:pathLst>
-            </a:custGeom>
-            <a:solidFill>
-              <a:schemeClr val="bg1">
-                <a:alpha val="34117"/>
-              </a:schemeClr>
-            </a:solidFill>
-            <a:ln w="9525">
-              <a:noFill/>
-              <a:round/>
-              <a:headEnd/>
-              <a:tailEnd/>
-            </a:ln>
-          </p:spPr>
-          <p:txBody>
-            <a:bodyPr anchor="ctr"/>
-            <a:lstStyle/>
-            <a:p>
-              <a:endParaRPr lang="zh-CN" altLang="en-US"/>
-            </a:p>
-          </p:txBody>
-        </p:sp>
-        <p:sp>
-          <p:nvSpPr>
-            <p:cNvPr id="3092" name="任意多边形 35"/>
-            <p:cNvSpPr>
-              <a:spLocks/>
-            </p:cNvSpPr>
-            <p:nvPr/>
-          </p:nvSpPr>
-          <p:spPr bwMode="auto">
-            <a:xfrm rot="-1050472">
-              <a:off x="352665" y="557257"/>
-              <a:ext cx="711510" cy="1048581"/>
-            </a:xfrm>
-            <a:custGeom>
-              <a:avLst/>
-              <a:gdLst>
-                <a:gd name="T0" fmla="*/ 75275 w 2970348"/>
-                <a:gd name="T1" fmla="*/ 0 h 4484232"/>
-                <a:gd name="T2" fmla="*/ 170433 w 2970348"/>
-                <a:gd name="T3" fmla="*/ 245197 h 4484232"/>
-                <a:gd name="T4" fmla="*/ 0 w 2970348"/>
-                <a:gd name="T5" fmla="*/ 193963 h 4484232"/>
-                <a:gd name="T6" fmla="*/ 75275 w 2970348"/>
-                <a:gd name="T7" fmla="*/ 0 h 4484232"/>
-                <a:gd name="T8" fmla="*/ 0 60000 65536"/>
-                <a:gd name="T9" fmla="*/ 0 60000 65536"/>
-                <a:gd name="T10" fmla="*/ 0 60000 65536"/>
-                <a:gd name="T11" fmla="*/ 0 60000 65536"/>
-              </a:gdLst>
-              <a:ahLst/>
-              <a:cxnLst>
-                <a:cxn ang="T8">
-                  <a:pos x="T0" y="T1"/>
-                </a:cxn>
-                <a:cxn ang="T9">
-                  <a:pos x="T2" y="T3"/>
-                </a:cxn>
-                <a:cxn ang="T10">
-                  <a:pos x="T4" y="T5"/>
-                </a:cxn>
-                <a:cxn ang="T11">
-                  <a:pos x="T6" y="T7"/>
-                </a:cxn>
-              </a:cxnLst>
-              <a:rect l="0" t="0" r="r" b="b"/>
-              <a:pathLst>
-                <a:path w="2970348" h="4484232">
-                  <a:moveTo>
-                    <a:pt x="1311906" y="0"/>
-                  </a:moveTo>
-                  <a:lnTo>
-                    <a:pt x="2970348" y="4484232"/>
-                  </a:lnTo>
-                  <a:lnTo>
-                    <a:pt x="0" y="3547237"/>
-                  </a:lnTo>
-                  <a:lnTo>
-                    <a:pt x="1311906" y="0"/>
-                  </a:lnTo>
-                  <a:close/>
-                </a:path>
-              </a:pathLst>
-            </a:custGeom>
-            <a:noFill/>
-            <a:ln w="12700" cap="flat" cmpd="sng">
-              <a:solidFill>
-                <a:schemeClr val="bg1"/>
-              </a:solidFill>
-              <a:round/>
-              <a:headEnd/>
-              <a:tailEnd/>
-            </a:ln>
-          </p:spPr>
-          <p:txBody>
-            <a:bodyPr anchor="ctr"/>
-            <a:lstStyle/>
-            <a:p>
-              <a:endParaRPr lang="zh-CN" altLang="en-US"/>
-            </a:p>
-          </p:txBody>
-        </p:sp>
-      </p:grpSp>
-      <p:sp>
-        <p:nvSpPr>
-          <p:cNvPr id="3089" name="文本框 36"/>
-          <p:cNvSpPr txBox="1">
-            <a:spLocks noChangeArrowheads="1"/>
-          </p:cNvSpPr>
-          <p:nvPr/>
-        </p:nvSpPr>
-        <p:spPr bwMode="auto">
-          <a:xfrm>
-            <a:off x="3138291" y="5076387"/>
-            <a:ext cx="852487" cy="707886"/>
-          </a:xfrm>
-          <a:prstGeom prst="rect">
-            <a:avLst/>
-          </a:prstGeom>
-          <a:noFill/>
-          <a:ln w="9525">
-            <a:noFill/>
-            <a:miter lim="800000"/>
-            <a:headEnd/>
-            <a:tailEnd/>
-          </a:ln>
-        </p:spPr>
-        <p:txBody>
-          <a:bodyPr>
-            <a:spAutoFit/>
-          </a:bodyPr>
-          <a:lstStyle/>
-          <a:p>
-            <a:pPr eaLnBrk="1" hangingPunct="1">
-              <a:buFont typeface="Arial" pitchFamily="34" charset="0"/>
-              <a:buNone/>
-            </a:pPr>
-            <a:r>
-              <a:rPr lang="zh-CN" altLang="en-US" sz="4000" b="1" dirty="0">
-                <a:solidFill>
-                  <a:schemeClr val="bg1"/>
-                </a:solidFill>
-                <a:latin typeface="微软雅黑" pitchFamily="34" charset="-122"/>
-                <a:ea typeface="微软雅黑" pitchFamily="34" charset="-122"/>
-              </a:rPr>
-              <a:t>五</a:t>
-            </a:r>
-          </a:p>
-        </p:txBody>
-      </p:sp>
       <p:sp>
         <p:nvSpPr>
           <p:cNvPr id="3090" name="文本框 37"/>
@@ -7683,7 +7133,7 @@
         </p:nvSpPr>
         <p:spPr bwMode="auto">
           <a:xfrm>
-            <a:off x="4059041" y="5138306"/>
+            <a:off x="3990778" y="4102892"/>
             <a:ext cx="4048125" cy="584775"/>
           </a:xfrm>
           <a:prstGeom prst="rect">
@@ -7972,59 +7422,6 @@
           </a:p>
         </p:txBody>
       </p:sp>
-      <p:sp>
-        <p:nvSpPr>
-          <p:cNvPr id="31" name="文本框 27">
-            <a:extLst>
-              <a:ext uri="{FF2B5EF4-FFF2-40B4-BE49-F238E27FC236}">
-                <a16:creationId xmlns:a16="http://schemas.microsoft.com/office/drawing/2014/main" id="{87782DBC-C334-46EC-B295-B2FB413538D9}"/>
-              </a:ext>
-            </a:extLst>
-          </p:cNvPr>
-          <p:cNvSpPr txBox="1">
-            <a:spLocks noChangeArrowheads="1"/>
-          </p:cNvSpPr>
-          <p:nvPr/>
-        </p:nvSpPr>
-        <p:spPr bwMode="auto">
-          <a:xfrm>
-            <a:off x="4060611" y="1953062"/>
-            <a:ext cx="4048125" cy="584775"/>
-          </a:xfrm>
-          <a:prstGeom prst="rect">
-            <a:avLst/>
-          </a:prstGeom>
-          <a:noFill/>
-          <a:ln w="9525">
-            <a:noFill/>
-            <a:miter lim="800000"/>
-            <a:headEnd/>
-            <a:tailEnd/>
-          </a:ln>
-        </p:spPr>
-        <p:txBody>
-          <a:bodyPr>
-            <a:spAutoFit/>
-          </a:bodyPr>
-          <a:lstStyle/>
-          <a:p>
-            <a:pPr eaLnBrk="1" hangingPunct="1">
-              <a:buFont typeface="Arial" pitchFamily="34" charset="0"/>
-              <a:buNone/>
-            </a:pPr>
-            <a:r>
-              <a:rPr lang="zh-CN" altLang="en-US" sz="3200" b="1" dirty="0">
-                <a:solidFill>
-                  <a:schemeClr val="bg1"/>
-                </a:solidFill>
-                <a:latin typeface="微软雅黑" pitchFamily="34" charset="-122"/>
-                <a:ea typeface="微软雅黑" pitchFamily="34" charset="-122"/>
-              </a:rPr>
-              <a:t>系统模块</a:t>
-            </a:r>
-          </a:p>
-        </p:txBody>
-      </p:sp>
     </p:spTree>
   </p:cSld>
   <p:clrMapOvr>
@@ -8037,290 +7434,6 @@
 </file>
 
 <file path=ppt/slides/slide3.xml><?xml version="1.0" encoding="utf-8"?>
-<p:sld xmlns:a="http://schemas.openxmlformats.org/drawingml/2006/main" xmlns:r="http://schemas.openxmlformats.org/officeDocument/2006/relationships" xmlns:p="http://schemas.openxmlformats.org/presentationml/2006/main">
-  <p:cSld>
-    <p:spTree>
-      <p:nvGrpSpPr>
-        <p:cNvPr id="1" name=""/>
-        <p:cNvGrpSpPr/>
-        <p:nvPr/>
-      </p:nvGrpSpPr>
-      <p:grpSpPr>
-        <a:xfrm>
-          <a:off x="0" y="0"/>
-          <a:ext cx="0" cy="0"/>
-          <a:chOff x="0" y="0"/>
-          <a:chExt cx="0" cy="0"/>
-        </a:xfrm>
-      </p:grpSpPr>
-      <p:sp>
-        <p:nvSpPr>
-          <p:cNvPr id="4100" name="等腰三角形 3"/>
-          <p:cNvSpPr>
-            <a:spLocks noChangeArrowheads="1"/>
-          </p:cNvSpPr>
-          <p:nvPr/>
-        </p:nvSpPr>
-        <p:spPr bwMode="auto">
-          <a:xfrm>
-            <a:off x="6911975" y="974731"/>
-            <a:ext cx="2833688" cy="2636839"/>
-          </a:xfrm>
-          <a:prstGeom prst="triangle">
-            <a:avLst>
-              <a:gd name="adj" fmla="val 16389"/>
-            </a:avLst>
-          </a:prstGeom>
-          <a:solidFill>
-            <a:schemeClr val="bg1">
-              <a:alpha val="32156"/>
-            </a:schemeClr>
-          </a:solidFill>
-          <a:ln w="9525">
-            <a:noFill/>
-            <a:miter lim="800000"/>
-            <a:headEnd/>
-            <a:tailEnd/>
-          </a:ln>
-        </p:spPr>
-        <p:txBody>
-          <a:bodyPr anchor="ctr"/>
-          <a:lstStyle/>
-          <a:p>
-            <a:pPr algn="ctr" eaLnBrk="1" hangingPunct="1">
-              <a:buFont typeface="Arial" pitchFamily="34" charset="0"/>
-              <a:buNone/>
-            </a:pPr>
-            <a:endParaRPr lang="zh-CN" altLang="en-US">
-              <a:solidFill>
-                <a:srgbClr val="FFFFFF"/>
-              </a:solidFill>
-            </a:endParaRPr>
-          </a:p>
-        </p:txBody>
-      </p:sp>
-      <p:cxnSp>
-        <p:nvCxnSpPr>
-          <p:cNvPr id="4101" name="直接连接符 10"/>
-          <p:cNvCxnSpPr>
-            <a:cxnSpLocks noChangeShapeType="1"/>
-          </p:cNvCxnSpPr>
-          <p:nvPr/>
-        </p:nvCxnSpPr>
-        <p:spPr bwMode="auto">
-          <a:xfrm flipH="1">
-            <a:off x="4225357" y="3974424"/>
-            <a:ext cx="4297363" cy="0"/>
-          </a:xfrm>
-          <a:prstGeom prst="line">
-            <a:avLst/>
-          </a:prstGeom>
-          <a:noFill/>
-          <a:ln w="6350">
-            <a:solidFill>
-              <a:schemeClr val="bg1"/>
-            </a:solidFill>
-            <a:round/>
-            <a:headEnd/>
-            <a:tailEnd/>
-          </a:ln>
-        </p:spPr>
-      </p:cxnSp>
-      <p:grpSp>
-        <p:nvGrpSpPr>
-          <p:cNvPr id="4102" name="组合 4"/>
-          <p:cNvGrpSpPr>
-            <a:grpSpLocks/>
-          </p:cNvGrpSpPr>
-          <p:nvPr/>
-        </p:nvGrpSpPr>
-        <p:grpSpPr bwMode="auto">
-          <a:xfrm>
-            <a:off x="443490" y="1626395"/>
-            <a:ext cx="3449639" cy="3605213"/>
-            <a:chOff x="0" y="0"/>
-            <a:chExt cx="3449737" cy="3606178"/>
-          </a:xfrm>
-        </p:grpSpPr>
-        <p:sp>
-          <p:nvSpPr>
-            <p:cNvPr id="4105" name="等腰三角形 1"/>
-            <p:cNvSpPr>
-              <a:spLocks noChangeArrowheads="1"/>
-            </p:cNvSpPr>
-            <p:nvPr/>
-          </p:nvSpPr>
-          <p:spPr bwMode="auto">
-            <a:xfrm rot="716823">
-              <a:off x="0" y="0"/>
-              <a:ext cx="3320428" cy="3450556"/>
-            </a:xfrm>
-            <a:prstGeom prst="triangle">
-              <a:avLst>
-                <a:gd name="adj" fmla="val 50000"/>
-              </a:avLst>
-            </a:prstGeom>
-            <a:solidFill>
-              <a:schemeClr val="bg1">
-                <a:alpha val="39999"/>
-              </a:schemeClr>
-            </a:solidFill>
-            <a:ln w="9525">
-              <a:noFill/>
-              <a:miter lim="800000"/>
-              <a:headEnd/>
-              <a:tailEnd/>
-            </a:ln>
-          </p:spPr>
-          <p:txBody>
-            <a:bodyPr anchor="ctr"/>
-            <a:lstStyle/>
-            <a:p>
-              <a:pPr algn="ctr" eaLnBrk="1" hangingPunct="1">
-                <a:buFont typeface="Arial" pitchFamily="34" charset="0"/>
-                <a:buNone/>
-              </a:pPr>
-              <a:endParaRPr lang="zh-CN" altLang="en-US" dirty="0">
-                <a:solidFill>
-                  <a:srgbClr val="FFFFFF"/>
-                </a:solidFill>
-              </a:endParaRPr>
-            </a:p>
-          </p:txBody>
-        </p:sp>
-        <p:sp>
-          <p:nvSpPr>
-            <p:cNvPr id="4106" name="等腰三角形 8"/>
-            <p:cNvSpPr>
-              <a:spLocks noChangeArrowheads="1"/>
-            </p:cNvSpPr>
-            <p:nvPr/>
-          </p:nvSpPr>
-          <p:spPr bwMode="auto">
-            <a:xfrm rot="-2580544">
-              <a:off x="868895" y="1325164"/>
-              <a:ext cx="2014750" cy="2281014"/>
-            </a:xfrm>
-            <a:prstGeom prst="triangle">
-              <a:avLst>
-                <a:gd name="adj" fmla="val 50000"/>
-              </a:avLst>
-            </a:prstGeom>
-            <a:noFill/>
-            <a:ln w="12700">
-              <a:solidFill>
-                <a:schemeClr val="bg1"/>
-              </a:solidFill>
-              <a:miter lim="800000"/>
-              <a:headEnd/>
-              <a:tailEnd/>
-            </a:ln>
-          </p:spPr>
-          <p:txBody>
-            <a:bodyPr anchor="ctr"/>
-            <a:lstStyle/>
-            <a:p>
-              <a:pPr algn="ctr" eaLnBrk="1" hangingPunct="1">
-                <a:buFont typeface="Arial" pitchFamily="34" charset="0"/>
-                <a:buNone/>
-              </a:pPr>
-              <a:endParaRPr lang="zh-CN" altLang="en-US">
-                <a:solidFill>
-                  <a:srgbClr val="FFFFFF"/>
-                </a:solidFill>
-              </a:endParaRPr>
-            </a:p>
-          </p:txBody>
-        </p:sp>
-        <p:sp>
-          <p:nvSpPr>
-            <p:cNvPr id="4107" name="椭圆 11"/>
-            <p:cNvSpPr>
-              <a:spLocks noChangeArrowheads="1"/>
-            </p:cNvSpPr>
-            <p:nvPr/>
-          </p:nvSpPr>
-          <p:spPr bwMode="auto">
-            <a:xfrm>
-              <a:off x="3390865" y="1639209"/>
-              <a:ext cx="58872" cy="53241"/>
-            </a:xfrm>
-            <a:prstGeom prst="ellipse">
-              <a:avLst/>
-            </a:prstGeom>
-            <a:solidFill>
-              <a:schemeClr val="bg1"/>
-            </a:solidFill>
-            <a:ln w="12700">
-              <a:solidFill>
-                <a:schemeClr val="bg1"/>
-              </a:solidFill>
-              <a:round/>
-              <a:headEnd/>
-              <a:tailEnd/>
-            </a:ln>
-          </p:spPr>
-          <p:txBody>
-            <a:bodyPr anchor="ctr"/>
-            <a:lstStyle/>
-            <a:p>
-              <a:pPr algn="ctr" eaLnBrk="1" hangingPunct="1">
-                <a:buFont typeface="Arial" pitchFamily="34" charset="0"/>
-                <a:buNone/>
-              </a:pPr>
-              <a:endParaRPr lang="zh-CN" altLang="en-US">
-                <a:solidFill>
-                  <a:srgbClr val="FFFFFF"/>
-                </a:solidFill>
-              </a:endParaRPr>
-            </a:p>
-          </p:txBody>
-        </p:sp>
-      </p:grpSp>
-      <p:pic>
-        <p:nvPicPr>
-          <p:cNvPr id="4104" name="文本框 5"/>
-          <p:cNvPicPr>
-            <a:picLocks noChangeArrowheads="1"/>
-          </p:cNvPicPr>
-          <p:nvPr/>
-        </p:nvPicPr>
-        <p:blipFill>
-          <a:blip r:embed="rId2"/>
-          <a:srcRect/>
-          <a:stretch>
-            <a:fillRect/>
-          </a:stretch>
-        </p:blipFill>
-        <p:spPr bwMode="auto">
-          <a:xfrm>
-            <a:off x="4868848" y="3075106"/>
-            <a:ext cx="3584575" cy="1798639"/>
-          </a:xfrm>
-          <a:prstGeom prst="rect">
-            <a:avLst/>
-          </a:prstGeom>
-          <a:noFill/>
-          <a:ln w="9525">
-            <a:noFill/>
-            <a:miter lim="800000"/>
-            <a:headEnd/>
-            <a:tailEnd/>
-          </a:ln>
-        </p:spPr>
-      </p:pic>
-    </p:spTree>
-  </p:cSld>
-  <p:clrMapOvr>
-    <a:masterClrMapping/>
-  </p:clrMapOvr>
-  <p:transition spd="slow">
-    <p:wipe/>
-  </p:transition>
-</p:sld>
-</file>
-
-<file path=ppt/slides/slide4.xml><?xml version="1.0" encoding="utf-8"?>
 <p:sld xmlns:a="http://schemas.openxmlformats.org/drawingml/2006/main" xmlns:r="http://schemas.openxmlformats.org/officeDocument/2006/relationships" xmlns:p="http://schemas.openxmlformats.org/presentationml/2006/main">
   <p:cSld>
     <p:spTree>
@@ -8591,7 +7704,7 @@
 </p:sld>
 </file>
 
-<file path=ppt/slides/slide5.xml><?xml version="1.0" encoding="utf-8"?>
+<file path=ppt/slides/slide4.xml><?xml version="1.0" encoding="utf-8"?>
 <p:sld xmlns:a="http://schemas.openxmlformats.org/drawingml/2006/main" xmlns:r="http://schemas.openxmlformats.org/officeDocument/2006/relationships" xmlns:p="http://schemas.openxmlformats.org/presentationml/2006/main">
   <p:cSld>
     <p:spTree>
@@ -8807,7 +7920,7 @@
 </p:sld>
 </file>
 
-<file path=ppt/slides/slide6.xml><?xml version="1.0" encoding="utf-8"?>
+<file path=ppt/slides/slide5.xml><?xml version="1.0" encoding="utf-8"?>
 <p:sld xmlns:a="http://schemas.openxmlformats.org/drawingml/2006/main" xmlns:r="http://schemas.openxmlformats.org/officeDocument/2006/relationships" xmlns:p="http://schemas.openxmlformats.org/presentationml/2006/main">
   <p:cSld>
     <p:spTree>
@@ -9069,7 +8182,7 @@
 </p:sld>
 </file>
 
-<file path=ppt/slides/slide7.xml><?xml version="1.0" encoding="utf-8"?>
+<file path=ppt/slides/slide6.xml><?xml version="1.0" encoding="utf-8"?>
 <p:sld xmlns:a="http://schemas.openxmlformats.org/drawingml/2006/main" xmlns:r="http://schemas.openxmlformats.org/officeDocument/2006/relationships" xmlns:p="http://schemas.openxmlformats.org/presentationml/2006/main">
   <p:cSld>
     <p:spTree>
@@ -9328,7 +8441,7 @@
 </p:sld>
 </file>
 
-<file path=ppt/slides/slide8.xml><?xml version="1.0" encoding="utf-8"?>
+<file path=ppt/slides/slide7.xml><?xml version="1.0" encoding="utf-8"?>
 <p:sld xmlns:a="http://schemas.openxmlformats.org/drawingml/2006/main" xmlns:r="http://schemas.openxmlformats.org/officeDocument/2006/relationships" xmlns:p="http://schemas.openxmlformats.org/presentationml/2006/main">
   <p:cSld>
     <p:spTree>
@@ -9587,7 +8700,7 @@
 </p:sld>
 </file>
 
-<file path=ppt/slides/slide9.xml><?xml version="1.0" encoding="utf-8"?>
+<file path=ppt/slides/slide8.xml><?xml version="1.0" encoding="utf-8"?>
 <p:sld xmlns:a="http://schemas.openxmlformats.org/drawingml/2006/main" xmlns:r="http://schemas.openxmlformats.org/officeDocument/2006/relationships" xmlns:p="http://schemas.openxmlformats.org/presentationml/2006/main">
   <p:cSld>
     <p:spTree>
@@ -9873,6 +8986,327 @@
     <p:extLst>
       <p:ext uri="{BB962C8B-B14F-4D97-AF65-F5344CB8AC3E}">
         <p14:creationId xmlns:p14="http://schemas.microsoft.com/office/powerpoint/2010/main" val="1981460844"/>
+      </p:ext>
+    </p:extLst>
+  </p:cSld>
+  <p:clrMapOvr>
+    <a:masterClrMapping/>
+  </p:clrMapOvr>
+  <p:transition spd="slow">
+    <p:wipe/>
+  </p:transition>
+</p:sld>
+</file>
+
+<file path=ppt/slides/slide9.xml><?xml version="1.0" encoding="utf-8"?>
+<p:sld xmlns:a="http://schemas.openxmlformats.org/drawingml/2006/main" xmlns:r="http://schemas.openxmlformats.org/officeDocument/2006/relationships" xmlns:p="http://schemas.openxmlformats.org/presentationml/2006/main">
+  <p:cSld>
+    <p:spTree>
+      <p:nvGrpSpPr>
+        <p:cNvPr id="1" name=""/>
+        <p:cNvGrpSpPr/>
+        <p:nvPr/>
+      </p:nvGrpSpPr>
+      <p:grpSpPr>
+        <a:xfrm>
+          <a:off x="0" y="0"/>
+          <a:ext cx="0" cy="0"/>
+          <a:chOff x="0" y="0"/>
+          <a:chExt cx="0" cy="0"/>
+        </a:xfrm>
+      </p:grpSpPr>
+      <p:grpSp>
+        <p:nvGrpSpPr>
+          <p:cNvPr id="6162" name="组合 20"/>
+          <p:cNvGrpSpPr>
+            <a:grpSpLocks/>
+          </p:cNvGrpSpPr>
+          <p:nvPr/>
+        </p:nvGrpSpPr>
+        <p:grpSpPr bwMode="auto">
+          <a:xfrm>
+            <a:off x="197801" y="381003"/>
+            <a:ext cx="695325" cy="506413"/>
+            <a:chOff x="0" y="0"/>
+            <a:chExt cx="694944" cy="624651"/>
+          </a:xfrm>
+        </p:grpSpPr>
+        <p:sp>
+          <p:nvSpPr>
+            <p:cNvPr id="6165" name="矩形 21"/>
+            <p:cNvSpPr>
+              <a:spLocks noChangeArrowheads="1"/>
+            </p:cNvSpPr>
+            <p:nvPr/>
+          </p:nvSpPr>
+          <p:spPr bwMode="auto">
+            <a:xfrm>
+              <a:off x="0" y="0"/>
+              <a:ext cx="548640" cy="624651"/>
+            </a:xfrm>
+            <a:prstGeom prst="rect">
+              <a:avLst/>
+            </a:prstGeom>
+            <a:solidFill>
+              <a:srgbClr val="7ACDEF"/>
+            </a:solidFill>
+            <a:ln w="9525">
+              <a:noFill/>
+              <a:miter lim="800000"/>
+              <a:headEnd/>
+              <a:tailEnd/>
+            </a:ln>
+          </p:spPr>
+          <p:txBody>
+            <a:bodyPr anchor="ctr"/>
+            <a:lstStyle/>
+            <a:p>
+              <a:pPr algn="ctr" eaLnBrk="1" hangingPunct="1">
+                <a:buFont typeface="Arial" pitchFamily="34" charset="0"/>
+                <a:buNone/>
+              </a:pPr>
+              <a:endParaRPr lang="zh-CN" altLang="en-US">
+                <a:solidFill>
+                  <a:srgbClr val="FFFFFF"/>
+                </a:solidFill>
+              </a:endParaRPr>
+            </a:p>
+          </p:txBody>
+        </p:sp>
+        <p:sp>
+          <p:nvSpPr>
+            <p:cNvPr id="6166" name="矩形 22"/>
+            <p:cNvSpPr>
+              <a:spLocks noChangeArrowheads="1"/>
+            </p:cNvSpPr>
+            <p:nvPr/>
+          </p:nvSpPr>
+          <p:spPr bwMode="auto">
+            <a:xfrm>
+              <a:off x="612648" y="0"/>
+              <a:ext cx="82296" cy="624651"/>
+            </a:xfrm>
+            <a:prstGeom prst="rect">
+              <a:avLst/>
+            </a:prstGeom>
+            <a:solidFill>
+              <a:schemeClr val="bg1"/>
+            </a:solidFill>
+            <a:ln w="9525">
+              <a:noFill/>
+              <a:miter lim="800000"/>
+              <a:headEnd/>
+              <a:tailEnd/>
+            </a:ln>
+          </p:spPr>
+          <p:txBody>
+            <a:bodyPr anchor="ctr"/>
+            <a:lstStyle/>
+            <a:p>
+              <a:pPr algn="ctr" eaLnBrk="1" hangingPunct="1">
+                <a:buFont typeface="Arial" pitchFamily="34" charset="0"/>
+                <a:buNone/>
+              </a:pPr>
+              <a:endParaRPr lang="zh-CN" altLang="en-US">
+                <a:solidFill>
+                  <a:srgbClr val="FFFFFF"/>
+                </a:solidFill>
+              </a:endParaRPr>
+            </a:p>
+          </p:txBody>
+        </p:sp>
+      </p:grpSp>
+      <p:sp>
+        <p:nvSpPr>
+          <p:cNvPr id="6163" name="矩形 23"/>
+          <p:cNvSpPr>
+            <a:spLocks noChangeArrowheads="1"/>
+          </p:cNvSpPr>
+          <p:nvPr/>
+        </p:nvSpPr>
+        <p:spPr bwMode="auto">
+          <a:xfrm>
+            <a:off x="1056640" y="425451"/>
+            <a:ext cx="3000375" cy="369332"/>
+          </a:xfrm>
+          <a:prstGeom prst="rect">
+            <a:avLst/>
+          </a:prstGeom>
+          <a:noFill/>
+          <a:ln w="9525">
+            <a:noFill/>
+            <a:miter lim="800000"/>
+            <a:headEnd/>
+            <a:tailEnd/>
+          </a:ln>
+        </p:spPr>
+        <p:txBody>
+          <a:bodyPr>
+            <a:spAutoFit/>
+          </a:bodyPr>
+          <a:lstStyle/>
+          <a:p>
+            <a:pPr eaLnBrk="1" hangingPunct="1">
+              <a:buFont typeface="Arial" pitchFamily="34" charset="0"/>
+              <a:buNone/>
+            </a:pPr>
+            <a:r>
+              <a:rPr lang="zh-CN" altLang="en-US" b="1" dirty="0">
+                <a:solidFill>
+                  <a:schemeClr val="bg1"/>
+                </a:solidFill>
+                <a:latin typeface="微软雅黑" pitchFamily="34" charset="-122"/>
+                <a:ea typeface="微软雅黑" pitchFamily="34" charset="-122"/>
+              </a:rPr>
+              <a:t>模块设计</a:t>
+            </a:r>
+            <a:r>
+              <a:rPr lang="en-US" altLang="zh-CN" b="1" dirty="0">
+                <a:solidFill>
+                  <a:schemeClr val="bg1"/>
+                </a:solidFill>
+                <a:latin typeface="微软雅黑" pitchFamily="34" charset="-122"/>
+                <a:ea typeface="微软雅黑" pitchFamily="34" charset="-122"/>
+              </a:rPr>
+              <a:t>——</a:t>
+            </a:r>
+            <a:r>
+              <a:rPr lang="zh-CN" altLang="en-US" b="1" dirty="0">
+                <a:solidFill>
+                  <a:schemeClr val="bg1"/>
+                </a:solidFill>
+                <a:latin typeface="微软雅黑" pitchFamily="34" charset="-122"/>
+                <a:ea typeface="微软雅黑" pitchFamily="34" charset="-122"/>
+              </a:rPr>
+              <a:t>图表显示模块</a:t>
+            </a:r>
+            <a:endParaRPr lang="zh-CN" altLang="en-US" b="1" dirty="0">
+              <a:solidFill>
+                <a:schemeClr val="bg1"/>
+              </a:solidFill>
+            </a:endParaRPr>
+          </a:p>
+        </p:txBody>
+      </p:sp>
+      <p:pic>
+        <p:nvPicPr>
+          <p:cNvPr id="2" name="图片 1">
+            <a:extLst>
+              <a:ext uri="{FF2B5EF4-FFF2-40B4-BE49-F238E27FC236}">
+                <a16:creationId xmlns:a16="http://schemas.microsoft.com/office/drawing/2014/main" id="{70466DAE-8854-4F36-8690-3B4677D08560}"/>
+              </a:ext>
+            </a:extLst>
+          </p:cNvPr>
+          <p:cNvPicPr>
+            <a:picLocks noChangeAspect="1"/>
+          </p:cNvPicPr>
+          <p:nvPr/>
+        </p:nvPicPr>
+        <p:blipFill>
+          <a:blip r:embed="rId2"/>
+          <a:stretch>
+            <a:fillRect/>
+          </a:stretch>
+        </p:blipFill>
+        <p:spPr>
+          <a:xfrm>
+            <a:off x="472271" y="1142606"/>
+            <a:ext cx="5982915" cy="5334395"/>
+          </a:xfrm>
+          <a:prstGeom prst="rect">
+            <a:avLst/>
+          </a:prstGeom>
+        </p:spPr>
+      </p:pic>
+      <p:sp>
+        <p:nvSpPr>
+          <p:cNvPr id="3" name="文本框 2">
+            <a:extLst>
+              <a:ext uri="{FF2B5EF4-FFF2-40B4-BE49-F238E27FC236}">
+                <a16:creationId xmlns:a16="http://schemas.microsoft.com/office/drawing/2014/main" id="{31CC2D11-B33A-42C8-8CEE-6F5A28E7EE17}"/>
+              </a:ext>
+            </a:extLst>
+          </p:cNvPr>
+          <p:cNvSpPr txBox="1"/>
+          <p:nvPr/>
+        </p:nvSpPr>
+        <p:spPr>
+          <a:xfrm>
+            <a:off x="6928902" y="1049783"/>
+            <a:ext cx="1533962" cy="4985980"/>
+          </a:xfrm>
+          <a:prstGeom prst="rect">
+            <a:avLst/>
+          </a:prstGeom>
+          <a:noFill/>
+        </p:spPr>
+        <p:txBody>
+          <a:bodyPr wrap="square" rtlCol="0">
+            <a:spAutoFit/>
+          </a:bodyPr>
+          <a:lstStyle/>
+          <a:p>
+            <a:br>
+              <a:rPr lang="en-US" altLang="zh-CN" sz="2000" dirty="0"/>
+            </a:br>
+            <a:r>
+              <a:rPr lang="en-US" altLang="zh-CN" sz="2000" dirty="0"/>
+              <a:t>Chart.js</a:t>
+            </a:r>
+            <a:r>
+              <a:rPr lang="zh-CN" altLang="en-US" sz="2000" dirty="0"/>
+              <a:t>是基于 </a:t>
+            </a:r>
+            <a:r>
+              <a:rPr lang="en-US" altLang="zh-CN" sz="2000" dirty="0"/>
+              <a:t>HTML5 </a:t>
+            </a:r>
+            <a:r>
+              <a:rPr lang="zh-CN" altLang="en-US" sz="2000" dirty="0"/>
+              <a:t>的 </a:t>
+            </a:r>
+            <a:r>
+              <a:rPr lang="en-US" altLang="zh-CN" sz="2000" dirty="0"/>
+              <a:t>JavaScript </a:t>
+            </a:r>
+            <a:r>
+              <a:rPr lang="zh-CN" altLang="en-US" sz="2000" dirty="0"/>
+              <a:t>图表库，具有</a:t>
+            </a:r>
+            <a:r>
+              <a:rPr lang="en-US" altLang="zh-CN" sz="2000" dirty="0"/>
+              <a:t>6</a:t>
+            </a:r>
+            <a:r>
+              <a:rPr lang="zh-CN" altLang="en-US" sz="2000" dirty="0"/>
+              <a:t>种图表类型，具有简单灵活的优点。利用</a:t>
+            </a:r>
+            <a:r>
+              <a:rPr lang="en-US" altLang="zh-CN" sz="2000" dirty="0"/>
+              <a:t>Django+Ajaxa</a:t>
+            </a:r>
+            <a:r>
+              <a:rPr lang="zh-CN" altLang="en-US" sz="2000" dirty="0"/>
+              <a:t>将数据返回并绑定到</a:t>
+            </a:r>
+            <a:r>
+              <a:rPr lang="en-US" altLang="zh-CN" sz="2000" dirty="0"/>
+              <a:t>Canvas</a:t>
+            </a:r>
+            <a:r>
+              <a:rPr lang="zh-CN" altLang="en-US" sz="2000" dirty="0"/>
+              <a:t>上，实现图表的显示。</a:t>
+            </a:r>
+          </a:p>
+          <a:p>
+            <a:endParaRPr lang="zh-CN" altLang="en-US" sz="2000" dirty="0"/>
+          </a:p>
+        </p:txBody>
+      </p:sp>
+    </p:spTree>
+    <p:extLst>
+      <p:ext uri="{BB962C8B-B14F-4D97-AF65-F5344CB8AC3E}">
+        <p14:creationId xmlns:p14="http://schemas.microsoft.com/office/powerpoint/2010/main" val="171382450"/>
       </p:ext>
     </p:extLst>
   </p:cSld>

--- a/毕设答辩.pptx
+++ b/毕设答辩.pptx
@@ -6,23 +6,22 @@
   </p:sldMasterIdLst>
   <p:sldIdLst>
     <p:sldId id="271" r:id="rId2"/>
-    <p:sldId id="257" r:id="rId3"/>
-    <p:sldId id="258" r:id="rId4"/>
-    <p:sldId id="276" r:id="rId5"/>
-    <p:sldId id="277" r:id="rId6"/>
-    <p:sldId id="279" r:id="rId7"/>
-    <p:sldId id="280" r:id="rId8"/>
-    <p:sldId id="283" r:id="rId9"/>
-    <p:sldId id="281" r:id="rId10"/>
-    <p:sldId id="282" r:id="rId11"/>
-    <p:sldId id="285" r:id="rId12"/>
-    <p:sldId id="284" r:id="rId13"/>
-    <p:sldId id="289" r:id="rId14"/>
-    <p:sldId id="290" r:id="rId15"/>
-    <p:sldId id="291" r:id="rId16"/>
-    <p:sldId id="287" r:id="rId17"/>
-    <p:sldId id="286" r:id="rId18"/>
-    <p:sldId id="288" r:id="rId19"/>
+    <p:sldId id="258" r:id="rId3"/>
+    <p:sldId id="276" r:id="rId4"/>
+    <p:sldId id="277" r:id="rId5"/>
+    <p:sldId id="279" r:id="rId6"/>
+    <p:sldId id="280" r:id="rId7"/>
+    <p:sldId id="283" r:id="rId8"/>
+    <p:sldId id="281" r:id="rId9"/>
+    <p:sldId id="282" r:id="rId10"/>
+    <p:sldId id="285" r:id="rId11"/>
+    <p:sldId id="284" r:id="rId12"/>
+    <p:sldId id="289" r:id="rId13"/>
+    <p:sldId id="290" r:id="rId14"/>
+    <p:sldId id="291" r:id="rId15"/>
+    <p:sldId id="287" r:id="rId16"/>
+    <p:sldId id="286" r:id="rId17"/>
+    <p:sldId id="288" r:id="rId18"/>
   </p:sldIdLst>
   <p:sldSz cx="9144000" cy="6858000" type="screen4x3"/>
   <p:notesSz cx="6858000" cy="9144000"/>
@@ -4161,16 +4160,14 @@
       </p:sp>
       <p:pic>
         <p:nvPicPr>
-          <p:cNvPr id="2" name="图片 1">
+          <p:cNvPr id="7" name="图片 6">
             <a:extLst>
               <a:ext uri="{FF2B5EF4-FFF2-40B4-BE49-F238E27FC236}">
-                <a16:creationId xmlns:a16="http://schemas.microsoft.com/office/drawing/2014/main" id="{2A42751D-8A65-468C-A971-8419BD06FA9A}"/>
+                <a16:creationId xmlns:a16="http://schemas.microsoft.com/office/drawing/2014/main" id="{38A87265-2B79-4203-9806-21C7CAD6505B}"/>
               </a:ext>
             </a:extLst>
           </p:cNvPr>
-          <p:cNvPicPr>
-            <a:picLocks noChangeAspect="1"/>
-          </p:cNvPicPr>
+          <p:cNvPicPr/>
           <p:nvPr/>
         </p:nvPicPr>
         <p:blipFill>
@@ -4181,18 +4178,61 @@
         </p:blipFill>
         <p:spPr>
           <a:xfrm>
-            <a:off x="149960" y="1141096"/>
-            <a:ext cx="8844083" cy="4575811"/>
+            <a:off x="472269" y="1767525"/>
+            <a:ext cx="8539756" cy="4709474"/>
           </a:xfrm>
           <a:prstGeom prst="rect">
             <a:avLst/>
           </a:prstGeom>
         </p:spPr>
       </p:pic>
+      <p:sp>
+        <p:nvSpPr>
+          <p:cNvPr id="3" name="文本框 2">
+            <a:extLst>
+              <a:ext uri="{FF2B5EF4-FFF2-40B4-BE49-F238E27FC236}">
+                <a16:creationId xmlns:a16="http://schemas.microsoft.com/office/drawing/2014/main" id="{E328E778-73CE-4135-95BD-9D678AE9BEB7}"/>
+              </a:ext>
+            </a:extLst>
+          </p:cNvPr>
+          <p:cNvSpPr txBox="1"/>
+          <p:nvPr/>
+        </p:nvSpPr>
+        <p:spPr>
+          <a:xfrm>
+            <a:off x="4308050" y="1096488"/>
+            <a:ext cx="4027064" cy="369332"/>
+          </a:xfrm>
+          <a:prstGeom prst="rect">
+            <a:avLst/>
+          </a:prstGeom>
+          <a:noFill/>
+        </p:spPr>
+        <p:txBody>
+          <a:bodyPr wrap="none" rtlCol="0">
+            <a:spAutoFit/>
+          </a:bodyPr>
+          <a:lstStyle/>
+          <a:p>
+            <a:r>
+              <a:rPr lang="zh-CN" altLang="en-US" dirty="0"/>
+              <a:t>查找分析并简化淘宝</a:t>
+            </a:r>
+            <a:r>
+              <a:rPr lang="en-US" altLang="zh-CN" dirty="0"/>
+              <a:t>JSONP</a:t>
+            </a:r>
+            <a:r>
+              <a:rPr lang="zh-CN" altLang="en-US" dirty="0"/>
+              <a:t>的请求参数</a:t>
+            </a:r>
+          </a:p>
+        </p:txBody>
+      </p:sp>
     </p:spTree>
     <p:extLst>
       <p:ext uri="{BB962C8B-B14F-4D97-AF65-F5344CB8AC3E}">
-        <p14:creationId xmlns:p14="http://schemas.microsoft.com/office/powerpoint/2010/main" val="1099218633"/>
+        <p14:creationId xmlns:p14="http://schemas.microsoft.com/office/powerpoint/2010/main" val="3310844127"/>
       </p:ext>
     </p:extLst>
   </p:cSld>
@@ -4334,7 +4374,7 @@
         <p:spPr bwMode="auto">
           <a:xfrm>
             <a:off x="1056640" y="425451"/>
-            <a:ext cx="3000375" cy="369332"/>
+            <a:ext cx="5042502" cy="369332"/>
           </a:xfrm>
           <a:prstGeom prst="rect">
             <a:avLst/>
@@ -4348,7 +4388,7 @@
           </a:ln>
         </p:spPr>
         <p:txBody>
-          <a:bodyPr>
+          <a:bodyPr wrap="square">
             <a:spAutoFit/>
           </a:bodyPr>
           <a:lstStyle/>
@@ -4385,7 +4425,37 @@
                 <a:latin typeface="微软雅黑" pitchFamily="34" charset="-122"/>
                 <a:ea typeface="微软雅黑" pitchFamily="34" charset="-122"/>
               </a:rPr>
-              <a:t>爬虫模块</a:t>
+              <a:t>分析模块</a:t>
+            </a:r>
+            <a:r>
+              <a:rPr lang="en-US" altLang="zh-CN" b="1" dirty="0">
+                <a:solidFill>
+                  <a:schemeClr val="bg1"/>
+                </a:solidFill>
+                <a:latin typeface="微软雅黑" pitchFamily="34" charset="-122"/>
+                <a:ea typeface="微软雅黑" pitchFamily="34" charset="-122"/>
+              </a:rPr>
+              <a:t>——</a:t>
+            </a:r>
+            <a:r>
+              <a:rPr lang="zh-CN" altLang="en-US" b="1" dirty="0">
+                <a:solidFill>
+                  <a:schemeClr val="bg1"/>
+                </a:solidFill>
+                <a:latin typeface="微软雅黑" pitchFamily="34" charset="-122"/>
+                <a:ea typeface="微软雅黑" pitchFamily="34" charset="-122"/>
+              </a:rPr>
+              <a:t>百度</a:t>
+            </a:r>
+            <a:r>
+              <a:rPr lang="en-US" altLang="zh-CN" b="1" dirty="0">
+                <a:solidFill>
+                  <a:schemeClr val="bg1"/>
+                </a:solidFill>
+                <a:latin typeface="微软雅黑" pitchFamily="34" charset="-122"/>
+                <a:ea typeface="微软雅黑" pitchFamily="34" charset="-122"/>
+              </a:rPr>
+              <a:t>AI</a:t>
             </a:r>
             <a:endParaRPr lang="zh-CN" altLang="en-US" b="1" dirty="0">
               <a:solidFill>
@@ -4397,79 +4467,44 @@
       </p:sp>
       <p:pic>
         <p:nvPicPr>
-          <p:cNvPr id="7" name="图片 6">
+          <p:cNvPr id="8" name="图片 7">
             <a:extLst>
               <a:ext uri="{FF2B5EF4-FFF2-40B4-BE49-F238E27FC236}">
-                <a16:creationId xmlns:a16="http://schemas.microsoft.com/office/drawing/2014/main" id="{38A87265-2B79-4203-9806-21C7CAD6505B}"/>
+                <a16:creationId xmlns:a16="http://schemas.microsoft.com/office/drawing/2014/main" id="{91B3EE39-190F-4F7E-8962-93265FC6B1E1}"/>
               </a:ext>
             </a:extLst>
           </p:cNvPr>
-          <p:cNvPicPr/>
+          <p:cNvPicPr>
+            <a:picLocks noChangeAspect="1"/>
+          </p:cNvPicPr>
           <p:nvPr/>
         </p:nvPicPr>
         <p:blipFill>
-          <a:blip r:embed="rId2"/>
+          <a:blip r:embed="rId2">
+            <a:extLst>
+              <a:ext uri="{28A0092B-C50C-407E-A947-70E740481C1C}">
+                <a14:useLocalDpi xmlns:a14="http://schemas.microsoft.com/office/drawing/2010/main" val="0"/>
+              </a:ext>
+            </a:extLst>
+          </a:blip>
           <a:stretch>
             <a:fillRect/>
           </a:stretch>
         </p:blipFill>
         <p:spPr>
           <a:xfrm>
-            <a:off x="472269" y="1767525"/>
-            <a:ext cx="8539756" cy="4709474"/>
+            <a:off x="0" y="1249160"/>
+            <a:ext cx="9144000" cy="5584521"/>
           </a:xfrm>
           <a:prstGeom prst="rect">
             <a:avLst/>
           </a:prstGeom>
         </p:spPr>
       </p:pic>
-      <p:sp>
-        <p:nvSpPr>
-          <p:cNvPr id="3" name="文本框 2">
-            <a:extLst>
-              <a:ext uri="{FF2B5EF4-FFF2-40B4-BE49-F238E27FC236}">
-                <a16:creationId xmlns:a16="http://schemas.microsoft.com/office/drawing/2014/main" id="{E328E778-73CE-4135-95BD-9D678AE9BEB7}"/>
-              </a:ext>
-            </a:extLst>
-          </p:cNvPr>
-          <p:cNvSpPr txBox="1"/>
-          <p:nvPr/>
-        </p:nvSpPr>
-        <p:spPr>
-          <a:xfrm>
-            <a:off x="4308050" y="1096488"/>
-            <a:ext cx="4027064" cy="369332"/>
-          </a:xfrm>
-          <a:prstGeom prst="rect">
-            <a:avLst/>
-          </a:prstGeom>
-          <a:noFill/>
-        </p:spPr>
-        <p:txBody>
-          <a:bodyPr wrap="none" rtlCol="0">
-            <a:spAutoFit/>
-          </a:bodyPr>
-          <a:lstStyle/>
-          <a:p>
-            <a:r>
-              <a:rPr lang="zh-CN" altLang="en-US" dirty="0"/>
-              <a:t>查找分析并简化淘宝</a:t>
-            </a:r>
-            <a:r>
-              <a:rPr lang="en-US" altLang="zh-CN" dirty="0"/>
-              <a:t>JSONP</a:t>
-            </a:r>
-            <a:r>
-              <a:rPr lang="zh-CN" altLang="en-US" dirty="0"/>
-              <a:t>的请求参数</a:t>
-            </a:r>
-          </a:p>
-        </p:txBody>
-      </p:sp>
     </p:spTree>
     <p:extLst>
       <p:ext uri="{BB962C8B-B14F-4D97-AF65-F5344CB8AC3E}">
-        <p14:creationId xmlns:p14="http://schemas.microsoft.com/office/powerpoint/2010/main" val="3310844127"/>
+        <p14:creationId xmlns:p14="http://schemas.microsoft.com/office/powerpoint/2010/main" val="702491192"/>
       </p:ext>
     </p:extLst>
   </p:cSld>
@@ -4682,17 +4717,7 @@
                 <a:latin typeface="微软雅黑" pitchFamily="34" charset="-122"/>
                 <a:ea typeface="微软雅黑" pitchFamily="34" charset="-122"/>
               </a:rPr>
-              <a:t>百度</a:t>
-            </a:r>
-            <a:r>
-              <a:rPr lang="en-US" altLang="zh-CN" b="1" dirty="0">
-                <a:solidFill>
-                  <a:schemeClr val="bg1"/>
-                </a:solidFill>
-                <a:latin typeface="微软雅黑" pitchFamily="34" charset="-122"/>
-                <a:ea typeface="微软雅黑" pitchFamily="34" charset="-122"/>
-              </a:rPr>
-              <a:t>AI</a:t>
+              <a:t>情感字典</a:t>
             </a:r>
             <a:endParaRPr lang="zh-CN" altLang="en-US" b="1" dirty="0">
               <a:solidFill>
@@ -4704,10 +4729,10 @@
       </p:sp>
       <p:pic>
         <p:nvPicPr>
-          <p:cNvPr id="8" name="图片 7">
+          <p:cNvPr id="5" name="图片 4">
             <a:extLst>
               <a:ext uri="{FF2B5EF4-FFF2-40B4-BE49-F238E27FC236}">
-                <a16:creationId xmlns:a16="http://schemas.microsoft.com/office/drawing/2014/main" id="{91B3EE39-190F-4F7E-8962-93265FC6B1E1}"/>
+                <a16:creationId xmlns:a16="http://schemas.microsoft.com/office/drawing/2014/main" id="{C931F3F6-B303-4A8E-A809-DF1B8C9AC99D}"/>
               </a:ext>
             </a:extLst>
           </p:cNvPr>
@@ -4730,8 +4755,8 @@
         </p:blipFill>
         <p:spPr>
           <a:xfrm>
-            <a:off x="0" y="1249160"/>
-            <a:ext cx="9144000" cy="5584521"/>
+            <a:off x="348792" y="1008102"/>
+            <a:ext cx="8398965" cy="5757234"/>
           </a:xfrm>
           <a:prstGeom prst="rect">
             <a:avLst/>
@@ -4741,7 +4766,7 @@
     </p:spTree>
     <p:extLst>
       <p:ext uri="{BB962C8B-B14F-4D97-AF65-F5344CB8AC3E}">
-        <p14:creationId xmlns:p14="http://schemas.microsoft.com/office/powerpoint/2010/main" val="702491192"/>
+        <p14:creationId xmlns:p14="http://schemas.microsoft.com/office/powerpoint/2010/main" val="3390040416"/>
       </p:ext>
     </p:extLst>
   </p:cSld>
@@ -4954,7 +4979,7 @@
                 <a:latin typeface="微软雅黑" pitchFamily="34" charset="-122"/>
                 <a:ea typeface="微软雅黑" pitchFamily="34" charset="-122"/>
               </a:rPr>
-              <a:t>情感字典</a:t>
+              <a:t>机器学习</a:t>
             </a:r>
             <a:endParaRPr lang="zh-CN" altLang="en-US" b="1" dirty="0">
               <a:solidFill>
@@ -4966,10 +4991,10 @@
       </p:sp>
       <p:pic>
         <p:nvPicPr>
-          <p:cNvPr id="5" name="图片 4">
+          <p:cNvPr id="3" name="图片 2">
             <a:extLst>
               <a:ext uri="{FF2B5EF4-FFF2-40B4-BE49-F238E27FC236}">
-                <a16:creationId xmlns:a16="http://schemas.microsoft.com/office/drawing/2014/main" id="{C931F3F6-B303-4A8E-A809-DF1B8C9AC99D}"/>
+                <a16:creationId xmlns:a16="http://schemas.microsoft.com/office/drawing/2014/main" id="{6F887B14-7AB8-46AE-8D85-CFFBE5288264}"/>
               </a:ext>
             </a:extLst>
           </p:cNvPr>
@@ -4992,8 +5017,8 @@
         </p:blipFill>
         <p:spPr>
           <a:xfrm>
-            <a:off x="348792" y="1008102"/>
-            <a:ext cx="8398965" cy="5757234"/>
+            <a:off x="141953" y="1091153"/>
+            <a:ext cx="8860093" cy="5663152"/>
           </a:xfrm>
           <a:prstGeom prst="rect">
             <a:avLst/>
@@ -5003,7 +5028,7 @@
     </p:spTree>
     <p:extLst>
       <p:ext uri="{BB962C8B-B14F-4D97-AF65-F5344CB8AC3E}">
-        <p14:creationId xmlns:p14="http://schemas.microsoft.com/office/powerpoint/2010/main" val="3390040416"/>
+        <p14:creationId xmlns:p14="http://schemas.microsoft.com/office/powerpoint/2010/main" val="2639899637"/>
       </p:ext>
     </p:extLst>
   </p:cSld>
@@ -5226,12 +5251,93 @@
           </a:p>
         </p:txBody>
       </p:sp>
+      <p:sp>
+        <p:nvSpPr>
+          <p:cNvPr id="2" name="矩形 1">
+            <a:extLst>
+              <a:ext uri="{FF2B5EF4-FFF2-40B4-BE49-F238E27FC236}">
+                <a16:creationId xmlns:a16="http://schemas.microsoft.com/office/drawing/2014/main" id="{20492DB3-1430-46EE-B7B3-C603F98FBEDA}"/>
+              </a:ext>
+            </a:extLst>
+          </p:cNvPr>
+          <p:cNvSpPr/>
+          <p:nvPr/>
+        </p:nvSpPr>
+        <p:spPr>
+          <a:xfrm>
+            <a:off x="472272" y="971327"/>
+            <a:ext cx="7323696" cy="954107"/>
+          </a:xfrm>
+          <a:prstGeom prst="rect">
+            <a:avLst/>
+          </a:prstGeom>
+        </p:spPr>
+        <p:txBody>
+          <a:bodyPr wrap="square">
+            <a:spAutoFit/>
+          </a:bodyPr>
+          <a:lstStyle/>
+          <a:p>
+            <a:r>
+              <a:rPr lang="zh-CN" altLang="en-US" sz="2800" dirty="0">
+                <a:solidFill>
+                  <a:srgbClr val="4F4F4F"/>
+                </a:solidFill>
+                <a:latin typeface="Microsoft YaHei" panose="020B0503020204020204" pitchFamily="34" charset="-122"/>
+                <a:ea typeface="Microsoft YaHei" panose="020B0503020204020204" pitchFamily="34" charset="-122"/>
+              </a:rPr>
+              <a:t>根据贝叶斯定理，对一个分类问题，给定样本特征</a:t>
+            </a:r>
+            <a:r>
+              <a:rPr lang="en-US" altLang="zh-CN" sz="2800" dirty="0">
+                <a:solidFill>
+                  <a:srgbClr val="4F4F4F"/>
+                </a:solidFill>
+                <a:latin typeface="Microsoft YaHei" panose="020B0503020204020204" pitchFamily="34" charset="-122"/>
+                <a:ea typeface="Microsoft YaHei" panose="020B0503020204020204" pitchFamily="34" charset="-122"/>
+              </a:rPr>
+              <a:t>x</a:t>
+            </a:r>
+            <a:r>
+              <a:rPr lang="zh-CN" altLang="en-US" sz="2800" dirty="0">
+                <a:solidFill>
+                  <a:srgbClr val="4F4F4F"/>
+                </a:solidFill>
+                <a:latin typeface="Microsoft YaHei" panose="020B0503020204020204" pitchFamily="34" charset="-122"/>
+                <a:ea typeface="Microsoft YaHei" panose="020B0503020204020204" pitchFamily="34" charset="-122"/>
+              </a:rPr>
+              <a:t>，样本属于类别</a:t>
+            </a:r>
+            <a:r>
+              <a:rPr lang="en-US" altLang="zh-CN" sz="2800" dirty="0">
+                <a:solidFill>
+                  <a:srgbClr val="4F4F4F"/>
+                </a:solidFill>
+                <a:latin typeface="Microsoft YaHei" panose="020B0503020204020204" pitchFamily="34" charset="-122"/>
+                <a:ea typeface="Microsoft YaHei" panose="020B0503020204020204" pitchFamily="34" charset="-122"/>
+              </a:rPr>
+              <a:t>y</a:t>
+            </a:r>
+            <a:r>
+              <a:rPr lang="zh-CN" altLang="en-US" sz="2800" dirty="0">
+                <a:solidFill>
+                  <a:srgbClr val="4F4F4F"/>
+                </a:solidFill>
+                <a:latin typeface="Microsoft YaHei" panose="020B0503020204020204" pitchFamily="34" charset="-122"/>
+                <a:ea typeface="Microsoft YaHei" panose="020B0503020204020204" pitchFamily="34" charset="-122"/>
+              </a:rPr>
+              <a:t>的概率是</a:t>
+            </a:r>
+            <a:endParaRPr lang="zh-CN" altLang="en-US" sz="2800" dirty="0"/>
+          </a:p>
+        </p:txBody>
+      </p:sp>
       <p:pic>
         <p:nvPicPr>
-          <p:cNvPr id="3" name="图片 2">
+          <p:cNvPr id="5" name="图片 4">
             <a:extLst>
               <a:ext uri="{FF2B5EF4-FFF2-40B4-BE49-F238E27FC236}">
-                <a16:creationId xmlns:a16="http://schemas.microsoft.com/office/drawing/2014/main" id="{6F887B14-7AB8-46AE-8D85-CFFBE5288264}"/>
+                <a16:creationId xmlns:a16="http://schemas.microsoft.com/office/drawing/2014/main" id="{F6998118-3021-4A32-A92E-E3373517FA4D}"/>
               </a:ext>
             </a:extLst>
           </p:cNvPr>
@@ -5241,21 +5347,118 @@
           <p:nvPr/>
         </p:nvPicPr>
         <p:blipFill>
-          <a:blip r:embed="rId2">
-            <a:extLst>
-              <a:ext uri="{28A0092B-C50C-407E-A947-70E740481C1C}">
-                <a14:useLocalDpi xmlns:a14="http://schemas.microsoft.com/office/drawing/2010/main" val="0"/>
-              </a:ext>
-            </a:extLst>
-          </a:blip>
+          <a:blip r:embed="rId2"/>
           <a:stretch>
             <a:fillRect/>
           </a:stretch>
         </p:blipFill>
         <p:spPr>
           <a:xfrm>
-            <a:off x="141953" y="1091153"/>
-            <a:ext cx="8860093" cy="5663152"/>
+            <a:off x="2603840" y="1940617"/>
+            <a:ext cx="3495302" cy="1292782"/>
+          </a:xfrm>
+          <a:prstGeom prst="rect">
+            <a:avLst/>
+          </a:prstGeom>
+        </p:spPr>
+      </p:pic>
+      <p:sp>
+        <p:nvSpPr>
+          <p:cNvPr id="6" name="矩形 5">
+            <a:extLst>
+              <a:ext uri="{FF2B5EF4-FFF2-40B4-BE49-F238E27FC236}">
+                <a16:creationId xmlns:a16="http://schemas.microsoft.com/office/drawing/2014/main" id="{C9A6DEB3-D671-43F6-AC5B-7675FECAFA88}"/>
+              </a:ext>
+            </a:extLst>
+          </p:cNvPr>
+          <p:cNvSpPr/>
+          <p:nvPr/>
+        </p:nvSpPr>
+        <p:spPr>
+          <a:xfrm>
+            <a:off x="472271" y="3326032"/>
+            <a:ext cx="8370164" cy="1384995"/>
+          </a:xfrm>
+          <a:prstGeom prst="rect">
+            <a:avLst/>
+          </a:prstGeom>
+        </p:spPr>
+        <p:txBody>
+          <a:bodyPr wrap="square">
+            <a:spAutoFit/>
+          </a:bodyPr>
+          <a:lstStyle/>
+          <a:p>
+            <a:r>
+              <a:rPr lang="zh-CN" altLang="en-US" sz="2800" dirty="0">
+                <a:latin typeface="-apple-system"/>
+              </a:rPr>
+              <a:t>在这里，</a:t>
+            </a:r>
+            <a:r>
+              <a:rPr lang="en-US" altLang="zh-CN" sz="2800" dirty="0">
+                <a:latin typeface="-apple-system"/>
+              </a:rPr>
+              <a:t>x</a:t>
+            </a:r>
+            <a:r>
+              <a:rPr lang="zh-CN" altLang="en-US" sz="2800" dirty="0">
+                <a:latin typeface="-apple-system"/>
+              </a:rPr>
+              <a:t>是一个特征向量，将设</a:t>
+            </a:r>
+            <a:r>
+              <a:rPr lang="en-US" altLang="zh-CN" sz="2800" dirty="0">
+                <a:latin typeface="-apple-system"/>
+              </a:rPr>
+              <a:t>x</a:t>
+            </a:r>
+            <a:r>
+              <a:rPr lang="zh-CN" altLang="en-US" sz="2800" dirty="0">
+                <a:latin typeface="-apple-system"/>
+              </a:rPr>
+              <a:t>维度为</a:t>
+            </a:r>
+            <a:r>
+              <a:rPr lang="en-US" altLang="zh-CN" sz="2800" dirty="0">
+                <a:latin typeface="-apple-system"/>
+              </a:rPr>
+              <a:t>M</a:t>
+            </a:r>
+            <a:r>
+              <a:rPr lang="zh-CN" altLang="en-US" sz="2800" dirty="0">
+                <a:latin typeface="-apple-system"/>
+              </a:rPr>
+              <a:t>。因为朴素的假设，即特征条件独立，根据全概率公式展开，公式可以表达为</a:t>
+            </a:r>
+            <a:endParaRPr lang="zh-CN" altLang="en-US" sz="2800" dirty="0"/>
+          </a:p>
+        </p:txBody>
+      </p:sp>
+      <p:pic>
+        <p:nvPicPr>
+          <p:cNvPr id="7" name="图片 6">
+            <a:extLst>
+              <a:ext uri="{FF2B5EF4-FFF2-40B4-BE49-F238E27FC236}">
+                <a16:creationId xmlns:a16="http://schemas.microsoft.com/office/drawing/2014/main" id="{0DE4F402-937C-4E48-8016-28C99E069C77}"/>
+              </a:ext>
+            </a:extLst>
+          </p:cNvPr>
+          <p:cNvPicPr>
+            <a:picLocks noChangeAspect="1"/>
+          </p:cNvPicPr>
+          <p:nvPr/>
+        </p:nvPicPr>
+        <p:blipFill>
+          <a:blip r:embed="rId3"/>
+          <a:stretch>
+            <a:fillRect/>
+          </a:stretch>
+        </p:blipFill>
+        <p:spPr>
+          <a:xfrm>
+            <a:off x="1798874" y="4941953"/>
+            <a:ext cx="5206919" cy="1223177"/>
           </a:xfrm>
           <a:prstGeom prst="rect">
             <a:avLst/>
@@ -5265,7 +5468,7 @@
     </p:spTree>
     <p:extLst>
       <p:ext uri="{BB962C8B-B14F-4D97-AF65-F5344CB8AC3E}">
-        <p14:creationId xmlns:p14="http://schemas.microsoft.com/office/powerpoint/2010/main" val="2639899637"/>
+        <p14:creationId xmlns:p14="http://schemas.microsoft.com/office/powerpoint/2010/main" val="2513615578"/>
       </p:ext>
     </p:extLst>
   </p:cSld>
@@ -5407,7 +5610,7 @@
         <p:spPr bwMode="auto">
           <a:xfrm>
             <a:off x="1056640" y="425451"/>
-            <a:ext cx="5042502" cy="369332"/>
+            <a:ext cx="3000375" cy="369332"/>
           </a:xfrm>
           <a:prstGeom prst="rect">
             <a:avLst/>
@@ -5421,7 +5624,7 @@
           </a:ln>
         </p:spPr>
         <p:txBody>
-          <a:bodyPr wrap="square">
+          <a:bodyPr>
             <a:spAutoFit/>
           </a:bodyPr>
           <a:lstStyle/>
@@ -5458,27 +5661,7 @@
                 <a:latin typeface="微软雅黑" pitchFamily="34" charset="-122"/>
                 <a:ea typeface="微软雅黑" pitchFamily="34" charset="-122"/>
               </a:rPr>
-              <a:t>分析模块</a:t>
-            </a:r>
-            <a:r>
-              <a:rPr lang="en-US" altLang="zh-CN" b="1" dirty="0">
-                <a:solidFill>
-                  <a:schemeClr val="bg1"/>
-                </a:solidFill>
-                <a:latin typeface="微软雅黑" pitchFamily="34" charset="-122"/>
-                <a:ea typeface="微软雅黑" pitchFamily="34" charset="-122"/>
-              </a:rPr>
-              <a:t>——</a:t>
-            </a:r>
-            <a:r>
-              <a:rPr lang="zh-CN" altLang="en-US" b="1" dirty="0">
-                <a:solidFill>
-                  <a:schemeClr val="bg1"/>
-                </a:solidFill>
-                <a:latin typeface="微软雅黑" pitchFamily="34" charset="-122"/>
-                <a:ea typeface="微软雅黑" pitchFamily="34" charset="-122"/>
-              </a:rPr>
-              <a:t>机器学习</a:t>
+              <a:t>交互模块</a:t>
             </a:r>
             <a:endParaRPr lang="zh-CN" altLang="en-US" b="1" dirty="0">
               <a:solidFill>
@@ -5488,93 +5671,12 @@
           </a:p>
         </p:txBody>
       </p:sp>
-      <p:sp>
-        <p:nvSpPr>
-          <p:cNvPr id="2" name="矩形 1">
-            <a:extLst>
-              <a:ext uri="{FF2B5EF4-FFF2-40B4-BE49-F238E27FC236}">
-                <a16:creationId xmlns:a16="http://schemas.microsoft.com/office/drawing/2014/main" id="{20492DB3-1430-46EE-B7B3-C603F98FBEDA}"/>
-              </a:ext>
-            </a:extLst>
-          </p:cNvPr>
-          <p:cNvSpPr/>
-          <p:nvPr/>
-        </p:nvSpPr>
-        <p:spPr>
-          <a:xfrm>
-            <a:off x="472272" y="971327"/>
-            <a:ext cx="7323696" cy="954107"/>
-          </a:xfrm>
-          <a:prstGeom prst="rect">
-            <a:avLst/>
-          </a:prstGeom>
-        </p:spPr>
-        <p:txBody>
-          <a:bodyPr wrap="square">
-            <a:spAutoFit/>
-          </a:bodyPr>
-          <a:lstStyle/>
-          <a:p>
-            <a:r>
-              <a:rPr lang="zh-CN" altLang="en-US" sz="2800" dirty="0">
-                <a:solidFill>
-                  <a:srgbClr val="4F4F4F"/>
-                </a:solidFill>
-                <a:latin typeface="Microsoft YaHei" panose="020B0503020204020204" pitchFamily="34" charset="-122"/>
-                <a:ea typeface="Microsoft YaHei" panose="020B0503020204020204" pitchFamily="34" charset="-122"/>
-              </a:rPr>
-              <a:t>根据贝叶斯定理，对一个分类问题，给定样本特征</a:t>
-            </a:r>
-            <a:r>
-              <a:rPr lang="en-US" altLang="zh-CN" sz="2800" dirty="0">
-                <a:solidFill>
-                  <a:srgbClr val="4F4F4F"/>
-                </a:solidFill>
-                <a:latin typeface="Microsoft YaHei" panose="020B0503020204020204" pitchFamily="34" charset="-122"/>
-                <a:ea typeface="Microsoft YaHei" panose="020B0503020204020204" pitchFamily="34" charset="-122"/>
-              </a:rPr>
-              <a:t>x</a:t>
-            </a:r>
-            <a:r>
-              <a:rPr lang="zh-CN" altLang="en-US" sz="2800" dirty="0">
-                <a:solidFill>
-                  <a:srgbClr val="4F4F4F"/>
-                </a:solidFill>
-                <a:latin typeface="Microsoft YaHei" panose="020B0503020204020204" pitchFamily="34" charset="-122"/>
-                <a:ea typeface="Microsoft YaHei" panose="020B0503020204020204" pitchFamily="34" charset="-122"/>
-              </a:rPr>
-              <a:t>，样本属于类别</a:t>
-            </a:r>
-            <a:r>
-              <a:rPr lang="en-US" altLang="zh-CN" sz="2800" dirty="0">
-                <a:solidFill>
-                  <a:srgbClr val="4F4F4F"/>
-                </a:solidFill>
-                <a:latin typeface="Microsoft YaHei" panose="020B0503020204020204" pitchFamily="34" charset="-122"/>
-                <a:ea typeface="Microsoft YaHei" panose="020B0503020204020204" pitchFamily="34" charset="-122"/>
-              </a:rPr>
-              <a:t>y</a:t>
-            </a:r>
-            <a:r>
-              <a:rPr lang="zh-CN" altLang="en-US" sz="2800" dirty="0">
-                <a:solidFill>
-                  <a:srgbClr val="4F4F4F"/>
-                </a:solidFill>
-                <a:latin typeface="Microsoft YaHei" panose="020B0503020204020204" pitchFamily="34" charset="-122"/>
-                <a:ea typeface="Microsoft YaHei" panose="020B0503020204020204" pitchFamily="34" charset="-122"/>
-              </a:rPr>
-              <a:t>的概率是</a:t>
-            </a:r>
-            <a:endParaRPr lang="zh-CN" altLang="en-US" sz="2800" dirty="0"/>
-          </a:p>
-        </p:txBody>
-      </p:sp>
       <p:pic>
         <p:nvPicPr>
           <p:cNvPr id="5" name="图片 4">
             <a:extLst>
               <a:ext uri="{FF2B5EF4-FFF2-40B4-BE49-F238E27FC236}">
-                <a16:creationId xmlns:a16="http://schemas.microsoft.com/office/drawing/2014/main" id="{F6998118-3021-4A32-A92E-E3373517FA4D}"/>
+                <a16:creationId xmlns:a16="http://schemas.microsoft.com/office/drawing/2014/main" id="{100534C2-6D4F-4FD5-AF56-0843DD8A1964}"/>
               </a:ext>
             </a:extLst>
           </p:cNvPr>
@@ -5584,118 +5686,21 @@
           <p:nvPr/>
         </p:nvPicPr>
         <p:blipFill>
-          <a:blip r:embed="rId2"/>
+          <a:blip r:embed="rId2">
+            <a:extLst>
+              <a:ext uri="{28A0092B-C50C-407E-A947-70E740481C1C}">
+                <a14:useLocalDpi xmlns:a14="http://schemas.microsoft.com/office/drawing/2010/main" val="0"/>
+              </a:ext>
+            </a:extLst>
+          </a:blip>
           <a:stretch>
             <a:fillRect/>
           </a:stretch>
         </p:blipFill>
         <p:spPr>
           <a:xfrm>
-            <a:off x="2603840" y="1940617"/>
-            <a:ext cx="3495302" cy="1292782"/>
-          </a:xfrm>
-          <a:prstGeom prst="rect">
-            <a:avLst/>
-          </a:prstGeom>
-        </p:spPr>
-      </p:pic>
-      <p:sp>
-        <p:nvSpPr>
-          <p:cNvPr id="6" name="矩形 5">
-            <a:extLst>
-              <a:ext uri="{FF2B5EF4-FFF2-40B4-BE49-F238E27FC236}">
-                <a16:creationId xmlns:a16="http://schemas.microsoft.com/office/drawing/2014/main" id="{C9A6DEB3-D671-43F6-AC5B-7675FECAFA88}"/>
-              </a:ext>
-            </a:extLst>
-          </p:cNvPr>
-          <p:cNvSpPr/>
-          <p:nvPr/>
-        </p:nvSpPr>
-        <p:spPr>
-          <a:xfrm>
-            <a:off x="472271" y="3326032"/>
-            <a:ext cx="8370164" cy="1384995"/>
-          </a:xfrm>
-          <a:prstGeom prst="rect">
-            <a:avLst/>
-          </a:prstGeom>
-        </p:spPr>
-        <p:txBody>
-          <a:bodyPr wrap="square">
-            <a:spAutoFit/>
-          </a:bodyPr>
-          <a:lstStyle/>
-          <a:p>
-            <a:r>
-              <a:rPr lang="zh-CN" altLang="en-US" sz="2800" dirty="0">
-                <a:latin typeface="-apple-system"/>
-              </a:rPr>
-              <a:t>在这里，</a:t>
-            </a:r>
-            <a:r>
-              <a:rPr lang="en-US" altLang="zh-CN" sz="2800" dirty="0">
-                <a:latin typeface="-apple-system"/>
-              </a:rPr>
-              <a:t>x</a:t>
-            </a:r>
-            <a:r>
-              <a:rPr lang="zh-CN" altLang="en-US" sz="2800" dirty="0">
-                <a:latin typeface="-apple-system"/>
-              </a:rPr>
-              <a:t>是一个特征向量，将设</a:t>
-            </a:r>
-            <a:r>
-              <a:rPr lang="en-US" altLang="zh-CN" sz="2800" dirty="0">
-                <a:latin typeface="-apple-system"/>
-              </a:rPr>
-              <a:t>x</a:t>
-            </a:r>
-            <a:r>
-              <a:rPr lang="zh-CN" altLang="en-US" sz="2800" dirty="0">
-                <a:latin typeface="-apple-system"/>
-              </a:rPr>
-              <a:t>维度为</a:t>
-            </a:r>
-            <a:r>
-              <a:rPr lang="en-US" altLang="zh-CN" sz="2800" dirty="0">
-                <a:latin typeface="-apple-system"/>
-              </a:rPr>
-              <a:t>M</a:t>
-            </a:r>
-            <a:r>
-              <a:rPr lang="zh-CN" altLang="en-US" sz="2800" dirty="0">
-                <a:latin typeface="-apple-system"/>
-              </a:rPr>
-              <a:t>。因为朴素的假设，即特征条件独立，根据全概率公式展开，公式可以表达为</a:t>
-            </a:r>
-            <a:endParaRPr lang="zh-CN" altLang="en-US" sz="2800" dirty="0"/>
-          </a:p>
-        </p:txBody>
-      </p:sp>
-      <p:pic>
-        <p:nvPicPr>
-          <p:cNvPr id="7" name="图片 6">
-            <a:extLst>
-              <a:ext uri="{FF2B5EF4-FFF2-40B4-BE49-F238E27FC236}">
-                <a16:creationId xmlns:a16="http://schemas.microsoft.com/office/drawing/2014/main" id="{0DE4F402-937C-4E48-8016-28C99E069C77}"/>
-              </a:ext>
-            </a:extLst>
-          </p:cNvPr>
-          <p:cNvPicPr>
-            <a:picLocks noChangeAspect="1"/>
-          </p:cNvPicPr>
-          <p:nvPr/>
-        </p:nvPicPr>
-        <p:blipFill>
-          <a:blip r:embed="rId3"/>
-          <a:stretch>
-            <a:fillRect/>
-          </a:stretch>
-        </p:blipFill>
-        <p:spPr>
-          <a:xfrm>
-            <a:off x="1798874" y="4941953"/>
-            <a:ext cx="5206919" cy="1223177"/>
+            <a:off x="746740" y="1216058"/>
+            <a:ext cx="7534594" cy="5431228"/>
           </a:xfrm>
           <a:prstGeom prst="rect">
             <a:avLst/>
@@ -5705,7 +5710,7 @@
     </p:spTree>
     <p:extLst>
       <p:ext uri="{BB962C8B-B14F-4D97-AF65-F5344CB8AC3E}">
-        <p14:creationId xmlns:p14="http://schemas.microsoft.com/office/powerpoint/2010/main" val="2513615578"/>
+        <p14:creationId xmlns:p14="http://schemas.microsoft.com/office/powerpoint/2010/main" val="206666801"/>
       </p:ext>
     </p:extLst>
   </p:cSld>
@@ -5898,7 +5903,7 @@
                 <a:latin typeface="微软雅黑" pitchFamily="34" charset="-122"/>
                 <a:ea typeface="微软雅黑" pitchFamily="34" charset="-122"/>
               </a:rPr>
-              <a:t>交互模块</a:t>
+              <a:t>邮件发送模块</a:t>
             </a:r>
             <a:endParaRPr lang="zh-CN" altLang="en-US" b="1" dirty="0">
               <a:solidFill>
@@ -5910,10 +5915,10 @@
       </p:sp>
       <p:pic>
         <p:nvPicPr>
-          <p:cNvPr id="5" name="图片 4">
+          <p:cNvPr id="3" name="图片 2">
             <a:extLst>
               <a:ext uri="{FF2B5EF4-FFF2-40B4-BE49-F238E27FC236}">
-                <a16:creationId xmlns:a16="http://schemas.microsoft.com/office/drawing/2014/main" id="{100534C2-6D4F-4FD5-AF56-0843DD8A1964}"/>
+                <a16:creationId xmlns:a16="http://schemas.microsoft.com/office/drawing/2014/main" id="{FE0D05F3-F6D9-4AB6-B3EE-13A4B8B483CF}"/>
               </a:ext>
             </a:extLst>
           </p:cNvPr>
@@ -5936,8 +5941,8 @@
         </p:blipFill>
         <p:spPr>
           <a:xfrm>
-            <a:off x="746740" y="1216058"/>
-            <a:ext cx="7534594" cy="5431228"/>
+            <a:off x="2353371" y="794783"/>
+            <a:ext cx="4892961" cy="5860541"/>
           </a:xfrm>
           <a:prstGeom prst="rect">
             <a:avLst/>
@@ -5947,7 +5952,7 @@
     </p:spTree>
     <p:extLst>
       <p:ext uri="{BB962C8B-B14F-4D97-AF65-F5344CB8AC3E}">
-        <p14:creationId xmlns:p14="http://schemas.microsoft.com/office/powerpoint/2010/main" val="206666801"/>
+        <p14:creationId xmlns:p14="http://schemas.microsoft.com/office/powerpoint/2010/main" val="571394343"/>
       </p:ext>
     </p:extLst>
   </p:cSld>
@@ -5961,6 +5966,85 @@
 </file>
 
 <file path=ppt/slides/slide17.xml><?xml version="1.0" encoding="utf-8"?>
+<p:sld xmlns:a="http://schemas.openxmlformats.org/drawingml/2006/main" xmlns:r="http://schemas.openxmlformats.org/officeDocument/2006/relationships" xmlns:p="http://schemas.openxmlformats.org/presentationml/2006/main">
+  <p:cSld>
+    <p:spTree>
+      <p:nvGrpSpPr>
+        <p:cNvPr id="1" name=""/>
+        <p:cNvGrpSpPr/>
+        <p:nvPr/>
+      </p:nvGrpSpPr>
+      <p:grpSpPr>
+        <a:xfrm>
+          <a:off x="0" y="0"/>
+          <a:ext cx="0" cy="0"/>
+          <a:chOff x="0" y="0"/>
+          <a:chExt cx="0" cy="0"/>
+        </a:xfrm>
+      </p:grpSpPr>
+      <p:sp>
+        <p:nvSpPr>
+          <p:cNvPr id="2" name="文本框 1">
+            <a:extLst>
+              <a:ext uri="{FF2B5EF4-FFF2-40B4-BE49-F238E27FC236}">
+                <a16:creationId xmlns:a16="http://schemas.microsoft.com/office/drawing/2014/main" id="{D1503EB5-EDC4-46F7-8EDA-DC50C2B8FAD3}"/>
+              </a:ext>
+            </a:extLst>
+          </p:cNvPr>
+          <p:cNvSpPr txBox="1"/>
+          <p:nvPr/>
+        </p:nvSpPr>
+        <p:spPr>
+          <a:xfrm>
+            <a:off x="3280528" y="2648932"/>
+            <a:ext cx="2646878" cy="830997"/>
+          </a:xfrm>
+          <a:prstGeom prst="rect">
+            <a:avLst/>
+          </a:prstGeom>
+          <a:noFill/>
+        </p:spPr>
+        <p:txBody>
+          <a:bodyPr wrap="none" rtlCol="0">
+            <a:spAutoFit/>
+          </a:bodyPr>
+          <a:lstStyle/>
+          <a:p>
+            <a:r>
+              <a:rPr lang="zh-CN" altLang="en-US" sz="4800" b="1" dirty="0">
+                <a:solidFill>
+                  <a:schemeClr val="bg1"/>
+                </a:solidFill>
+                <a:latin typeface="微软雅黑" pitchFamily="34" charset="-122"/>
+                <a:ea typeface="微软雅黑" pitchFamily="34" charset="-122"/>
+              </a:rPr>
+              <a:t>谢谢观看</a:t>
+            </a:r>
+            <a:endParaRPr lang="zh-CN" altLang="en-US" sz="4800" dirty="0">
+              <a:solidFill>
+                <a:schemeClr val="bg1"/>
+              </a:solidFill>
+            </a:endParaRPr>
+          </a:p>
+        </p:txBody>
+      </p:sp>
+    </p:spTree>
+    <p:extLst>
+      <p:ext uri="{BB962C8B-B14F-4D97-AF65-F5344CB8AC3E}">
+        <p14:creationId xmlns:p14="http://schemas.microsoft.com/office/powerpoint/2010/main" val="4196784885"/>
+      </p:ext>
+    </p:extLst>
+  </p:cSld>
+  <p:clrMapOvr>
+    <a:masterClrMapping/>
+  </p:clrMapOvr>
+  <p:transition spd="slow">
+    <p:wipe/>
+  </p:transition>
+</p:sld>
+</file>
+
+<file path=ppt/slides/slide2.xml><?xml version="1.0" encoding="utf-8"?>
 <p:sld xmlns:a="http://schemas.openxmlformats.org/drawingml/2006/main" xmlns:r="http://schemas.openxmlformats.org/officeDocument/2006/relationships" xmlns:p="http://schemas.openxmlformats.org/presentationml/2006/main">
   <p:cSld>
     <p:spTree>
@@ -6120,27 +6204,7 @@
                 <a:latin typeface="微软雅黑" pitchFamily="34" charset="-122"/>
                 <a:ea typeface="微软雅黑" pitchFamily="34" charset="-122"/>
               </a:rPr>
-              <a:t>模块设计</a:t>
-            </a:r>
-            <a:r>
-              <a:rPr lang="en-US" altLang="zh-CN" b="1" dirty="0">
-                <a:solidFill>
-                  <a:schemeClr val="bg1"/>
-                </a:solidFill>
-                <a:latin typeface="微软雅黑" pitchFamily="34" charset="-122"/>
-                <a:ea typeface="微软雅黑" pitchFamily="34" charset="-122"/>
-              </a:rPr>
-              <a:t>——</a:t>
-            </a:r>
-            <a:r>
-              <a:rPr lang="zh-CN" altLang="en-US" b="1" dirty="0">
-                <a:solidFill>
-                  <a:schemeClr val="bg1"/>
-                </a:solidFill>
-                <a:latin typeface="微软雅黑" pitchFamily="34" charset="-122"/>
-                <a:ea typeface="微软雅黑" pitchFamily="34" charset="-122"/>
-              </a:rPr>
-              <a:t>邮件发送模块</a:t>
+              <a:t>开发背景</a:t>
             </a:r>
             <a:endParaRPr lang="zh-CN" altLang="en-US" b="1" dirty="0">
               <a:solidFill>
@@ -6152,15 +6216,15 @@
       </p:sp>
       <p:pic>
         <p:nvPicPr>
-          <p:cNvPr id="3" name="图片 2">
+          <p:cNvPr id="1028" name="Picture 4" descr="https://timgsa.baidu.com/timg?image&amp;quality=80&amp;size=b9999_10000&amp;sec=1557388702666&amp;di=1bbd521bd031261a2e471c0b884992df&amp;imgtype=0&amp;src=http%3A%2F%2Ffile.01caijing.com%2Farticle%2F201811%2F6E4A4D424118499.png">
             <a:extLst>
               <a:ext uri="{FF2B5EF4-FFF2-40B4-BE49-F238E27FC236}">
-                <a16:creationId xmlns:a16="http://schemas.microsoft.com/office/drawing/2014/main" id="{FE0D05F3-F6D9-4AB6-B3EE-13A4B8B483CF}"/>
+                <a16:creationId xmlns:a16="http://schemas.microsoft.com/office/drawing/2014/main" id="{5EC3D0F8-5012-460A-8830-91C429386562}"/>
               </a:ext>
             </a:extLst>
           </p:cNvPr>
           <p:cNvPicPr>
-            <a:picLocks noChangeAspect="1"/>
+            <a:picLocks noChangeAspect="1" noChangeArrowheads="1"/>
           </p:cNvPicPr>
           <p:nvPr/>
         </p:nvPicPr>
@@ -6172,59 +6236,37 @@
               </a:ext>
             </a:extLst>
           </a:blip>
+          <a:srcRect/>
           <a:stretch>
             <a:fillRect/>
           </a:stretch>
         </p:blipFill>
-        <p:spPr>
-          <a:xfrm>
-            <a:off x="2353371" y="794783"/>
-            <a:ext cx="4892961" cy="5860541"/>
+        <p:spPr bwMode="auto">
+          <a:xfrm>
+            <a:off x="594239" y="1742149"/>
+            <a:ext cx="7955535" cy="4803821"/>
           </a:xfrm>
           <a:prstGeom prst="rect">
             <a:avLst/>
           </a:prstGeom>
+          <a:noFill/>
+          <a:extLst>
+            <a:ext uri="{909E8E84-426E-40DD-AFC4-6F175D3DCCD1}">
+              <a14:hiddenFill xmlns:a14="http://schemas.microsoft.com/office/drawing/2010/main">
+                <a:solidFill>
+                  <a:srgbClr val="FFFFFF"/>
+                </a:solidFill>
+              </a14:hiddenFill>
+            </a:ext>
+          </a:extLst>
         </p:spPr>
       </p:pic>
-    </p:spTree>
-    <p:extLst>
-      <p:ext uri="{BB962C8B-B14F-4D97-AF65-F5344CB8AC3E}">
-        <p14:creationId xmlns:p14="http://schemas.microsoft.com/office/powerpoint/2010/main" val="571394343"/>
-      </p:ext>
-    </p:extLst>
-  </p:cSld>
-  <p:clrMapOvr>
-    <a:masterClrMapping/>
-  </p:clrMapOvr>
-  <p:transition spd="slow">
-    <p:wipe/>
-  </p:transition>
-</p:sld>
-</file>
-
-<file path=ppt/slides/slide18.xml><?xml version="1.0" encoding="utf-8"?>
-<p:sld xmlns:a="http://schemas.openxmlformats.org/drawingml/2006/main" xmlns:r="http://schemas.openxmlformats.org/officeDocument/2006/relationships" xmlns:p="http://schemas.openxmlformats.org/presentationml/2006/main">
-  <p:cSld>
-    <p:spTree>
-      <p:nvGrpSpPr>
-        <p:cNvPr id="1" name=""/>
-        <p:cNvGrpSpPr/>
-        <p:nvPr/>
-      </p:nvGrpSpPr>
-      <p:grpSpPr>
-        <a:xfrm>
-          <a:off x="0" y="0"/>
-          <a:ext cx="0" cy="0"/>
-          <a:chOff x="0" y="0"/>
-          <a:chExt cx="0" cy="0"/>
-        </a:xfrm>
-      </p:grpSpPr>
-      <p:sp>
-        <p:nvSpPr>
-          <p:cNvPr id="2" name="文本框 1">
+      <p:sp>
+        <p:nvSpPr>
+          <p:cNvPr id="4" name="文本框 3">
             <a:extLst>
               <a:ext uri="{FF2B5EF4-FFF2-40B4-BE49-F238E27FC236}">
-                <a16:creationId xmlns:a16="http://schemas.microsoft.com/office/drawing/2014/main" id="{D1503EB5-EDC4-46F7-8EDA-DC50C2B8FAD3}"/>
+                <a16:creationId xmlns:a16="http://schemas.microsoft.com/office/drawing/2014/main" id="{7841C9EB-7BC9-4C07-953A-D47098DCB696}"/>
               </a:ext>
             </a:extLst>
           </p:cNvPr>
@@ -6233,8 +6275,8 @@
         </p:nvSpPr>
         <p:spPr>
           <a:xfrm>
-            <a:off x="3280528" y="2648932"/>
-            <a:ext cx="2646878" cy="830997"/>
+            <a:off x="1650576" y="989406"/>
+            <a:ext cx="6519734" cy="646331"/>
           </a:xfrm>
           <a:prstGeom prst="rect">
             <a:avLst/>
@@ -6248,1176 +6290,16 @@
           <a:lstStyle/>
           <a:p>
             <a:r>
-              <a:rPr lang="zh-CN" altLang="en-US" sz="4800" b="1" dirty="0">
-                <a:solidFill>
-                  <a:schemeClr val="bg1"/>
-                </a:solidFill>
-                <a:latin typeface="微软雅黑" pitchFamily="34" charset="-122"/>
-                <a:ea typeface="微软雅黑" pitchFamily="34" charset="-122"/>
+              <a:rPr lang="en-US" altLang="zh-CN" sz="3600" dirty="0">
+                <a:latin typeface="+mn-ea"/>
               </a:rPr>
-              <a:t>谢谢观看</a:t>
-            </a:r>
-            <a:endParaRPr lang="zh-CN" altLang="en-US" sz="4800" dirty="0">
-              <a:solidFill>
-                <a:schemeClr val="bg1"/>
-              </a:solidFill>
-            </a:endParaRPr>
-          </a:p>
-        </p:txBody>
-      </p:sp>
-    </p:spTree>
-    <p:extLst>
-      <p:ext uri="{BB962C8B-B14F-4D97-AF65-F5344CB8AC3E}">
-        <p14:creationId xmlns:p14="http://schemas.microsoft.com/office/powerpoint/2010/main" val="4196784885"/>
-      </p:ext>
-    </p:extLst>
-  </p:cSld>
-  <p:clrMapOvr>
-    <a:masterClrMapping/>
-  </p:clrMapOvr>
-  <p:transition spd="slow">
-    <p:wipe/>
-  </p:transition>
-</p:sld>
-</file>
-
-<file path=ppt/slides/slide2.xml><?xml version="1.0" encoding="utf-8"?>
-<p:sld xmlns:a="http://schemas.openxmlformats.org/drawingml/2006/main" xmlns:r="http://schemas.openxmlformats.org/officeDocument/2006/relationships" xmlns:p="http://schemas.openxmlformats.org/presentationml/2006/main">
-  <p:cSld>
-    <p:spTree>
-      <p:nvGrpSpPr>
-        <p:cNvPr id="1" name=""/>
-        <p:cNvGrpSpPr/>
-        <p:nvPr/>
-      </p:nvGrpSpPr>
-      <p:grpSpPr>
-        <a:xfrm>
-          <a:off x="0" y="0"/>
-          <a:ext cx="0" cy="0"/>
-          <a:chOff x="0" y="0"/>
-          <a:chExt cx="0" cy="0"/>
-        </a:xfrm>
-      </p:grpSpPr>
-      <p:grpSp>
-        <p:nvGrpSpPr>
-          <p:cNvPr id="3076" name="组合 10"/>
-          <p:cNvGrpSpPr>
-            <a:grpSpLocks/>
-          </p:cNvGrpSpPr>
-          <p:nvPr/>
-        </p:nvGrpSpPr>
-        <p:grpSpPr bwMode="auto">
-          <a:xfrm>
-            <a:off x="2250872" y="789750"/>
-            <a:ext cx="508000" cy="765175"/>
-            <a:chOff x="0" y="0"/>
-            <a:chExt cx="1064175" cy="1605838"/>
-          </a:xfrm>
-        </p:grpSpPr>
-        <p:sp>
-          <p:nvSpPr>
-            <p:cNvPr id="3097" name="任意多边形 9"/>
-            <p:cNvSpPr>
-              <a:spLocks/>
-            </p:cNvSpPr>
-            <p:nvPr/>
-          </p:nvSpPr>
-          <p:spPr bwMode="auto">
-            <a:xfrm rot="919542">
-              <a:off x="0" y="0"/>
-              <a:ext cx="1035297" cy="1426610"/>
-            </a:xfrm>
-            <a:custGeom>
-              <a:avLst/>
-              <a:gdLst>
-                <a:gd name="T0" fmla="*/ 574808 w 1035297"/>
-                <a:gd name="T1" fmla="*/ 0 h 1426610"/>
-                <a:gd name="T2" fmla="*/ 1035297 w 1035297"/>
-                <a:gd name="T3" fmla="*/ 1142885 h 1426610"/>
-                <a:gd name="T4" fmla="*/ 0 w 1035297"/>
-                <a:gd name="T5" fmla="*/ 1426610 h 1426610"/>
-                <a:gd name="T6" fmla="*/ 574808 w 1035297"/>
-                <a:gd name="T7" fmla="*/ 0 h 1426610"/>
-                <a:gd name="T8" fmla="*/ 0 60000 65536"/>
-                <a:gd name="T9" fmla="*/ 0 60000 65536"/>
-                <a:gd name="T10" fmla="*/ 0 60000 65536"/>
-                <a:gd name="T11" fmla="*/ 0 60000 65536"/>
-              </a:gdLst>
-              <a:ahLst/>
-              <a:cxnLst>
-                <a:cxn ang="T8">
-                  <a:pos x="T0" y="T1"/>
-                </a:cxn>
-                <a:cxn ang="T9">
-                  <a:pos x="T2" y="T3"/>
-                </a:cxn>
-                <a:cxn ang="T10">
-                  <a:pos x="T4" y="T5"/>
-                </a:cxn>
-                <a:cxn ang="T11">
-                  <a:pos x="T6" y="T7"/>
-                </a:cxn>
-              </a:cxnLst>
-              <a:rect l="0" t="0" r="r" b="b"/>
-              <a:pathLst>
-                <a:path w="1035297" h="1426610">
-                  <a:moveTo>
-                    <a:pt x="574808" y="0"/>
-                  </a:moveTo>
-                  <a:lnTo>
-                    <a:pt x="1035297" y="1142885"/>
-                  </a:lnTo>
-                  <a:lnTo>
-                    <a:pt x="0" y="1426610"/>
-                  </a:lnTo>
-                  <a:lnTo>
-                    <a:pt x="574808" y="0"/>
-                  </a:lnTo>
-                  <a:close/>
-                </a:path>
-              </a:pathLst>
-            </a:custGeom>
-            <a:solidFill>
-              <a:schemeClr val="bg1">
-                <a:alpha val="34117"/>
-              </a:schemeClr>
-            </a:solidFill>
-            <a:ln w="9525">
-              <a:noFill/>
-              <a:round/>
-              <a:headEnd/>
-              <a:tailEnd/>
-            </a:ln>
-          </p:spPr>
-          <p:txBody>
-            <a:bodyPr anchor="ctr"/>
-            <a:lstStyle/>
-            <a:p>
-              <a:endParaRPr lang="zh-CN" altLang="en-US"/>
-            </a:p>
-          </p:txBody>
-        </p:sp>
-        <p:sp>
-          <p:nvSpPr>
-            <p:cNvPr id="3098" name="任意多边形 6"/>
-            <p:cNvSpPr>
-              <a:spLocks/>
-            </p:cNvSpPr>
-            <p:nvPr/>
-          </p:nvSpPr>
-          <p:spPr bwMode="auto">
-            <a:xfrm rot="-1050472">
-              <a:off x="352665" y="557257"/>
-              <a:ext cx="711510" cy="1048581"/>
-            </a:xfrm>
-            <a:custGeom>
-              <a:avLst/>
-              <a:gdLst>
-                <a:gd name="T0" fmla="*/ 75275 w 2970348"/>
-                <a:gd name="T1" fmla="*/ 0 h 4484232"/>
-                <a:gd name="T2" fmla="*/ 170433 w 2970348"/>
-                <a:gd name="T3" fmla="*/ 245197 h 4484232"/>
-                <a:gd name="T4" fmla="*/ 0 w 2970348"/>
-                <a:gd name="T5" fmla="*/ 193963 h 4484232"/>
-                <a:gd name="T6" fmla="*/ 75275 w 2970348"/>
-                <a:gd name="T7" fmla="*/ 0 h 4484232"/>
-                <a:gd name="T8" fmla="*/ 0 60000 65536"/>
-                <a:gd name="T9" fmla="*/ 0 60000 65536"/>
-                <a:gd name="T10" fmla="*/ 0 60000 65536"/>
-                <a:gd name="T11" fmla="*/ 0 60000 65536"/>
-              </a:gdLst>
-              <a:ahLst/>
-              <a:cxnLst>
-                <a:cxn ang="T8">
-                  <a:pos x="T0" y="T1"/>
-                </a:cxn>
-                <a:cxn ang="T9">
-                  <a:pos x="T2" y="T3"/>
-                </a:cxn>
-                <a:cxn ang="T10">
-                  <a:pos x="T4" y="T5"/>
-                </a:cxn>
-                <a:cxn ang="T11">
-                  <a:pos x="T6" y="T7"/>
-                </a:cxn>
-              </a:cxnLst>
-              <a:rect l="0" t="0" r="r" b="b"/>
-              <a:pathLst>
-                <a:path w="2970348" h="4484232">
-                  <a:moveTo>
-                    <a:pt x="1311906" y="0"/>
-                  </a:moveTo>
-                  <a:lnTo>
-                    <a:pt x="2970348" y="4484232"/>
-                  </a:lnTo>
-                  <a:lnTo>
-                    <a:pt x="0" y="3547237"/>
-                  </a:lnTo>
-                  <a:lnTo>
-                    <a:pt x="1311906" y="0"/>
-                  </a:lnTo>
-                  <a:close/>
-                </a:path>
-              </a:pathLst>
-            </a:custGeom>
-            <a:noFill/>
-            <a:ln w="12700" cap="flat" cmpd="sng">
-              <a:solidFill>
-                <a:schemeClr val="bg1"/>
-              </a:solidFill>
-              <a:round/>
-              <a:headEnd/>
-              <a:tailEnd/>
-            </a:ln>
-          </p:spPr>
-          <p:txBody>
-            <a:bodyPr anchor="ctr"/>
-            <a:lstStyle/>
-            <a:p>
-              <a:endParaRPr lang="zh-CN" altLang="en-US"/>
-            </a:p>
-          </p:txBody>
-        </p:sp>
-      </p:grpSp>
-      <p:sp>
-        <p:nvSpPr>
-          <p:cNvPr id="3080" name="文本框 21"/>
-          <p:cNvSpPr txBox="1">
-            <a:spLocks noChangeArrowheads="1"/>
-          </p:cNvSpPr>
-          <p:nvPr/>
-        </p:nvSpPr>
-        <p:spPr bwMode="auto">
-          <a:xfrm>
-            <a:off x="3138291" y="886580"/>
-            <a:ext cx="852487" cy="707886"/>
-          </a:xfrm>
-          <a:prstGeom prst="rect">
-            <a:avLst/>
-          </a:prstGeom>
-          <a:noFill/>
-          <a:ln w="9525">
-            <a:noFill/>
-            <a:miter lim="800000"/>
-            <a:headEnd/>
-            <a:tailEnd/>
-          </a:ln>
-        </p:spPr>
-        <p:txBody>
-          <a:bodyPr>
-            <a:spAutoFit/>
-          </a:bodyPr>
-          <a:lstStyle/>
-          <a:p>
-            <a:pPr eaLnBrk="1" hangingPunct="1">
-              <a:buFont typeface="Arial" pitchFamily="34" charset="0"/>
-              <a:buNone/>
-            </a:pPr>
-            <a:r>
-              <a:rPr lang="zh-CN" altLang="en-US" sz="4000" b="1" dirty="0">
-                <a:solidFill>
-                  <a:schemeClr val="bg1"/>
-                </a:solidFill>
-                <a:latin typeface="微软雅黑" pitchFamily="34" charset="-122"/>
-                <a:ea typeface="微软雅黑" pitchFamily="34" charset="-122"/>
+              <a:t>2009-2018</a:t>
+            </a:r>
+            <a:r>
+              <a:rPr lang="zh-CN" altLang="en-US" sz="3600" dirty="0">
+                <a:latin typeface="+mn-ea"/>
               </a:rPr>
-              <a:t>一</a:t>
-            </a:r>
-          </a:p>
-        </p:txBody>
-      </p:sp>
-      <p:sp>
-        <p:nvSpPr>
-          <p:cNvPr id="3081" name="文本框 22"/>
-          <p:cNvSpPr txBox="1">
-            <a:spLocks noChangeArrowheads="1"/>
-          </p:cNvSpPr>
-          <p:nvPr/>
-        </p:nvSpPr>
-        <p:spPr bwMode="auto">
-          <a:xfrm>
-            <a:off x="4059041" y="948499"/>
-            <a:ext cx="4048125" cy="584775"/>
-          </a:xfrm>
-          <a:prstGeom prst="rect">
-            <a:avLst/>
-          </a:prstGeom>
-          <a:noFill/>
-          <a:ln w="9525">
-            <a:noFill/>
-            <a:miter lim="800000"/>
-            <a:headEnd/>
-            <a:tailEnd/>
-          </a:ln>
-        </p:spPr>
-        <p:txBody>
-          <a:bodyPr>
-            <a:spAutoFit/>
-          </a:bodyPr>
-          <a:lstStyle/>
-          <a:p>
-            <a:pPr eaLnBrk="1" hangingPunct="1">
-              <a:buFont typeface="Arial" pitchFamily="34" charset="0"/>
-              <a:buNone/>
-            </a:pPr>
-            <a:r>
-              <a:rPr lang="zh-CN" altLang="en-US" sz="3200" b="1" dirty="0">
-                <a:solidFill>
-                  <a:schemeClr val="bg1"/>
-                </a:solidFill>
-                <a:latin typeface="微软雅黑" pitchFamily="34" charset="-122"/>
-                <a:ea typeface="微软雅黑" pitchFamily="34" charset="-122"/>
-              </a:rPr>
-              <a:t>开发背景</a:t>
-            </a:r>
-          </a:p>
-        </p:txBody>
-      </p:sp>
-      <p:grpSp>
-        <p:nvGrpSpPr>
-          <p:cNvPr id="3082" name="组合 23"/>
-          <p:cNvGrpSpPr>
-            <a:grpSpLocks/>
-          </p:cNvGrpSpPr>
-          <p:nvPr/>
-        </p:nvGrpSpPr>
-        <p:grpSpPr bwMode="auto">
-          <a:xfrm>
-            <a:off x="2250872" y="2791980"/>
-            <a:ext cx="508000" cy="765175"/>
-            <a:chOff x="0" y="0"/>
-            <a:chExt cx="1064175" cy="1605838"/>
-          </a:xfrm>
-        </p:grpSpPr>
-        <p:sp>
-          <p:nvSpPr>
-            <p:cNvPr id="3095" name="任意多边形 24"/>
-            <p:cNvSpPr>
-              <a:spLocks/>
-            </p:cNvSpPr>
-            <p:nvPr/>
-          </p:nvSpPr>
-          <p:spPr bwMode="auto">
-            <a:xfrm rot="919542">
-              <a:off x="0" y="0"/>
-              <a:ext cx="1035297" cy="1426610"/>
-            </a:xfrm>
-            <a:custGeom>
-              <a:avLst/>
-              <a:gdLst>
-                <a:gd name="T0" fmla="*/ 574808 w 1035297"/>
-                <a:gd name="T1" fmla="*/ 0 h 1426610"/>
-                <a:gd name="T2" fmla="*/ 1035297 w 1035297"/>
-                <a:gd name="T3" fmla="*/ 1142885 h 1426610"/>
-                <a:gd name="T4" fmla="*/ 0 w 1035297"/>
-                <a:gd name="T5" fmla="*/ 1426610 h 1426610"/>
-                <a:gd name="T6" fmla="*/ 574808 w 1035297"/>
-                <a:gd name="T7" fmla="*/ 0 h 1426610"/>
-                <a:gd name="T8" fmla="*/ 0 60000 65536"/>
-                <a:gd name="T9" fmla="*/ 0 60000 65536"/>
-                <a:gd name="T10" fmla="*/ 0 60000 65536"/>
-                <a:gd name="T11" fmla="*/ 0 60000 65536"/>
-              </a:gdLst>
-              <a:ahLst/>
-              <a:cxnLst>
-                <a:cxn ang="T8">
-                  <a:pos x="T0" y="T1"/>
-                </a:cxn>
-                <a:cxn ang="T9">
-                  <a:pos x="T2" y="T3"/>
-                </a:cxn>
-                <a:cxn ang="T10">
-                  <a:pos x="T4" y="T5"/>
-                </a:cxn>
-                <a:cxn ang="T11">
-                  <a:pos x="T6" y="T7"/>
-                </a:cxn>
-              </a:cxnLst>
-              <a:rect l="0" t="0" r="r" b="b"/>
-              <a:pathLst>
-                <a:path w="1035297" h="1426610">
-                  <a:moveTo>
-                    <a:pt x="574808" y="0"/>
-                  </a:moveTo>
-                  <a:lnTo>
-                    <a:pt x="1035297" y="1142885"/>
-                  </a:lnTo>
-                  <a:lnTo>
-                    <a:pt x="0" y="1426610"/>
-                  </a:lnTo>
-                  <a:lnTo>
-                    <a:pt x="574808" y="0"/>
-                  </a:lnTo>
-                  <a:close/>
-                </a:path>
-              </a:pathLst>
-            </a:custGeom>
-            <a:solidFill>
-              <a:schemeClr val="bg1">
-                <a:alpha val="34117"/>
-              </a:schemeClr>
-            </a:solidFill>
-            <a:ln w="9525">
-              <a:noFill/>
-              <a:round/>
-              <a:headEnd/>
-              <a:tailEnd/>
-            </a:ln>
-          </p:spPr>
-          <p:txBody>
-            <a:bodyPr anchor="ctr"/>
-            <a:lstStyle/>
-            <a:p>
-              <a:endParaRPr lang="zh-CN" altLang="en-US"/>
-            </a:p>
-          </p:txBody>
-        </p:sp>
-        <p:sp>
-          <p:nvSpPr>
-            <p:cNvPr id="3096" name="任意多边形 25"/>
-            <p:cNvSpPr>
-              <a:spLocks/>
-            </p:cNvSpPr>
-            <p:nvPr/>
-          </p:nvSpPr>
-          <p:spPr bwMode="auto">
-            <a:xfrm rot="-1050472">
-              <a:off x="352665" y="557257"/>
-              <a:ext cx="711510" cy="1048581"/>
-            </a:xfrm>
-            <a:custGeom>
-              <a:avLst/>
-              <a:gdLst>
-                <a:gd name="T0" fmla="*/ 75275 w 2970348"/>
-                <a:gd name="T1" fmla="*/ 0 h 4484232"/>
-                <a:gd name="T2" fmla="*/ 170433 w 2970348"/>
-                <a:gd name="T3" fmla="*/ 245197 h 4484232"/>
-                <a:gd name="T4" fmla="*/ 0 w 2970348"/>
-                <a:gd name="T5" fmla="*/ 193963 h 4484232"/>
-                <a:gd name="T6" fmla="*/ 75275 w 2970348"/>
-                <a:gd name="T7" fmla="*/ 0 h 4484232"/>
-                <a:gd name="T8" fmla="*/ 0 60000 65536"/>
-                <a:gd name="T9" fmla="*/ 0 60000 65536"/>
-                <a:gd name="T10" fmla="*/ 0 60000 65536"/>
-                <a:gd name="T11" fmla="*/ 0 60000 65536"/>
-              </a:gdLst>
-              <a:ahLst/>
-              <a:cxnLst>
-                <a:cxn ang="T8">
-                  <a:pos x="T0" y="T1"/>
-                </a:cxn>
-                <a:cxn ang="T9">
-                  <a:pos x="T2" y="T3"/>
-                </a:cxn>
-                <a:cxn ang="T10">
-                  <a:pos x="T4" y="T5"/>
-                </a:cxn>
-                <a:cxn ang="T11">
-                  <a:pos x="T6" y="T7"/>
-                </a:cxn>
-              </a:cxnLst>
-              <a:rect l="0" t="0" r="r" b="b"/>
-              <a:pathLst>
-                <a:path w="2970348" h="4484232">
-                  <a:moveTo>
-                    <a:pt x="1311906" y="0"/>
-                  </a:moveTo>
-                  <a:lnTo>
-                    <a:pt x="2970348" y="4484232"/>
-                  </a:lnTo>
-                  <a:lnTo>
-                    <a:pt x="0" y="3547237"/>
-                  </a:lnTo>
-                  <a:lnTo>
-                    <a:pt x="1311906" y="0"/>
-                  </a:lnTo>
-                  <a:close/>
-                </a:path>
-              </a:pathLst>
-            </a:custGeom>
-            <a:noFill/>
-            <a:ln w="12700" cap="flat" cmpd="sng">
-              <a:solidFill>
-                <a:schemeClr val="bg1"/>
-              </a:solidFill>
-              <a:round/>
-              <a:headEnd/>
-              <a:tailEnd/>
-            </a:ln>
-          </p:spPr>
-          <p:txBody>
-            <a:bodyPr anchor="ctr"/>
-            <a:lstStyle/>
-            <a:p>
-              <a:endParaRPr lang="zh-CN" altLang="en-US"/>
-            </a:p>
-          </p:txBody>
-        </p:sp>
-      </p:grpSp>
-      <p:sp>
-        <p:nvSpPr>
-          <p:cNvPr id="3083" name="文本框 26"/>
-          <p:cNvSpPr txBox="1">
-            <a:spLocks noChangeArrowheads="1"/>
-          </p:cNvSpPr>
-          <p:nvPr/>
-        </p:nvSpPr>
-        <p:spPr bwMode="auto">
-          <a:xfrm>
-            <a:off x="3138291" y="2888812"/>
-            <a:ext cx="852487" cy="707886"/>
-          </a:xfrm>
-          <a:prstGeom prst="rect">
-            <a:avLst/>
-          </a:prstGeom>
-          <a:noFill/>
-          <a:ln w="9525">
-            <a:noFill/>
-            <a:miter lim="800000"/>
-            <a:headEnd/>
-            <a:tailEnd/>
-          </a:ln>
-        </p:spPr>
-        <p:txBody>
-          <a:bodyPr>
-            <a:spAutoFit/>
-          </a:bodyPr>
-          <a:lstStyle/>
-          <a:p>
-            <a:pPr eaLnBrk="1" hangingPunct="1">
-              <a:buFont typeface="Arial" pitchFamily="34" charset="0"/>
-              <a:buNone/>
-            </a:pPr>
-            <a:r>
-              <a:rPr lang="zh-CN" altLang="en-US" sz="4000" b="1" dirty="0">
-                <a:solidFill>
-                  <a:schemeClr val="bg1"/>
-                </a:solidFill>
-                <a:latin typeface="微软雅黑" pitchFamily="34" charset="-122"/>
-                <a:ea typeface="微软雅黑" pitchFamily="34" charset="-122"/>
-              </a:rPr>
-              <a:t>三</a:t>
-            </a:r>
-          </a:p>
-        </p:txBody>
-      </p:sp>
-      <p:sp>
-        <p:nvSpPr>
-          <p:cNvPr id="3084" name="文本框 27"/>
-          <p:cNvSpPr txBox="1">
-            <a:spLocks noChangeArrowheads="1"/>
-          </p:cNvSpPr>
-          <p:nvPr/>
-        </p:nvSpPr>
-        <p:spPr bwMode="auto">
-          <a:xfrm>
-            <a:off x="4059041" y="1932637"/>
-            <a:ext cx="4048125" cy="584775"/>
-          </a:xfrm>
-          <a:prstGeom prst="rect">
-            <a:avLst/>
-          </a:prstGeom>
-          <a:noFill/>
-          <a:ln w="9525">
-            <a:noFill/>
-            <a:miter lim="800000"/>
-            <a:headEnd/>
-            <a:tailEnd/>
-          </a:ln>
-        </p:spPr>
-        <p:txBody>
-          <a:bodyPr>
-            <a:spAutoFit/>
-          </a:bodyPr>
-          <a:lstStyle/>
-          <a:p>
-            <a:pPr eaLnBrk="1" hangingPunct="1">
-              <a:buFont typeface="Arial" pitchFamily="34" charset="0"/>
-              <a:buNone/>
-            </a:pPr>
-            <a:r>
-              <a:rPr lang="zh-CN" altLang="en-US" sz="3200" b="1" dirty="0">
-                <a:solidFill>
-                  <a:schemeClr val="bg1"/>
-                </a:solidFill>
-                <a:latin typeface="微软雅黑" pitchFamily="34" charset="-122"/>
-                <a:ea typeface="微软雅黑" pitchFamily="34" charset="-122"/>
-              </a:rPr>
-              <a:t>总体设计</a:t>
-            </a:r>
-          </a:p>
-        </p:txBody>
-      </p:sp>
-      <p:grpSp>
-        <p:nvGrpSpPr>
-          <p:cNvPr id="3085" name="组合 28"/>
-          <p:cNvGrpSpPr>
-            <a:grpSpLocks/>
-          </p:cNvGrpSpPr>
-          <p:nvPr/>
-        </p:nvGrpSpPr>
-        <p:grpSpPr bwMode="auto">
-          <a:xfrm>
-            <a:off x="2250872" y="3946093"/>
-            <a:ext cx="508000" cy="763587"/>
-            <a:chOff x="0" y="0"/>
-            <a:chExt cx="1064175" cy="1605838"/>
-          </a:xfrm>
-        </p:grpSpPr>
-        <p:sp>
-          <p:nvSpPr>
-            <p:cNvPr id="3093" name="任意多边形 29"/>
-            <p:cNvSpPr>
-              <a:spLocks/>
-            </p:cNvSpPr>
-            <p:nvPr/>
-          </p:nvSpPr>
-          <p:spPr bwMode="auto">
-            <a:xfrm rot="919542">
-              <a:off x="0" y="0"/>
-              <a:ext cx="1035297" cy="1426610"/>
-            </a:xfrm>
-            <a:custGeom>
-              <a:avLst/>
-              <a:gdLst>
-                <a:gd name="T0" fmla="*/ 574808 w 1035297"/>
-                <a:gd name="T1" fmla="*/ 0 h 1426610"/>
-                <a:gd name="T2" fmla="*/ 1035297 w 1035297"/>
-                <a:gd name="T3" fmla="*/ 1142885 h 1426610"/>
-                <a:gd name="T4" fmla="*/ 0 w 1035297"/>
-                <a:gd name="T5" fmla="*/ 1426610 h 1426610"/>
-                <a:gd name="T6" fmla="*/ 574808 w 1035297"/>
-                <a:gd name="T7" fmla="*/ 0 h 1426610"/>
-                <a:gd name="T8" fmla="*/ 0 60000 65536"/>
-                <a:gd name="T9" fmla="*/ 0 60000 65536"/>
-                <a:gd name="T10" fmla="*/ 0 60000 65536"/>
-                <a:gd name="T11" fmla="*/ 0 60000 65536"/>
-              </a:gdLst>
-              <a:ahLst/>
-              <a:cxnLst>
-                <a:cxn ang="T8">
-                  <a:pos x="T0" y="T1"/>
-                </a:cxn>
-                <a:cxn ang="T9">
-                  <a:pos x="T2" y="T3"/>
-                </a:cxn>
-                <a:cxn ang="T10">
-                  <a:pos x="T4" y="T5"/>
-                </a:cxn>
-                <a:cxn ang="T11">
-                  <a:pos x="T6" y="T7"/>
-                </a:cxn>
-              </a:cxnLst>
-              <a:rect l="0" t="0" r="r" b="b"/>
-              <a:pathLst>
-                <a:path w="1035297" h="1426610">
-                  <a:moveTo>
-                    <a:pt x="574808" y="0"/>
-                  </a:moveTo>
-                  <a:lnTo>
-                    <a:pt x="1035297" y="1142885"/>
-                  </a:lnTo>
-                  <a:lnTo>
-                    <a:pt x="0" y="1426610"/>
-                  </a:lnTo>
-                  <a:lnTo>
-                    <a:pt x="574808" y="0"/>
-                  </a:lnTo>
-                  <a:close/>
-                </a:path>
-              </a:pathLst>
-            </a:custGeom>
-            <a:solidFill>
-              <a:schemeClr val="bg1">
-                <a:alpha val="34117"/>
-              </a:schemeClr>
-            </a:solidFill>
-            <a:ln w="9525">
-              <a:noFill/>
-              <a:round/>
-              <a:headEnd/>
-              <a:tailEnd/>
-            </a:ln>
-          </p:spPr>
-          <p:txBody>
-            <a:bodyPr anchor="ctr"/>
-            <a:lstStyle/>
-            <a:p>
-              <a:endParaRPr lang="zh-CN" altLang="en-US"/>
-            </a:p>
-          </p:txBody>
-        </p:sp>
-        <p:sp>
-          <p:nvSpPr>
-            <p:cNvPr id="3094" name="任意多边形 30"/>
-            <p:cNvSpPr>
-              <a:spLocks/>
-            </p:cNvSpPr>
-            <p:nvPr/>
-          </p:nvSpPr>
-          <p:spPr bwMode="auto">
-            <a:xfrm rot="-1050472">
-              <a:off x="352665" y="557257"/>
-              <a:ext cx="711510" cy="1048581"/>
-            </a:xfrm>
-            <a:custGeom>
-              <a:avLst/>
-              <a:gdLst>
-                <a:gd name="T0" fmla="*/ 75275 w 2970348"/>
-                <a:gd name="T1" fmla="*/ 0 h 4484232"/>
-                <a:gd name="T2" fmla="*/ 170433 w 2970348"/>
-                <a:gd name="T3" fmla="*/ 245197 h 4484232"/>
-                <a:gd name="T4" fmla="*/ 0 w 2970348"/>
-                <a:gd name="T5" fmla="*/ 193963 h 4484232"/>
-                <a:gd name="T6" fmla="*/ 75275 w 2970348"/>
-                <a:gd name="T7" fmla="*/ 0 h 4484232"/>
-                <a:gd name="T8" fmla="*/ 0 60000 65536"/>
-                <a:gd name="T9" fmla="*/ 0 60000 65536"/>
-                <a:gd name="T10" fmla="*/ 0 60000 65536"/>
-                <a:gd name="T11" fmla="*/ 0 60000 65536"/>
-              </a:gdLst>
-              <a:ahLst/>
-              <a:cxnLst>
-                <a:cxn ang="T8">
-                  <a:pos x="T0" y="T1"/>
-                </a:cxn>
-                <a:cxn ang="T9">
-                  <a:pos x="T2" y="T3"/>
-                </a:cxn>
-                <a:cxn ang="T10">
-                  <a:pos x="T4" y="T5"/>
-                </a:cxn>
-                <a:cxn ang="T11">
-                  <a:pos x="T6" y="T7"/>
-                </a:cxn>
-              </a:cxnLst>
-              <a:rect l="0" t="0" r="r" b="b"/>
-              <a:pathLst>
-                <a:path w="2970348" h="4484232">
-                  <a:moveTo>
-                    <a:pt x="1311906" y="0"/>
-                  </a:moveTo>
-                  <a:lnTo>
-                    <a:pt x="2970348" y="4484232"/>
-                  </a:lnTo>
-                  <a:lnTo>
-                    <a:pt x="0" y="3547237"/>
-                  </a:lnTo>
-                  <a:lnTo>
-                    <a:pt x="1311906" y="0"/>
-                  </a:lnTo>
-                  <a:close/>
-                </a:path>
-              </a:pathLst>
-            </a:custGeom>
-            <a:noFill/>
-            <a:ln w="12700" cap="flat" cmpd="sng">
-              <a:solidFill>
-                <a:schemeClr val="bg1"/>
-              </a:solidFill>
-              <a:round/>
-              <a:headEnd/>
-              <a:tailEnd/>
-            </a:ln>
-          </p:spPr>
-          <p:txBody>
-            <a:bodyPr anchor="ctr"/>
-            <a:lstStyle/>
-            <a:p>
-              <a:endParaRPr lang="zh-CN" altLang="en-US"/>
-            </a:p>
-          </p:txBody>
-        </p:sp>
-      </p:grpSp>
-      <p:sp>
-        <p:nvSpPr>
-          <p:cNvPr id="3086" name="文本框 31"/>
-          <p:cNvSpPr txBox="1">
-            <a:spLocks noChangeArrowheads="1"/>
-          </p:cNvSpPr>
-          <p:nvPr/>
-        </p:nvSpPr>
-        <p:spPr bwMode="auto">
-          <a:xfrm>
-            <a:off x="3138291" y="4041337"/>
-            <a:ext cx="852487" cy="707886"/>
-          </a:xfrm>
-          <a:prstGeom prst="rect">
-            <a:avLst/>
-          </a:prstGeom>
-          <a:noFill/>
-          <a:ln w="9525">
-            <a:noFill/>
-            <a:miter lim="800000"/>
-            <a:headEnd/>
-            <a:tailEnd/>
-          </a:ln>
-        </p:spPr>
-        <p:txBody>
-          <a:bodyPr>
-            <a:spAutoFit/>
-          </a:bodyPr>
-          <a:lstStyle/>
-          <a:p>
-            <a:pPr eaLnBrk="1" hangingPunct="1">
-              <a:buFont typeface="Arial" pitchFamily="34" charset="0"/>
-              <a:buNone/>
-            </a:pPr>
-            <a:r>
-              <a:rPr lang="zh-CN" altLang="en-US" sz="4000" b="1" dirty="0">
-                <a:solidFill>
-                  <a:schemeClr val="bg1"/>
-                </a:solidFill>
-                <a:latin typeface="微软雅黑" pitchFamily="34" charset="-122"/>
-                <a:ea typeface="微软雅黑" pitchFamily="34" charset="-122"/>
-              </a:rPr>
-              <a:t>四</a:t>
-            </a:r>
-          </a:p>
-        </p:txBody>
-      </p:sp>
-      <p:sp>
-        <p:nvSpPr>
-          <p:cNvPr id="3087" name="文本框 32"/>
-          <p:cNvSpPr txBox="1">
-            <a:spLocks noChangeArrowheads="1"/>
-          </p:cNvSpPr>
-          <p:nvPr/>
-        </p:nvSpPr>
-        <p:spPr bwMode="auto">
-          <a:xfrm>
-            <a:off x="3990778" y="3000593"/>
-            <a:ext cx="4048125" cy="584775"/>
-          </a:xfrm>
-          <a:prstGeom prst="rect">
-            <a:avLst/>
-          </a:prstGeom>
-          <a:noFill/>
-          <a:ln w="9525">
-            <a:noFill/>
-            <a:miter lim="800000"/>
-            <a:headEnd/>
-            <a:tailEnd/>
-          </a:ln>
-        </p:spPr>
-        <p:txBody>
-          <a:bodyPr>
-            <a:spAutoFit/>
-          </a:bodyPr>
-          <a:lstStyle/>
-          <a:p>
-            <a:pPr eaLnBrk="1" hangingPunct="1">
-              <a:buFont typeface="Arial" pitchFamily="34" charset="0"/>
-              <a:buNone/>
-            </a:pPr>
-            <a:r>
-              <a:rPr lang="zh-CN" altLang="en-US" sz="3200" b="1" dirty="0">
-                <a:solidFill>
-                  <a:schemeClr val="bg1"/>
-                </a:solidFill>
-                <a:latin typeface="微软雅黑" pitchFamily="34" charset="-122"/>
-                <a:ea typeface="微软雅黑" pitchFamily="34" charset="-122"/>
-              </a:rPr>
-              <a:t>模块设计</a:t>
-            </a:r>
-          </a:p>
-        </p:txBody>
-      </p:sp>
-      <p:sp>
-        <p:nvSpPr>
-          <p:cNvPr id="3090" name="文本框 37"/>
-          <p:cNvSpPr txBox="1">
-            <a:spLocks noChangeArrowheads="1"/>
-          </p:cNvSpPr>
-          <p:nvPr/>
-        </p:nvSpPr>
-        <p:spPr bwMode="auto">
-          <a:xfrm>
-            <a:off x="3990778" y="4102892"/>
-            <a:ext cx="4048125" cy="584775"/>
-          </a:xfrm>
-          <a:prstGeom prst="rect">
-            <a:avLst/>
-          </a:prstGeom>
-          <a:noFill/>
-          <a:ln w="9525">
-            <a:noFill/>
-            <a:miter lim="800000"/>
-            <a:headEnd/>
-            <a:tailEnd/>
-          </a:ln>
-        </p:spPr>
-        <p:txBody>
-          <a:bodyPr>
-            <a:spAutoFit/>
-          </a:bodyPr>
-          <a:lstStyle/>
-          <a:p>
-            <a:pPr eaLnBrk="1" hangingPunct="1">
-              <a:buFont typeface="Arial" pitchFamily="34" charset="0"/>
-              <a:buNone/>
-            </a:pPr>
-            <a:r>
-              <a:rPr lang="zh-CN" altLang="en-US" sz="3200" b="1" dirty="0">
-                <a:solidFill>
-                  <a:schemeClr val="bg1"/>
-                </a:solidFill>
-                <a:latin typeface="微软雅黑" pitchFamily="34" charset="-122"/>
-                <a:ea typeface="微软雅黑" pitchFamily="34" charset="-122"/>
-              </a:rPr>
-              <a:t>运行结果</a:t>
-            </a:r>
-          </a:p>
-        </p:txBody>
-      </p:sp>
-      <p:grpSp>
-        <p:nvGrpSpPr>
-          <p:cNvPr id="27" name="组合 23">
-            <a:extLst>
-              <a:ext uri="{FF2B5EF4-FFF2-40B4-BE49-F238E27FC236}">
-                <a16:creationId xmlns:a16="http://schemas.microsoft.com/office/drawing/2014/main" id="{A29760C8-A203-4A46-87A2-A4DBBFE0C990}"/>
-              </a:ext>
-            </a:extLst>
-          </p:cNvPr>
-          <p:cNvGrpSpPr>
-            <a:grpSpLocks/>
-          </p:cNvGrpSpPr>
-          <p:nvPr/>
-        </p:nvGrpSpPr>
-        <p:grpSpPr bwMode="auto">
-          <a:xfrm>
-            <a:off x="2252443" y="1794311"/>
-            <a:ext cx="508000" cy="765175"/>
-            <a:chOff x="0" y="0"/>
-            <a:chExt cx="1064175" cy="1605838"/>
-          </a:xfrm>
-        </p:grpSpPr>
-        <p:sp>
-          <p:nvSpPr>
-            <p:cNvPr id="28" name="任意多边形 24">
-              <a:extLst>
-                <a:ext uri="{FF2B5EF4-FFF2-40B4-BE49-F238E27FC236}">
-                  <a16:creationId xmlns:a16="http://schemas.microsoft.com/office/drawing/2014/main" id="{ECE30178-204A-44B6-976E-881A15F6A410}"/>
-                </a:ext>
-              </a:extLst>
-            </p:cNvPr>
-            <p:cNvSpPr>
-              <a:spLocks/>
-            </p:cNvSpPr>
-            <p:nvPr/>
-          </p:nvSpPr>
-          <p:spPr bwMode="auto">
-            <a:xfrm rot="919542">
-              <a:off x="0" y="0"/>
-              <a:ext cx="1035297" cy="1426610"/>
-            </a:xfrm>
-            <a:custGeom>
-              <a:avLst/>
-              <a:gdLst>
-                <a:gd name="T0" fmla="*/ 574808 w 1035297"/>
-                <a:gd name="T1" fmla="*/ 0 h 1426610"/>
-                <a:gd name="T2" fmla="*/ 1035297 w 1035297"/>
-                <a:gd name="T3" fmla="*/ 1142885 h 1426610"/>
-                <a:gd name="T4" fmla="*/ 0 w 1035297"/>
-                <a:gd name="T5" fmla="*/ 1426610 h 1426610"/>
-                <a:gd name="T6" fmla="*/ 574808 w 1035297"/>
-                <a:gd name="T7" fmla="*/ 0 h 1426610"/>
-                <a:gd name="T8" fmla="*/ 0 60000 65536"/>
-                <a:gd name="T9" fmla="*/ 0 60000 65536"/>
-                <a:gd name="T10" fmla="*/ 0 60000 65536"/>
-                <a:gd name="T11" fmla="*/ 0 60000 65536"/>
-              </a:gdLst>
-              <a:ahLst/>
-              <a:cxnLst>
-                <a:cxn ang="T8">
-                  <a:pos x="T0" y="T1"/>
-                </a:cxn>
-                <a:cxn ang="T9">
-                  <a:pos x="T2" y="T3"/>
-                </a:cxn>
-                <a:cxn ang="T10">
-                  <a:pos x="T4" y="T5"/>
-                </a:cxn>
-                <a:cxn ang="T11">
-                  <a:pos x="T6" y="T7"/>
-                </a:cxn>
-              </a:cxnLst>
-              <a:rect l="0" t="0" r="r" b="b"/>
-              <a:pathLst>
-                <a:path w="1035297" h="1426610">
-                  <a:moveTo>
-                    <a:pt x="574808" y="0"/>
-                  </a:moveTo>
-                  <a:lnTo>
-                    <a:pt x="1035297" y="1142885"/>
-                  </a:lnTo>
-                  <a:lnTo>
-                    <a:pt x="0" y="1426610"/>
-                  </a:lnTo>
-                  <a:lnTo>
-                    <a:pt x="574808" y="0"/>
-                  </a:lnTo>
-                  <a:close/>
-                </a:path>
-              </a:pathLst>
-            </a:custGeom>
-            <a:solidFill>
-              <a:schemeClr val="bg1">
-                <a:alpha val="34117"/>
-              </a:schemeClr>
-            </a:solidFill>
-            <a:ln w="9525">
-              <a:noFill/>
-              <a:round/>
-              <a:headEnd/>
-              <a:tailEnd/>
-            </a:ln>
-          </p:spPr>
-          <p:txBody>
-            <a:bodyPr anchor="ctr"/>
-            <a:lstStyle/>
-            <a:p>
-              <a:endParaRPr lang="zh-CN" altLang="en-US"/>
-            </a:p>
-          </p:txBody>
-        </p:sp>
-        <p:sp>
-          <p:nvSpPr>
-            <p:cNvPr id="29" name="任意多边形 25">
-              <a:extLst>
-                <a:ext uri="{FF2B5EF4-FFF2-40B4-BE49-F238E27FC236}">
-                  <a16:creationId xmlns:a16="http://schemas.microsoft.com/office/drawing/2014/main" id="{27FA6EEC-346C-44BB-9CE2-F1963F419B7A}"/>
-                </a:ext>
-              </a:extLst>
-            </p:cNvPr>
-            <p:cNvSpPr>
-              <a:spLocks/>
-            </p:cNvSpPr>
-            <p:nvPr/>
-          </p:nvSpPr>
-          <p:spPr bwMode="auto">
-            <a:xfrm rot="-1050472">
-              <a:off x="352665" y="557257"/>
-              <a:ext cx="711510" cy="1048581"/>
-            </a:xfrm>
-            <a:custGeom>
-              <a:avLst/>
-              <a:gdLst>
-                <a:gd name="T0" fmla="*/ 75275 w 2970348"/>
-                <a:gd name="T1" fmla="*/ 0 h 4484232"/>
-                <a:gd name="T2" fmla="*/ 170433 w 2970348"/>
-                <a:gd name="T3" fmla="*/ 245197 h 4484232"/>
-                <a:gd name="T4" fmla="*/ 0 w 2970348"/>
-                <a:gd name="T5" fmla="*/ 193963 h 4484232"/>
-                <a:gd name="T6" fmla="*/ 75275 w 2970348"/>
-                <a:gd name="T7" fmla="*/ 0 h 4484232"/>
-                <a:gd name="T8" fmla="*/ 0 60000 65536"/>
-                <a:gd name="T9" fmla="*/ 0 60000 65536"/>
-                <a:gd name="T10" fmla="*/ 0 60000 65536"/>
-                <a:gd name="T11" fmla="*/ 0 60000 65536"/>
-              </a:gdLst>
-              <a:ahLst/>
-              <a:cxnLst>
-                <a:cxn ang="T8">
-                  <a:pos x="T0" y="T1"/>
-                </a:cxn>
-                <a:cxn ang="T9">
-                  <a:pos x="T2" y="T3"/>
-                </a:cxn>
-                <a:cxn ang="T10">
-                  <a:pos x="T4" y="T5"/>
-                </a:cxn>
-                <a:cxn ang="T11">
-                  <a:pos x="T6" y="T7"/>
-                </a:cxn>
-              </a:cxnLst>
-              <a:rect l="0" t="0" r="r" b="b"/>
-              <a:pathLst>
-                <a:path w="2970348" h="4484232">
-                  <a:moveTo>
-                    <a:pt x="1311906" y="0"/>
-                  </a:moveTo>
-                  <a:lnTo>
-                    <a:pt x="2970348" y="4484232"/>
-                  </a:lnTo>
-                  <a:lnTo>
-                    <a:pt x="0" y="3547237"/>
-                  </a:lnTo>
-                  <a:lnTo>
-                    <a:pt x="1311906" y="0"/>
-                  </a:lnTo>
-                  <a:close/>
-                </a:path>
-              </a:pathLst>
-            </a:custGeom>
-            <a:noFill/>
-            <a:ln w="12700" cap="flat" cmpd="sng">
-              <a:solidFill>
-                <a:schemeClr val="bg1"/>
-              </a:solidFill>
-              <a:round/>
-              <a:headEnd/>
-              <a:tailEnd/>
-            </a:ln>
-          </p:spPr>
-          <p:txBody>
-            <a:bodyPr anchor="ctr"/>
-            <a:lstStyle/>
-            <a:p>
-              <a:endParaRPr lang="zh-CN" altLang="en-US"/>
-            </a:p>
-          </p:txBody>
-        </p:sp>
-      </p:grpSp>
-      <p:sp>
-        <p:nvSpPr>
-          <p:cNvPr id="30" name="文本框 26">
-            <a:extLst>
-              <a:ext uri="{FF2B5EF4-FFF2-40B4-BE49-F238E27FC236}">
-                <a16:creationId xmlns:a16="http://schemas.microsoft.com/office/drawing/2014/main" id="{CC23BC7C-26F8-4BB2-B507-C7782F17AB4C}"/>
-              </a:ext>
-            </a:extLst>
-          </p:cNvPr>
-          <p:cNvSpPr txBox="1">
-            <a:spLocks noChangeArrowheads="1"/>
-          </p:cNvSpPr>
-          <p:nvPr/>
-        </p:nvSpPr>
-        <p:spPr bwMode="auto">
-          <a:xfrm>
-            <a:off x="3139862" y="1891143"/>
-            <a:ext cx="852487" cy="707886"/>
-          </a:xfrm>
-          <a:prstGeom prst="rect">
-            <a:avLst/>
-          </a:prstGeom>
-          <a:noFill/>
-          <a:ln w="9525">
-            <a:noFill/>
-            <a:miter lim="800000"/>
-            <a:headEnd/>
-            <a:tailEnd/>
-          </a:ln>
-        </p:spPr>
-        <p:txBody>
-          <a:bodyPr>
-            <a:spAutoFit/>
-          </a:bodyPr>
-          <a:lstStyle/>
-          <a:p>
-            <a:pPr eaLnBrk="1" hangingPunct="1">
-              <a:buFont typeface="Arial" pitchFamily="34" charset="0"/>
-              <a:buNone/>
-            </a:pPr>
-            <a:r>
-              <a:rPr lang="zh-CN" altLang="en-US" sz="4000" b="1" dirty="0">
-                <a:solidFill>
-                  <a:schemeClr val="bg1"/>
-                </a:solidFill>
-                <a:latin typeface="微软雅黑" pitchFamily="34" charset="-122"/>
-                <a:ea typeface="微软雅黑" pitchFamily="34" charset="-122"/>
-              </a:rPr>
-              <a:t>二</a:t>
+              <a:t>年双十一淘宝成交量</a:t>
             </a:r>
           </a:p>
         </p:txBody>
@@ -7605,95 +6487,40 @@
       </p:sp>
       <p:pic>
         <p:nvPicPr>
-          <p:cNvPr id="1028" name="Picture 4" descr="https://timgsa.baidu.com/timg?image&amp;quality=80&amp;size=b9999_10000&amp;sec=1557388702666&amp;di=1bbd521bd031261a2e471c0b884992df&amp;imgtype=0&amp;src=http%3A%2F%2Ffile.01caijing.com%2Farticle%2F201811%2F6E4A4D424118499.png">
+          <p:cNvPr id="8" name="图片 7">
             <a:extLst>
               <a:ext uri="{FF2B5EF4-FFF2-40B4-BE49-F238E27FC236}">
-                <a16:creationId xmlns:a16="http://schemas.microsoft.com/office/drawing/2014/main" id="{5EC3D0F8-5012-460A-8830-91C429386562}"/>
+                <a16:creationId xmlns:a16="http://schemas.microsoft.com/office/drawing/2014/main" id="{6E5FCBED-477D-497C-90DE-738AF1ADFD65}"/>
               </a:ext>
             </a:extLst>
           </p:cNvPr>
           <p:cNvPicPr>
-            <a:picLocks noChangeAspect="1" noChangeArrowheads="1"/>
+            <a:picLocks noChangeAspect="1"/>
           </p:cNvPicPr>
           <p:nvPr/>
         </p:nvPicPr>
         <p:blipFill>
-          <a:blip r:embed="rId2">
-            <a:extLst>
-              <a:ext uri="{28A0092B-C50C-407E-A947-70E740481C1C}">
-                <a14:useLocalDpi xmlns:a14="http://schemas.microsoft.com/office/drawing/2010/main" val="0"/>
-              </a:ext>
-            </a:extLst>
-          </a:blip>
-          <a:srcRect/>
+          <a:blip r:embed="rId2"/>
           <a:stretch>
             <a:fillRect/>
           </a:stretch>
         </p:blipFill>
-        <p:spPr bwMode="auto">
-          <a:xfrm>
-            <a:off x="594239" y="1742149"/>
-            <a:ext cx="7955535" cy="4803821"/>
+        <p:spPr>
+          <a:xfrm>
+            <a:off x="2335214" y="794781"/>
+            <a:ext cx="6626586" cy="6063221"/>
           </a:xfrm>
           <a:prstGeom prst="rect">
             <a:avLst/>
           </a:prstGeom>
-          <a:noFill/>
-          <a:extLst>
-            <a:ext uri="{909E8E84-426E-40DD-AFC4-6F175D3DCCD1}">
-              <a14:hiddenFill xmlns:a14="http://schemas.microsoft.com/office/drawing/2010/main">
-                <a:solidFill>
-                  <a:srgbClr val="FFFFFF"/>
-                </a:solidFill>
-              </a14:hiddenFill>
-            </a:ext>
-          </a:extLst>
         </p:spPr>
       </p:pic>
-      <p:sp>
-        <p:nvSpPr>
-          <p:cNvPr id="4" name="文本框 3">
-            <a:extLst>
-              <a:ext uri="{FF2B5EF4-FFF2-40B4-BE49-F238E27FC236}">
-                <a16:creationId xmlns:a16="http://schemas.microsoft.com/office/drawing/2014/main" id="{7841C9EB-7BC9-4C07-953A-D47098DCB696}"/>
-              </a:ext>
-            </a:extLst>
-          </p:cNvPr>
-          <p:cNvSpPr txBox="1"/>
-          <p:nvPr/>
-        </p:nvSpPr>
-        <p:spPr>
-          <a:xfrm>
-            <a:off x="1650576" y="989406"/>
-            <a:ext cx="6519734" cy="646331"/>
-          </a:xfrm>
-          <a:prstGeom prst="rect">
-            <a:avLst/>
-          </a:prstGeom>
-          <a:noFill/>
-        </p:spPr>
-        <p:txBody>
-          <a:bodyPr wrap="none" rtlCol="0">
-            <a:spAutoFit/>
-          </a:bodyPr>
-          <a:lstStyle/>
-          <a:p>
-            <a:r>
-              <a:rPr lang="en-US" altLang="zh-CN" sz="3600" dirty="0">
-                <a:latin typeface="+mn-ea"/>
-              </a:rPr>
-              <a:t>2009-2018</a:t>
-            </a:r>
-            <a:r>
-              <a:rPr lang="zh-CN" altLang="en-US" sz="3600" dirty="0">
-                <a:latin typeface="+mn-ea"/>
-              </a:rPr>
-              <a:t>年双十一淘宝成交量</a:t>
-            </a:r>
-          </a:p>
-        </p:txBody>
-      </p:sp>
     </p:spTree>
+    <p:extLst>
+      <p:ext uri="{BB962C8B-B14F-4D97-AF65-F5344CB8AC3E}">
+        <p14:creationId xmlns:p14="http://schemas.microsoft.com/office/powerpoint/2010/main" val="1980345209"/>
+      </p:ext>
+    </p:extLst>
   </p:cSld>
   <p:clrMapOvr>
     <a:masterClrMapping/>
@@ -7864,7 +6691,7 @@
                 <a:latin typeface="微软雅黑" pitchFamily="34" charset="-122"/>
                 <a:ea typeface="微软雅黑" pitchFamily="34" charset="-122"/>
               </a:rPr>
-              <a:t>开发背景</a:t>
+              <a:t>总体设计</a:t>
             </a:r>
             <a:endParaRPr lang="zh-CN" altLang="en-US" b="1" dirty="0">
               <a:solidFill>
@@ -7874,40 +6701,86 @@
           </a:p>
         </p:txBody>
       </p:sp>
-      <p:pic>
-        <p:nvPicPr>
-          <p:cNvPr id="8" name="图片 7">
+      <p:sp>
+        <p:nvSpPr>
+          <p:cNvPr id="7" name="文本框 6">
             <a:extLst>
               <a:ext uri="{FF2B5EF4-FFF2-40B4-BE49-F238E27FC236}">
-                <a16:creationId xmlns:a16="http://schemas.microsoft.com/office/drawing/2014/main" id="{6E5FCBED-477D-497C-90DE-738AF1ADFD65}"/>
+                <a16:creationId xmlns:a16="http://schemas.microsoft.com/office/drawing/2014/main" id="{035FC971-0973-492D-B983-550A11EC965B}"/>
               </a:ext>
             </a:extLst>
           </p:cNvPr>
-          <p:cNvPicPr>
-            <a:picLocks noChangeAspect="1"/>
-          </p:cNvPicPr>
+          <p:cNvSpPr txBox="1"/>
+          <p:nvPr/>
+        </p:nvSpPr>
+        <p:spPr>
+          <a:xfrm>
+            <a:off x="197801" y="1018677"/>
+            <a:ext cx="1980029" cy="523220"/>
+          </a:xfrm>
+          <a:prstGeom prst="rect">
+            <a:avLst/>
+          </a:prstGeom>
+          <a:noFill/>
+        </p:spPr>
+        <p:txBody>
+          <a:bodyPr wrap="none" rtlCol="0">
+            <a:spAutoFit/>
+          </a:bodyPr>
+          <a:lstStyle/>
+          <a:p>
+            <a:r>
+              <a:rPr lang="zh-CN" altLang="en-US" sz="2800" dirty="0">
+                <a:latin typeface="+mn-ea"/>
+              </a:rPr>
+              <a:t>程序流程图</a:t>
+            </a:r>
+          </a:p>
+        </p:txBody>
+      </p:sp>
+      <p:pic>
+        <p:nvPicPr>
+          <p:cNvPr id="9" name="图片 8">
+            <a:extLst>
+              <a:ext uri="{FF2B5EF4-FFF2-40B4-BE49-F238E27FC236}">
+                <a16:creationId xmlns:a16="http://schemas.microsoft.com/office/drawing/2014/main" id="{740B8A0D-F28A-4E17-BB5C-DD2588E0DF1B}"/>
+              </a:ext>
+            </a:extLst>
+          </p:cNvPr>
+          <p:cNvPicPr/>
           <p:nvPr/>
         </p:nvPicPr>
         <p:blipFill>
-          <a:blip r:embed="rId2"/>
+          <a:blip r:embed="rId2">
+            <a:extLst>
+              <a:ext uri="{28A0092B-C50C-407E-A947-70E740481C1C}">
+                <a14:useLocalDpi xmlns:a14="http://schemas.microsoft.com/office/drawing/2010/main" val="0"/>
+              </a:ext>
+            </a:extLst>
+          </a:blip>
+          <a:srcRect/>
           <a:stretch>
             <a:fillRect/>
           </a:stretch>
         </p:blipFill>
-        <p:spPr>
-          <a:xfrm>
-            <a:off x="2335214" y="794781"/>
-            <a:ext cx="6626586" cy="6063221"/>
+        <p:spPr bwMode="auto">
+          <a:xfrm>
+            <a:off x="2801937" y="201557"/>
+            <a:ext cx="6144264" cy="6454886"/>
           </a:xfrm>
           <a:prstGeom prst="rect">
             <a:avLst/>
           </a:prstGeom>
+          <a:noFill/>
+          <a:ln>
+            <a:noFill/>
+          </a:ln>
         </p:spPr>
       </p:pic>
     </p:spTree>
     <p:extLst>
       <p:ext uri="{BB962C8B-B14F-4D97-AF65-F5344CB8AC3E}">
-        <p14:creationId xmlns:p14="http://schemas.microsoft.com/office/powerpoint/2010/main" val="1980345209"/>
+        <p14:creationId xmlns:p14="http://schemas.microsoft.com/office/powerpoint/2010/main" val="3115292708"/>
       </p:ext>
     </p:extLst>
   </p:cSld>
@@ -8104,8 +6977,8 @@
         </p:nvSpPr>
         <p:spPr>
           <a:xfrm>
-            <a:off x="197801" y="1018677"/>
-            <a:ext cx="1980029" cy="523220"/>
+            <a:off x="246161" y="1010960"/>
+            <a:ext cx="1620957" cy="523220"/>
           </a:xfrm>
           <a:prstGeom prst="rect">
             <a:avLst/>
@@ -8122,21 +6995,23 @@
               <a:rPr lang="zh-CN" altLang="en-US" sz="2800" dirty="0">
                 <a:latin typeface="+mn-ea"/>
               </a:rPr>
-              <a:t>程序流程图</a:t>
+              <a:t>数据流图</a:t>
             </a:r>
           </a:p>
         </p:txBody>
       </p:sp>
       <p:pic>
         <p:nvPicPr>
-          <p:cNvPr id="9" name="图片 8">
+          <p:cNvPr id="3" name="图片 2">
             <a:extLst>
               <a:ext uri="{FF2B5EF4-FFF2-40B4-BE49-F238E27FC236}">
-                <a16:creationId xmlns:a16="http://schemas.microsoft.com/office/drawing/2014/main" id="{740B8A0D-F28A-4E17-BB5C-DD2588E0DF1B}"/>
+                <a16:creationId xmlns:a16="http://schemas.microsoft.com/office/drawing/2014/main" id="{DC5E5326-0F77-4CF8-8F1C-36977B1001C8}"/>
               </a:ext>
             </a:extLst>
           </p:cNvPr>
-          <p:cNvPicPr/>
+          <p:cNvPicPr>
+            <a:picLocks noChangeAspect="1"/>
+          </p:cNvPicPr>
           <p:nvPr/>
         </p:nvPicPr>
         <p:blipFill>
@@ -8147,29 +7022,24 @@
               </a:ext>
             </a:extLst>
           </a:blip>
-          <a:srcRect/>
           <a:stretch>
             <a:fillRect/>
           </a:stretch>
         </p:blipFill>
-        <p:spPr bwMode="auto">
-          <a:xfrm>
-            <a:off x="2801937" y="201557"/>
-            <a:ext cx="6144264" cy="6454886"/>
+        <p:spPr>
+          <a:xfrm>
+            <a:off x="254360" y="1534180"/>
+            <a:ext cx="8762846" cy="4975514"/>
           </a:xfrm>
           <a:prstGeom prst="rect">
             <a:avLst/>
           </a:prstGeom>
-          <a:noFill/>
-          <a:ln>
-            <a:noFill/>
-          </a:ln>
         </p:spPr>
       </p:pic>
     </p:spTree>
     <p:extLst>
       <p:ext uri="{BB962C8B-B14F-4D97-AF65-F5344CB8AC3E}">
-        <p14:creationId xmlns:p14="http://schemas.microsoft.com/office/powerpoint/2010/main" val="3115292708"/>
+        <p14:creationId xmlns:p14="http://schemas.microsoft.com/office/powerpoint/2010/main" val="256051022"/>
       </p:ext>
     </p:extLst>
   </p:cSld>
@@ -8354,10 +7224,10 @@
       </p:sp>
       <p:sp>
         <p:nvSpPr>
-          <p:cNvPr id="7" name="文本框 6">
+          <p:cNvPr id="13" name="文本框 12">
             <a:extLst>
               <a:ext uri="{FF2B5EF4-FFF2-40B4-BE49-F238E27FC236}">
-                <a16:creationId xmlns:a16="http://schemas.microsoft.com/office/drawing/2014/main" id="{035FC971-0973-492D-B983-550A11EC965B}"/>
+                <a16:creationId xmlns:a16="http://schemas.microsoft.com/office/drawing/2014/main" id="{4CA44766-E60B-41CF-B679-0F3468673A86}"/>
               </a:ext>
             </a:extLst>
           </p:cNvPr>
@@ -8367,7 +7237,7 @@
         <p:spPr>
           <a:xfrm>
             <a:off x="246161" y="1010960"/>
-            <a:ext cx="1620957" cy="523220"/>
+            <a:ext cx="2016899" cy="523220"/>
           </a:xfrm>
           <a:prstGeom prst="rect">
             <a:avLst/>
@@ -8384,17 +7254,17 @@
               <a:rPr lang="zh-CN" altLang="en-US" sz="2800" dirty="0">
                 <a:latin typeface="+mn-ea"/>
               </a:rPr>
-              <a:t>数据流图</a:t>
+              <a:t>系统模块图</a:t>
             </a:r>
           </a:p>
         </p:txBody>
       </p:sp>
       <p:pic>
         <p:nvPicPr>
-          <p:cNvPr id="3" name="图片 2">
+          <p:cNvPr id="15" name="图片 14">
             <a:extLst>
               <a:ext uri="{FF2B5EF4-FFF2-40B4-BE49-F238E27FC236}">
-                <a16:creationId xmlns:a16="http://schemas.microsoft.com/office/drawing/2014/main" id="{DC5E5326-0F77-4CF8-8F1C-36977B1001C8}"/>
+                <a16:creationId xmlns:a16="http://schemas.microsoft.com/office/drawing/2014/main" id="{E8192EFE-89DB-48BF-8858-B8DAA813128E}"/>
               </a:ext>
             </a:extLst>
           </p:cNvPr>
@@ -8417,8 +7287,8 @@
         </p:blipFill>
         <p:spPr>
           <a:xfrm>
-            <a:off x="254360" y="1534180"/>
-            <a:ext cx="8762846" cy="4975514"/>
+            <a:off x="0" y="2025049"/>
+            <a:ext cx="9219414" cy="3913838"/>
           </a:xfrm>
           <a:prstGeom prst="rect">
             <a:avLst/>
@@ -8428,7 +7298,7 @@
     </p:spTree>
     <p:extLst>
       <p:ext uri="{BB962C8B-B14F-4D97-AF65-F5344CB8AC3E}">
-        <p14:creationId xmlns:p14="http://schemas.microsoft.com/office/powerpoint/2010/main" val="256051022"/>
+        <p14:creationId xmlns:p14="http://schemas.microsoft.com/office/powerpoint/2010/main" val="2120166866"/>
       </p:ext>
     </p:extLst>
   </p:cSld>
@@ -8601,7 +7471,27 @@
                 <a:latin typeface="微软雅黑" pitchFamily="34" charset="-122"/>
                 <a:ea typeface="微软雅黑" pitchFamily="34" charset="-122"/>
               </a:rPr>
-              <a:t>总体设计</a:t>
+              <a:t>模块设计</a:t>
+            </a:r>
+            <a:r>
+              <a:rPr lang="en-US" altLang="zh-CN" b="1" dirty="0">
+                <a:solidFill>
+                  <a:schemeClr val="bg1"/>
+                </a:solidFill>
+                <a:latin typeface="微软雅黑" pitchFamily="34" charset="-122"/>
+                <a:ea typeface="微软雅黑" pitchFamily="34" charset="-122"/>
+              </a:rPr>
+              <a:t>——</a:t>
+            </a:r>
+            <a:r>
+              <a:rPr lang="zh-CN" altLang="en-US" b="1" dirty="0">
+                <a:solidFill>
+                  <a:schemeClr val="bg1"/>
+                </a:solidFill>
+                <a:latin typeface="微软雅黑" pitchFamily="34" charset="-122"/>
+                <a:ea typeface="微软雅黑" pitchFamily="34" charset="-122"/>
+              </a:rPr>
+              <a:t>管理模块</a:t>
             </a:r>
             <a:endParaRPr lang="zh-CN" altLang="en-US" b="1" dirty="0">
               <a:solidFill>
@@ -8611,49 +7501,12 @@
           </a:p>
         </p:txBody>
       </p:sp>
-      <p:sp>
-        <p:nvSpPr>
-          <p:cNvPr id="13" name="文本框 12">
+      <p:pic>
+        <p:nvPicPr>
+          <p:cNvPr id="2" name="图片 1">
             <a:extLst>
               <a:ext uri="{FF2B5EF4-FFF2-40B4-BE49-F238E27FC236}">
-                <a16:creationId xmlns:a16="http://schemas.microsoft.com/office/drawing/2014/main" id="{4CA44766-E60B-41CF-B679-0F3468673A86}"/>
-              </a:ext>
-            </a:extLst>
-          </p:cNvPr>
-          <p:cNvSpPr txBox="1"/>
-          <p:nvPr/>
-        </p:nvSpPr>
-        <p:spPr>
-          <a:xfrm>
-            <a:off x="246161" y="1010960"/>
-            <a:ext cx="2016899" cy="523220"/>
-          </a:xfrm>
-          <a:prstGeom prst="rect">
-            <a:avLst/>
-          </a:prstGeom>
-          <a:noFill/>
-        </p:spPr>
-        <p:txBody>
-          <a:bodyPr wrap="none" rtlCol="0">
-            <a:spAutoFit/>
-          </a:bodyPr>
-          <a:lstStyle/>
-          <a:p>
-            <a:r>
-              <a:rPr lang="zh-CN" altLang="en-US" sz="2800" dirty="0">
-                <a:latin typeface="+mn-ea"/>
-              </a:rPr>
-              <a:t>系统模块图</a:t>
-            </a:r>
-          </a:p>
-        </p:txBody>
-      </p:sp>
-      <p:pic>
-        <p:nvPicPr>
-          <p:cNvPr id="15" name="图片 14">
-            <a:extLst>
-              <a:ext uri="{FF2B5EF4-FFF2-40B4-BE49-F238E27FC236}">
-                <a16:creationId xmlns:a16="http://schemas.microsoft.com/office/drawing/2014/main" id="{E8192EFE-89DB-48BF-8858-B8DAA813128E}"/>
+                <a16:creationId xmlns:a16="http://schemas.microsoft.com/office/drawing/2014/main" id="{2E94225E-ED06-4855-B83E-C1847EA3773A}"/>
               </a:ext>
             </a:extLst>
           </p:cNvPr>
@@ -8663,31 +7516,87 @@
           <p:nvPr/>
         </p:nvPicPr>
         <p:blipFill>
-          <a:blip r:embed="rId2">
-            <a:extLst>
-              <a:ext uri="{28A0092B-C50C-407E-A947-70E740481C1C}">
-                <a14:useLocalDpi xmlns:a14="http://schemas.microsoft.com/office/drawing/2010/main" val="0"/>
-              </a:ext>
-            </a:extLst>
-          </a:blip>
+          <a:blip r:embed="rId2"/>
           <a:stretch>
             <a:fillRect/>
           </a:stretch>
         </p:blipFill>
         <p:spPr>
           <a:xfrm>
-            <a:off x="0" y="2025049"/>
-            <a:ext cx="9219414" cy="3913838"/>
+            <a:off x="616879" y="1311249"/>
+            <a:ext cx="7910245" cy="2872989"/>
           </a:xfrm>
           <a:prstGeom prst="rect">
             <a:avLst/>
           </a:prstGeom>
         </p:spPr>
       </p:pic>
+      <p:sp>
+        <p:nvSpPr>
+          <p:cNvPr id="3" name="文本框 2">
+            <a:extLst>
+              <a:ext uri="{FF2B5EF4-FFF2-40B4-BE49-F238E27FC236}">
+                <a16:creationId xmlns:a16="http://schemas.microsoft.com/office/drawing/2014/main" id="{5EB14F1E-3A05-4BB8-99FB-446E394E2740}"/>
+              </a:ext>
+            </a:extLst>
+          </p:cNvPr>
+          <p:cNvSpPr txBox="1"/>
+          <p:nvPr/>
+        </p:nvSpPr>
+        <p:spPr>
+          <a:xfrm>
+            <a:off x="1573423" y="4838867"/>
+            <a:ext cx="5997155" cy="707886"/>
+          </a:xfrm>
+          <a:prstGeom prst="rect">
+            <a:avLst/>
+          </a:prstGeom>
+          <a:noFill/>
+        </p:spPr>
+        <p:txBody>
+          <a:bodyPr wrap="none" rtlCol="0">
+            <a:spAutoFit/>
+          </a:bodyPr>
+          <a:lstStyle/>
+          <a:p>
+            <a:r>
+              <a:rPr lang="en-US" altLang="zh-CN" sz="2000" dirty="0"/>
+              <a:t>Django</a:t>
+            </a:r>
+            <a:r>
+              <a:rPr lang="zh-CN" altLang="en-US" sz="2000" dirty="0"/>
+              <a:t>框架提供了基于</a:t>
+            </a:r>
+            <a:r>
+              <a:rPr lang="en-US" altLang="zh-CN" sz="2000" dirty="0"/>
+              <a:t>Web</a:t>
+            </a:r>
+            <a:r>
+              <a:rPr lang="zh-CN" altLang="en-US" sz="2000" dirty="0"/>
+              <a:t>的管理工具，</a:t>
+            </a:r>
+            <a:endParaRPr lang="en-US" altLang="zh-CN" sz="2000" dirty="0"/>
+          </a:p>
+          <a:p>
+            <a:r>
+              <a:rPr lang="zh-CN" altLang="en-US" sz="2000" dirty="0"/>
+              <a:t>通过激活设置和绑定模型可以快速地生成</a:t>
+            </a:r>
+            <a:r>
+              <a:rPr lang="en-US" altLang="zh-CN" sz="2000" dirty="0"/>
+              <a:t>Admin</a:t>
+            </a:r>
+            <a:r>
+              <a:rPr lang="zh-CN" altLang="en-US" sz="2000" dirty="0"/>
+              <a:t>页面</a:t>
+            </a:r>
+          </a:p>
+        </p:txBody>
+      </p:sp>
     </p:spTree>
     <p:extLst>
       <p:ext uri="{BB962C8B-B14F-4D97-AF65-F5344CB8AC3E}">
-        <p14:creationId xmlns:p14="http://schemas.microsoft.com/office/powerpoint/2010/main" val="2120166866"/>
+        <p14:creationId xmlns:p14="http://schemas.microsoft.com/office/powerpoint/2010/main" val="1981460844"/>
       </p:ext>
     </p:extLst>
   </p:cSld>
@@ -8880,7 +7789,7 @@
                 <a:latin typeface="微软雅黑" pitchFamily="34" charset="-122"/>
                 <a:ea typeface="微软雅黑" pitchFamily="34" charset="-122"/>
               </a:rPr>
-              <a:t>管理模块</a:t>
+              <a:t>图表显示模块</a:t>
             </a:r>
             <a:endParaRPr lang="zh-CN" altLang="en-US" b="1" dirty="0">
               <a:solidFill>
@@ -8895,7 +7804,7 @@
           <p:cNvPr id="2" name="图片 1">
             <a:extLst>
               <a:ext uri="{FF2B5EF4-FFF2-40B4-BE49-F238E27FC236}">
-                <a16:creationId xmlns:a16="http://schemas.microsoft.com/office/drawing/2014/main" id="{2E94225E-ED06-4855-B83E-C1847EA3773A}"/>
+                <a16:creationId xmlns:a16="http://schemas.microsoft.com/office/drawing/2014/main" id="{70466DAE-8854-4F36-8690-3B4677D08560}"/>
               </a:ext>
             </a:extLst>
           </p:cNvPr>
@@ -8912,8 +7821,8 @@
         </p:blipFill>
         <p:spPr>
           <a:xfrm>
-            <a:off x="616879" y="1311249"/>
-            <a:ext cx="7910245" cy="2872989"/>
+            <a:off x="472271" y="1142606"/>
+            <a:ext cx="5982915" cy="5334395"/>
           </a:xfrm>
           <a:prstGeom prst="rect">
             <a:avLst/>
@@ -8925,7 +7834,7 @@
           <p:cNvPr id="3" name="文本框 2">
             <a:extLst>
               <a:ext uri="{FF2B5EF4-FFF2-40B4-BE49-F238E27FC236}">
-                <a16:creationId xmlns:a16="http://schemas.microsoft.com/office/drawing/2014/main" id="{5EB14F1E-3A05-4BB8-99FB-446E394E2740}"/>
+                <a16:creationId xmlns:a16="http://schemas.microsoft.com/office/drawing/2014/main" id="{31CC2D11-B33A-42C8-8CEE-6F5A28E7EE17}"/>
               </a:ext>
             </a:extLst>
           </p:cNvPr>
@@ -8934,8 +7843,8 @@
         </p:nvSpPr>
         <p:spPr>
           <a:xfrm>
-            <a:off x="1573423" y="4838867"/>
-            <a:ext cx="5997155" cy="707886"/>
+            <a:off x="6928902" y="1049783"/>
+            <a:ext cx="1533962" cy="4985980"/>
           </a:xfrm>
           <a:prstGeom prst="rect">
             <a:avLst/>
@@ -8943,49 +7852,72 @@
           <a:noFill/>
         </p:spPr>
         <p:txBody>
-          <a:bodyPr wrap="none" rtlCol="0">
+          <a:bodyPr wrap="square" rtlCol="0">
             <a:spAutoFit/>
           </a:bodyPr>
           <a:lstStyle/>
           <a:p>
-            <a:r>
+            <a:br>
               <a:rPr lang="en-US" altLang="zh-CN" sz="2000" dirty="0"/>
-              <a:t>Django</a:t>
+            </a:br>
+            <a:r>
+              <a:rPr lang="en-US" altLang="zh-CN" sz="2000" dirty="0"/>
+              <a:t>Chart.js</a:t>
             </a:r>
             <a:r>
               <a:rPr lang="zh-CN" altLang="en-US" sz="2000" dirty="0"/>
-              <a:t>框架提供了基于</a:t>
+              <a:t>是基于 </a:t>
             </a:r>
             <a:r>
               <a:rPr lang="en-US" altLang="zh-CN" sz="2000" dirty="0"/>
-              <a:t>Web</a:t>
+              <a:t>HTML5 </a:t>
             </a:r>
             <a:r>
               <a:rPr lang="zh-CN" altLang="en-US" sz="2000" dirty="0"/>
-              <a:t>的管理工具，</a:t>
-            </a:r>
-            <a:endParaRPr lang="en-US" altLang="zh-CN" sz="2000" dirty="0"/>
-          </a:p>
-          <a:p>
+              <a:t>的 </a:t>
+            </a:r>
+            <a:r>
+              <a:rPr lang="en-US" altLang="zh-CN" sz="2000" dirty="0"/>
+              <a:t>JavaScript </a:t>
+            </a:r>
             <a:r>
               <a:rPr lang="zh-CN" altLang="en-US" sz="2000" dirty="0"/>
-              <a:t>通过激活设置和绑定模型可以快速地生成</a:t>
+              <a:t>图表库，具有</a:t>
             </a:r>
             <a:r>
               <a:rPr lang="en-US" altLang="zh-CN" sz="2000" dirty="0"/>
-              <a:t>Admin</a:t>
+              <a:t>6</a:t>
             </a:r>
             <a:r>
               <a:rPr lang="zh-CN" altLang="en-US" sz="2000" dirty="0"/>
-              <a:t>页面</a:t>
-            </a:r>
+              <a:t>种图表类型，具有简单灵活的优点。利用</a:t>
+            </a:r>
+            <a:r>
+              <a:rPr lang="en-US" altLang="zh-CN" sz="2000" dirty="0"/>
+              <a:t>Django+Ajaxa</a:t>
+            </a:r>
+            <a:r>
+              <a:rPr lang="zh-CN" altLang="en-US" sz="2000" dirty="0"/>
+              <a:t>将数据返回并绑定到</a:t>
+            </a:r>
+            <a:r>
+              <a:rPr lang="en-US" altLang="zh-CN" sz="2000" dirty="0"/>
+              <a:t>Canvas</a:t>
+            </a:r>
+            <a:r>
+              <a:rPr lang="zh-CN" altLang="en-US" sz="2000" dirty="0"/>
+              <a:t>上，实现图表的显示。</a:t>
+            </a:r>
+          </a:p>
+          <a:p>
+            <a:endParaRPr lang="zh-CN" altLang="en-US" sz="2000" dirty="0"/>
           </a:p>
         </p:txBody>
       </p:sp>
     </p:spTree>
     <p:extLst>
       <p:ext uri="{BB962C8B-B14F-4D97-AF65-F5344CB8AC3E}">
-        <p14:creationId xmlns:p14="http://schemas.microsoft.com/office/powerpoint/2010/main" val="1981460844"/>
+        <p14:creationId xmlns:p14="http://schemas.microsoft.com/office/powerpoint/2010/main" val="171382450"/>
       </p:ext>
     </p:extLst>
   </p:cSld>
@@ -9178,7 +8110,7 @@
                 <a:latin typeface="微软雅黑" pitchFamily="34" charset="-122"/>
                 <a:ea typeface="微软雅黑" pitchFamily="34" charset="-122"/>
               </a:rPr>
-              <a:t>图表显示模块</a:t>
+              <a:t>爬虫模块</a:t>
             </a:r>
             <a:endParaRPr lang="zh-CN" altLang="en-US" b="1" dirty="0">
               <a:solidFill>
@@ -9193,7 +8125,7 @@
           <p:cNvPr id="2" name="图片 1">
             <a:extLst>
               <a:ext uri="{FF2B5EF4-FFF2-40B4-BE49-F238E27FC236}">
-                <a16:creationId xmlns:a16="http://schemas.microsoft.com/office/drawing/2014/main" id="{70466DAE-8854-4F36-8690-3B4677D08560}"/>
+                <a16:creationId xmlns:a16="http://schemas.microsoft.com/office/drawing/2014/main" id="{2A42751D-8A65-468C-A971-8419BD06FA9A}"/>
               </a:ext>
             </a:extLst>
           </p:cNvPr>
@@ -9210,103 +8142,18 @@
         </p:blipFill>
         <p:spPr>
           <a:xfrm>
-            <a:off x="472271" y="1142606"/>
-            <a:ext cx="5982915" cy="5334395"/>
+            <a:off x="149960" y="1141096"/>
+            <a:ext cx="8844083" cy="4575811"/>
           </a:xfrm>
           <a:prstGeom prst="rect">
             <a:avLst/>
           </a:prstGeom>
         </p:spPr>
       </p:pic>
-      <p:sp>
-        <p:nvSpPr>
-          <p:cNvPr id="3" name="文本框 2">
-            <a:extLst>
-              <a:ext uri="{FF2B5EF4-FFF2-40B4-BE49-F238E27FC236}">
-                <a16:creationId xmlns:a16="http://schemas.microsoft.com/office/drawing/2014/main" id="{31CC2D11-B33A-42C8-8CEE-6F5A28E7EE17}"/>
-              </a:ext>
-            </a:extLst>
-          </p:cNvPr>
-          <p:cNvSpPr txBox="1"/>
-          <p:nvPr/>
-        </p:nvSpPr>
-        <p:spPr>
-          <a:xfrm>
-            <a:off x="6928902" y="1049783"/>
-            <a:ext cx="1533962" cy="4985980"/>
-          </a:xfrm>
-          <a:prstGeom prst="rect">
-            <a:avLst/>
-          </a:prstGeom>
-          <a:noFill/>
-        </p:spPr>
-        <p:txBody>
-          <a:bodyPr wrap="square" rtlCol="0">
-            <a:spAutoFit/>
-          </a:bodyPr>
-          <a:lstStyle/>
-          <a:p>
-            <a:br>
-              <a:rPr lang="en-US" altLang="zh-CN" sz="2000" dirty="0"/>
-            </a:br>
-            <a:r>
-              <a:rPr lang="en-US" altLang="zh-CN" sz="2000" dirty="0"/>
-              <a:t>Chart.js</a:t>
-            </a:r>
-            <a:r>
-              <a:rPr lang="zh-CN" altLang="en-US" sz="2000" dirty="0"/>
-              <a:t>是基于 </a:t>
-            </a:r>
-            <a:r>
-              <a:rPr lang="en-US" altLang="zh-CN" sz="2000" dirty="0"/>
-              <a:t>HTML5 </a:t>
-            </a:r>
-            <a:r>
-              <a:rPr lang="zh-CN" altLang="en-US" sz="2000" dirty="0"/>
-              <a:t>的 </a:t>
-            </a:r>
-            <a:r>
-              <a:rPr lang="en-US" altLang="zh-CN" sz="2000" dirty="0"/>
-              <a:t>JavaScript </a:t>
-            </a:r>
-            <a:r>
-              <a:rPr lang="zh-CN" altLang="en-US" sz="2000" dirty="0"/>
-              <a:t>图表库，具有</a:t>
-            </a:r>
-            <a:r>
-              <a:rPr lang="en-US" altLang="zh-CN" sz="2000" dirty="0"/>
-              <a:t>6</a:t>
-            </a:r>
-            <a:r>
-              <a:rPr lang="zh-CN" altLang="en-US" sz="2000" dirty="0"/>
-              <a:t>种图表类型，具有简单灵活的优点。利用</a:t>
-            </a:r>
-            <a:r>
-              <a:rPr lang="en-US" altLang="zh-CN" sz="2000" dirty="0"/>
-              <a:t>Django+Ajaxa</a:t>
-            </a:r>
-            <a:r>
-              <a:rPr lang="zh-CN" altLang="en-US" sz="2000" dirty="0"/>
-              <a:t>将数据返回并绑定到</a:t>
-            </a:r>
-            <a:r>
-              <a:rPr lang="en-US" altLang="zh-CN" sz="2000" dirty="0"/>
-              <a:t>Canvas</a:t>
-            </a:r>
-            <a:r>
-              <a:rPr lang="zh-CN" altLang="en-US" sz="2000" dirty="0"/>
-              <a:t>上，实现图表的显示。</a:t>
-            </a:r>
-          </a:p>
-          <a:p>
-            <a:endParaRPr lang="zh-CN" altLang="en-US" sz="2000" dirty="0"/>
-          </a:p>
-        </p:txBody>
-      </p:sp>
     </p:spTree>
     <p:extLst>
       <p:ext uri="{BB962C8B-B14F-4D97-AF65-F5344CB8AC3E}">
-        <p14:creationId xmlns:p14="http://schemas.microsoft.com/office/powerpoint/2010/main" val="171382450"/>
+        <p14:creationId xmlns:p14="http://schemas.microsoft.com/office/powerpoint/2010/main" val="1099218633"/>
       </p:ext>
     </p:extLst>
   </p:cSld>
